--- a/EvaluationParCompetences.pptx
+++ b/EvaluationParCompetences.pptx
@@ -12,7 +12,10 @@
     <p:sldId id="260" r:id="rId6"/>
     <p:sldId id="261" r:id="rId7"/>
     <p:sldId id="262" r:id="rId8"/>
-    <p:sldId id="263" r:id="rId9"/>
+    <p:sldId id="264" r:id="rId9"/>
+    <p:sldId id="263" r:id="rId10"/>
+    <p:sldId id="266" r:id="rId11"/>
+    <p:sldId id="265" r:id="rId12"/>
   </p:sldIdLst>
   <p:sldSz cx="12192000" cy="6858000"/>
   <p:notesSz cx="6858000" cy="9144000"/>
@@ -318,7 +321,7 @@
           <a:p>
             <a:fld id="{C79C3F50-D8CC-4C93-8A4E-A58F17A43B37}" type="datetimeFigureOut">
               <a:rPr lang="fr-FR" smtClean="0"/>
-              <a:t>05/12/2021</a:t>
+              <a:t>15/12/2021</a:t>
             </a:fld>
             <a:endParaRPr lang="fr-FR"/>
           </a:p>
@@ -656,7 +659,7 @@
           <a:p>
             <a:fld id="{C79C3F50-D8CC-4C93-8A4E-A58F17A43B37}" type="datetimeFigureOut">
               <a:rPr lang="fr-FR" smtClean="0"/>
-              <a:t>05/12/2021</a:t>
+              <a:t>15/12/2021</a:t>
             </a:fld>
             <a:endParaRPr lang="fr-FR"/>
           </a:p>
@@ -1057,7 +1060,7 @@
           <a:p>
             <a:fld id="{C79C3F50-D8CC-4C93-8A4E-A58F17A43B37}" type="datetimeFigureOut">
               <a:rPr lang="fr-FR" smtClean="0"/>
-              <a:t>05/12/2021</a:t>
+              <a:t>15/12/2021</a:t>
             </a:fld>
             <a:endParaRPr lang="fr-FR"/>
           </a:p>
@@ -1393,7 +1396,7 @@
           <a:p>
             <a:fld id="{C79C3F50-D8CC-4C93-8A4E-A58F17A43B37}" type="datetimeFigureOut">
               <a:rPr lang="fr-FR" smtClean="0"/>
-              <a:t>05/12/2021</a:t>
+              <a:t>15/12/2021</a:t>
             </a:fld>
             <a:endParaRPr lang="fr-FR"/>
           </a:p>
@@ -1713,7 +1716,7 @@
           <a:p>
             <a:fld id="{C79C3F50-D8CC-4C93-8A4E-A58F17A43B37}" type="datetimeFigureOut">
               <a:rPr lang="fr-FR" smtClean="0"/>
-              <a:t>05/12/2021</a:t>
+              <a:t>15/12/2021</a:t>
             </a:fld>
             <a:endParaRPr lang="fr-FR"/>
           </a:p>
@@ -2109,7 +2112,7 @@
           <a:p>
             <a:fld id="{C79C3F50-D8CC-4C93-8A4E-A58F17A43B37}" type="datetimeFigureOut">
               <a:rPr lang="fr-FR" smtClean="0"/>
-              <a:t>05/12/2021</a:t>
+              <a:t>15/12/2021</a:t>
             </a:fld>
             <a:endParaRPr lang="fr-FR"/>
           </a:p>
@@ -2366,7 +2369,7 @@
           <a:p>
             <a:fld id="{C79C3F50-D8CC-4C93-8A4E-A58F17A43B37}" type="datetimeFigureOut">
               <a:rPr lang="fr-FR" smtClean="0"/>
-              <a:t>05/12/2021</a:t>
+              <a:t>15/12/2021</a:t>
             </a:fld>
             <a:endParaRPr lang="fr-FR"/>
           </a:p>
@@ -2628,7 +2631,7 @@
           <a:p>
             <a:fld id="{C79C3F50-D8CC-4C93-8A4E-A58F17A43B37}" type="datetimeFigureOut">
               <a:rPr lang="fr-FR" smtClean="0"/>
-              <a:t>05/12/2021</a:t>
+              <a:t>15/12/2021</a:t>
             </a:fld>
             <a:endParaRPr lang="fr-FR"/>
           </a:p>
@@ -2890,7 +2893,7 @@
           <a:p>
             <a:fld id="{C79C3F50-D8CC-4C93-8A4E-A58F17A43B37}" type="datetimeFigureOut">
               <a:rPr lang="fr-FR" smtClean="0"/>
-              <a:t>05/12/2021</a:t>
+              <a:t>15/12/2021</a:t>
             </a:fld>
             <a:endParaRPr lang="fr-FR"/>
           </a:p>
@@ -3219,7 +3222,7 @@
           <a:p>
             <a:fld id="{C79C3F50-D8CC-4C93-8A4E-A58F17A43B37}" type="datetimeFigureOut">
               <a:rPr lang="fr-FR" smtClean="0"/>
-              <a:t>05/12/2021</a:t>
+              <a:t>15/12/2021</a:t>
             </a:fld>
             <a:endParaRPr lang="fr-FR"/>
           </a:p>
@@ -3542,7 +3545,7 @@
           <a:p>
             <a:fld id="{C79C3F50-D8CC-4C93-8A4E-A58F17A43B37}" type="datetimeFigureOut">
               <a:rPr lang="fr-FR" smtClean="0"/>
-              <a:t>05/12/2021</a:t>
+              <a:t>15/12/2021</a:t>
             </a:fld>
             <a:endParaRPr lang="fr-FR"/>
           </a:p>
@@ -3999,7 +4002,7 @@
           <a:p>
             <a:fld id="{C79C3F50-D8CC-4C93-8A4E-A58F17A43B37}" type="datetimeFigureOut">
               <a:rPr lang="fr-FR" smtClean="0"/>
-              <a:t>05/12/2021</a:t>
+              <a:t>15/12/2021</a:t>
             </a:fld>
             <a:endParaRPr lang="fr-FR"/>
           </a:p>
@@ -4204,7 +4207,7 @@
           <a:p>
             <a:fld id="{C79C3F50-D8CC-4C93-8A4E-A58F17A43B37}" type="datetimeFigureOut">
               <a:rPr lang="fr-FR" smtClean="0"/>
-              <a:t>05/12/2021</a:t>
+              <a:t>15/12/2021</a:t>
             </a:fld>
             <a:endParaRPr lang="fr-FR"/>
           </a:p>
@@ -4381,7 +4384,7 @@
           <a:p>
             <a:fld id="{C79C3F50-D8CC-4C93-8A4E-A58F17A43B37}" type="datetimeFigureOut">
               <a:rPr lang="fr-FR" smtClean="0"/>
-              <a:t>05/12/2021</a:t>
+              <a:t>15/12/2021</a:t>
             </a:fld>
             <a:endParaRPr lang="fr-FR"/>
           </a:p>
@@ -4714,7 +4717,7 @@
           <a:p>
             <a:fld id="{C79C3F50-D8CC-4C93-8A4E-A58F17A43B37}" type="datetimeFigureOut">
               <a:rPr lang="fr-FR" smtClean="0"/>
-              <a:t>05/12/2021</a:t>
+              <a:t>15/12/2021</a:t>
             </a:fld>
             <a:endParaRPr lang="fr-FR"/>
           </a:p>
@@ -5059,7 +5062,7 @@
           <a:p>
             <a:fld id="{C79C3F50-D8CC-4C93-8A4E-A58F17A43B37}" type="datetimeFigureOut">
               <a:rPr lang="fr-FR" smtClean="0"/>
-              <a:t>05/12/2021</a:t>
+              <a:t>15/12/2021</a:t>
             </a:fld>
             <a:endParaRPr lang="fr-FR"/>
           </a:p>
@@ -7176,7 +7179,7 @@
           <a:p>
             <a:fld id="{C79C3F50-D8CC-4C93-8A4E-A58F17A43B37}" type="datetimeFigureOut">
               <a:rPr lang="fr-FR" smtClean="0"/>
-              <a:t>05/12/2021</a:t>
+              <a:t>15/12/2021</a:t>
             </a:fld>
             <a:endParaRPr lang="fr-FR"/>
           </a:p>
@@ -7751,6 +7754,201 @@
     <p:extLst>
       <p:ext uri="{BB962C8B-B14F-4D97-AF65-F5344CB8AC3E}">
         <p14:creationId xmlns:p14="http://schemas.microsoft.com/office/powerpoint/2010/main" val="3222111521"/>
+      </p:ext>
+    </p:extLst>
+  </p:cSld>
+  <p:clrMapOvr>
+    <a:masterClrMapping/>
+  </p:clrMapOvr>
+</p:sld>
+</file>
+
+<file path=ppt/slides/slide10.xml><?xml version="1.0" encoding="utf-8"?>
+<p:sld xmlns:a="http://schemas.openxmlformats.org/drawingml/2006/main" xmlns:r="http://schemas.openxmlformats.org/officeDocument/2006/relationships" xmlns:p="http://schemas.openxmlformats.org/presentationml/2006/main">
+  <p:cSld>
+    <p:spTree>
+      <p:nvGrpSpPr>
+        <p:cNvPr id="1" name=""/>
+        <p:cNvGrpSpPr/>
+        <p:nvPr/>
+      </p:nvGrpSpPr>
+      <p:grpSpPr>
+        <a:xfrm>
+          <a:off x="0" y="0"/>
+          <a:ext cx="0" cy="0"/>
+          <a:chOff x="0" y="0"/>
+          <a:chExt cx="0" cy="0"/>
+        </a:xfrm>
+      </p:grpSpPr>
+      <p:sp>
+        <p:nvSpPr>
+          <p:cNvPr id="2" name="Titre 1">
+            <a:extLst>
+              <a:ext uri="{FF2B5EF4-FFF2-40B4-BE49-F238E27FC236}">
+                <a16:creationId xmlns:a16="http://schemas.microsoft.com/office/drawing/2014/main" id="{BEF85D39-43E7-457C-BC2E-2B8D82C32257}"/>
+              </a:ext>
+            </a:extLst>
+          </p:cNvPr>
+          <p:cNvSpPr>
+            <a:spLocks noGrp="1"/>
+          </p:cNvSpPr>
+          <p:nvPr>
+            <p:ph type="title"/>
+          </p:nvPr>
+        </p:nvSpPr>
+        <p:spPr/>
+        <p:txBody>
+          <a:bodyPr/>
+          <a:lstStyle/>
+          <a:p>
+            <a:r>
+              <a:rPr lang="fr-FR" dirty="0"/>
+              <a:t>Création de la base</a:t>
+            </a:r>
+          </a:p>
+        </p:txBody>
+      </p:sp>
+      <p:sp>
+        <p:nvSpPr>
+          <p:cNvPr id="3" name="Espace réservé du contenu 2">
+            <a:extLst>
+              <a:ext uri="{FF2B5EF4-FFF2-40B4-BE49-F238E27FC236}">
+                <a16:creationId xmlns:a16="http://schemas.microsoft.com/office/drawing/2014/main" id="{FFB61BBE-33D0-43B6-A028-29295292B5B8}"/>
+              </a:ext>
+            </a:extLst>
+          </p:cNvPr>
+          <p:cNvSpPr>
+            <a:spLocks noGrp="1"/>
+          </p:cNvSpPr>
+          <p:nvPr>
+            <p:ph idx="1"/>
+          </p:nvPr>
+        </p:nvSpPr>
+        <p:spPr/>
+        <p:txBody>
+          <a:bodyPr/>
+          <a:lstStyle/>
+          <a:p>
+            <a:r>
+              <a:rPr lang="fr-FR" dirty="0"/>
+              <a:t>Chargement </a:t>
+            </a:r>
+            <a:r>
+              <a:rPr lang="fr-FR" dirty="0" err="1"/>
+              <a:t>eleves</a:t>
+            </a:r>
+            <a:endParaRPr lang="fr-FR" dirty="0"/>
+          </a:p>
+          <a:p>
+            <a:r>
+              <a:rPr lang="fr-FR" dirty="0"/>
+              <a:t>Chargement compétences</a:t>
+            </a:r>
+          </a:p>
+        </p:txBody>
+      </p:sp>
+    </p:spTree>
+    <p:extLst>
+      <p:ext uri="{BB962C8B-B14F-4D97-AF65-F5344CB8AC3E}">
+        <p14:creationId xmlns:p14="http://schemas.microsoft.com/office/powerpoint/2010/main" val="2631369513"/>
+      </p:ext>
+    </p:extLst>
+  </p:cSld>
+  <p:clrMapOvr>
+    <a:masterClrMapping/>
+  </p:clrMapOvr>
+</p:sld>
+</file>
+
+<file path=ppt/slides/slide11.xml><?xml version="1.0" encoding="utf-8"?>
+<p:sld xmlns:a="http://schemas.openxmlformats.org/drawingml/2006/main" xmlns:r="http://schemas.openxmlformats.org/officeDocument/2006/relationships" xmlns:p="http://schemas.openxmlformats.org/presentationml/2006/main">
+  <p:cSld>
+    <p:spTree>
+      <p:nvGrpSpPr>
+        <p:cNvPr id="1" name=""/>
+        <p:cNvGrpSpPr/>
+        <p:nvPr/>
+      </p:nvGrpSpPr>
+      <p:grpSpPr>
+        <a:xfrm>
+          <a:off x="0" y="0"/>
+          <a:ext cx="0" cy="0"/>
+          <a:chOff x="0" y="0"/>
+          <a:chExt cx="0" cy="0"/>
+        </a:xfrm>
+      </p:grpSpPr>
+      <p:sp>
+        <p:nvSpPr>
+          <p:cNvPr id="2" name="Titre 1">
+            <a:extLst>
+              <a:ext uri="{FF2B5EF4-FFF2-40B4-BE49-F238E27FC236}">
+                <a16:creationId xmlns:a16="http://schemas.microsoft.com/office/drawing/2014/main" id="{A9D8C628-9857-4FB8-9F53-2B9A7DFE70CF}"/>
+              </a:ext>
+            </a:extLst>
+          </p:cNvPr>
+          <p:cNvSpPr>
+            <a:spLocks noGrp="1"/>
+          </p:cNvSpPr>
+          <p:nvPr>
+            <p:ph type="title"/>
+          </p:nvPr>
+        </p:nvSpPr>
+        <p:spPr/>
+        <p:txBody>
+          <a:bodyPr/>
+          <a:lstStyle/>
+          <a:p>
+            <a:r>
+              <a:rPr lang="fr-FR" dirty="0"/>
+              <a:t>Création d’une évaluation</a:t>
+            </a:r>
+          </a:p>
+        </p:txBody>
+      </p:sp>
+      <p:sp>
+        <p:nvSpPr>
+          <p:cNvPr id="3" name="Espace réservé du contenu 2">
+            <a:extLst>
+              <a:ext uri="{FF2B5EF4-FFF2-40B4-BE49-F238E27FC236}">
+                <a16:creationId xmlns:a16="http://schemas.microsoft.com/office/drawing/2014/main" id="{E154C889-88D8-4904-A53A-D86BCCD7143A}"/>
+              </a:ext>
+            </a:extLst>
+          </p:cNvPr>
+          <p:cNvSpPr>
+            <a:spLocks noGrp="1"/>
+          </p:cNvSpPr>
+          <p:nvPr>
+            <p:ph idx="1"/>
+          </p:nvPr>
+        </p:nvSpPr>
+        <p:spPr/>
+        <p:txBody>
+          <a:bodyPr/>
+          <a:lstStyle/>
+          <a:p>
+            <a:r>
+              <a:rPr lang="fr-FR" dirty="0"/>
+              <a:t>Purge éventuelle</a:t>
+            </a:r>
+          </a:p>
+          <a:p>
+            <a:r>
+              <a:rPr lang="fr-FR" dirty="0"/>
+              <a:t>Remplissage de la table des évaluations</a:t>
+            </a:r>
+          </a:p>
+          <a:p>
+            <a:r>
+              <a:rPr lang="fr-FR" dirty="0"/>
+              <a:t>Remplissage de la table des questions</a:t>
+            </a:r>
+          </a:p>
+        </p:txBody>
+      </p:sp>
+    </p:spTree>
+    <p:extLst>
+      <p:ext uri="{BB962C8B-B14F-4D97-AF65-F5344CB8AC3E}">
+        <p14:creationId xmlns:p14="http://schemas.microsoft.com/office/powerpoint/2010/main" val="4276588540"/>
       </p:ext>
     </p:extLst>
   </p:cSld>
@@ -9354,8 +9552,30 @@
           <a:p>
             <a:r>
               <a:rPr lang="fr-FR" dirty="0"/>
-              <a:t>Intitulé compétence</a:t>
-            </a:r>
+              <a:t>Semestre</a:t>
+            </a:r>
+          </a:p>
+          <a:p>
+            <a:r>
+              <a:rPr lang="fr-FR"/>
+              <a:t>Filière</a:t>
+            </a:r>
+            <a:endParaRPr lang="fr-FR" dirty="0"/>
+          </a:p>
+          <a:p>
+            <a:r>
+              <a:rPr lang="fr-FR" dirty="0"/>
+              <a:t>Intitulé compétence [Long]</a:t>
+            </a:r>
+          </a:p>
+          <a:p>
+            <a:r>
+              <a:rPr lang="fr-FR" dirty="0"/>
+              <a:t>Intitulé compétence [Court]</a:t>
+            </a:r>
+          </a:p>
+          <a:p>
+            <a:endParaRPr lang="fr-FR" dirty="0"/>
           </a:p>
         </p:txBody>
       </p:sp>
@@ -9459,38 +9679,8 @@
           </a:p>
           <a:p>
             <a:r>
-              <a:rPr lang="fr-FR" dirty="0"/>
-              <a:t>Type </a:t>
-            </a:r>
-            <a:r>
               <a:rPr lang="fr-FR" dirty="0" err="1"/>
-              <a:t>evaluation</a:t>
-            </a:r>
-            <a:endParaRPr lang="fr-FR" dirty="0"/>
-          </a:p>
-          <a:p>
-            <a:r>
-              <a:rPr lang="fr-FR" dirty="0" err="1"/>
-              <a:t>Numero</a:t>
-            </a:r>
-            <a:r>
-              <a:rPr lang="fr-FR" dirty="0"/>
-              <a:t> </a:t>
-            </a:r>
-            <a:r>
-              <a:rPr lang="fr-FR" dirty="0" err="1"/>
-              <a:t>evaluation</a:t>
-            </a:r>
-            <a:endParaRPr lang="fr-FR" dirty="0"/>
-          </a:p>
-          <a:p>
-            <a:r>
-              <a:rPr lang="fr-FR" dirty="0"/>
-              <a:t>Date </a:t>
-            </a:r>
-            <a:r>
-              <a:rPr lang="fr-FR" dirty="0" err="1"/>
-              <a:t>evaluation</a:t>
+              <a:t>Id_evaluation</a:t>
             </a:r>
             <a:endParaRPr lang="fr-FR" dirty="0"/>
           </a:p>
@@ -9556,6 +9746,424 @@
           <p:cNvPr id="2" name="Titre 1">
             <a:extLst>
               <a:ext uri="{FF2B5EF4-FFF2-40B4-BE49-F238E27FC236}">
+                <a16:creationId xmlns:a16="http://schemas.microsoft.com/office/drawing/2014/main" id="{2A7C9E4B-784A-4016-A5F8-4EC2AFC82615}"/>
+              </a:ext>
+            </a:extLst>
+          </p:cNvPr>
+          <p:cNvSpPr>
+            <a:spLocks noGrp="1"/>
+          </p:cNvSpPr>
+          <p:nvPr>
+            <p:ph type="title"/>
+          </p:nvPr>
+        </p:nvSpPr>
+        <p:spPr/>
+        <p:txBody>
+          <a:bodyPr/>
+          <a:lstStyle/>
+          <a:p>
+            <a:r>
+              <a:rPr lang="fr-FR" dirty="0"/>
+              <a:t>Table des questions</a:t>
+            </a:r>
+          </a:p>
+        </p:txBody>
+      </p:sp>
+      <p:sp>
+        <p:nvSpPr>
+          <p:cNvPr id="3" name="Espace réservé du contenu 2">
+            <a:extLst>
+              <a:ext uri="{FF2B5EF4-FFF2-40B4-BE49-F238E27FC236}">
+                <a16:creationId xmlns:a16="http://schemas.microsoft.com/office/drawing/2014/main" id="{04051ABE-FFB3-489A-9E53-6E91A7302E07}"/>
+              </a:ext>
+            </a:extLst>
+          </p:cNvPr>
+          <p:cNvSpPr>
+            <a:spLocks noGrp="1"/>
+          </p:cNvSpPr>
+          <p:nvPr>
+            <p:ph idx="1"/>
+          </p:nvPr>
+        </p:nvSpPr>
+        <p:spPr/>
+        <p:txBody>
+          <a:bodyPr/>
+          <a:lstStyle/>
+          <a:p>
+            <a:r>
+              <a:rPr lang="fr-FR" dirty="0" err="1"/>
+              <a:t>ID_eval</a:t>
+            </a:r>
+            <a:endParaRPr lang="fr-FR" dirty="0"/>
+          </a:p>
+          <a:p>
+            <a:r>
+              <a:rPr lang="fr-FR" dirty="0" err="1"/>
+              <a:t>Id_ques</a:t>
+            </a:r>
+            <a:r>
+              <a:rPr lang="fr-FR" dirty="0"/>
+              <a:t> [</a:t>
+            </a:r>
+            <a:r>
+              <a:rPr lang="fr-FR" dirty="0" err="1"/>
+              <a:t>prim</a:t>
+            </a:r>
+            <a:r>
+              <a:rPr lang="fr-FR" dirty="0"/>
+              <a:t>]</a:t>
+            </a:r>
+          </a:p>
+          <a:p>
+            <a:r>
+              <a:rPr lang="fr-FR" dirty="0" err="1"/>
+              <a:t>Num</a:t>
+            </a:r>
+            <a:r>
+              <a:rPr lang="fr-FR" dirty="0"/>
+              <a:t> </a:t>
+            </a:r>
+            <a:r>
+              <a:rPr lang="fr-FR" dirty="0" err="1"/>
+              <a:t>ques</a:t>
+            </a:r>
+            <a:endParaRPr lang="fr-FR" dirty="0"/>
+          </a:p>
+          <a:p>
+            <a:r>
+              <a:rPr lang="fr-FR" dirty="0" err="1"/>
+              <a:t>Id_comp</a:t>
+            </a:r>
+            <a:r>
+              <a:rPr lang="fr-FR" dirty="0"/>
+              <a:t> (1, 2, 3 ?)</a:t>
+            </a:r>
+          </a:p>
+          <a:p>
+            <a:r>
+              <a:rPr lang="fr-FR" dirty="0"/>
+              <a:t>Note </a:t>
+            </a:r>
+            <a:r>
+              <a:rPr lang="fr-FR" dirty="0" err="1"/>
+              <a:t>ques</a:t>
+            </a:r>
+            <a:r>
+              <a:rPr lang="fr-FR" dirty="0"/>
+              <a:t> ? </a:t>
+            </a:r>
+          </a:p>
+          <a:p>
+            <a:r>
+              <a:rPr lang="fr-FR" dirty="0"/>
+              <a:t>Poids compétence</a:t>
+            </a:r>
+          </a:p>
+        </p:txBody>
+      </p:sp>
+      <p:sp>
+        <p:nvSpPr>
+          <p:cNvPr id="4" name="Espace réservé du contenu 2">
+            <a:extLst>
+              <a:ext uri="{FF2B5EF4-FFF2-40B4-BE49-F238E27FC236}">
+                <a16:creationId xmlns:a16="http://schemas.microsoft.com/office/drawing/2014/main" id="{F3AED524-8BC5-4A42-8CD4-59E0CAAF188A}"/>
+              </a:ext>
+            </a:extLst>
+          </p:cNvPr>
+          <p:cNvSpPr txBox="1">
+            <a:spLocks/>
+          </p:cNvSpPr>
+          <p:nvPr/>
+        </p:nvSpPr>
+        <p:spPr>
+          <a:xfrm>
+            <a:off x="7046912" y="2133600"/>
+            <a:ext cx="4617234" cy="3777622"/>
+          </a:xfrm>
+          <a:prstGeom prst="rect">
+            <a:avLst/>
+          </a:prstGeom>
+        </p:spPr>
+        <p:txBody>
+          <a:bodyPr vert="horz" lIns="91440" tIns="45720" rIns="91440" bIns="45720" rtlCol="0">
+            <a:normAutofit/>
+          </a:bodyPr>
+          <a:lstStyle>
+            <a:lvl1pPr marL="342900" indent="-342900" algn="l" defTabSz="457200" rtl="0" eaLnBrk="1" latinLnBrk="0" hangingPunct="1">
+              <a:spcBef>
+                <a:spcPts val="1000"/>
+              </a:spcBef>
+              <a:spcAft>
+                <a:spcPts val="0"/>
+              </a:spcAft>
+              <a:buClr>
+                <a:schemeClr val="accent1"/>
+              </a:buClr>
+              <a:buFont typeface="Wingdings 3" charset="2"/>
+              <a:buChar char=""/>
+              <a:defRPr sz="1800" kern="1200">
+                <a:solidFill>
+                  <a:schemeClr val="tx1">
+                    <a:lumMod val="75000"/>
+                    <a:lumOff val="25000"/>
+                  </a:schemeClr>
+                </a:solidFill>
+                <a:latin typeface="+mn-lt"/>
+                <a:ea typeface="+mn-ea"/>
+                <a:cs typeface="+mn-cs"/>
+              </a:defRPr>
+            </a:lvl1pPr>
+            <a:lvl2pPr marL="742950" indent="-285750" algn="l" defTabSz="457200" rtl="0" eaLnBrk="1" latinLnBrk="0" hangingPunct="1">
+              <a:spcBef>
+                <a:spcPts val="1000"/>
+              </a:spcBef>
+              <a:spcAft>
+                <a:spcPts val="0"/>
+              </a:spcAft>
+              <a:buClr>
+                <a:schemeClr val="accent1"/>
+              </a:buClr>
+              <a:buFont typeface="Wingdings 3" charset="2"/>
+              <a:buChar char=""/>
+              <a:defRPr sz="1600" kern="1200">
+                <a:solidFill>
+                  <a:schemeClr val="tx1">
+                    <a:lumMod val="75000"/>
+                    <a:lumOff val="25000"/>
+                  </a:schemeClr>
+                </a:solidFill>
+                <a:latin typeface="+mn-lt"/>
+                <a:ea typeface="+mn-ea"/>
+                <a:cs typeface="+mn-cs"/>
+              </a:defRPr>
+            </a:lvl2pPr>
+            <a:lvl3pPr marL="1143000" indent="-228600" algn="l" defTabSz="457200" rtl="0" eaLnBrk="1" latinLnBrk="0" hangingPunct="1">
+              <a:spcBef>
+                <a:spcPts val="1000"/>
+              </a:spcBef>
+              <a:spcAft>
+                <a:spcPts val="0"/>
+              </a:spcAft>
+              <a:buClr>
+                <a:schemeClr val="accent1"/>
+              </a:buClr>
+              <a:buFont typeface="Wingdings 3" charset="2"/>
+              <a:buChar char=""/>
+              <a:defRPr sz="1400" kern="1200">
+                <a:solidFill>
+                  <a:schemeClr val="tx1">
+                    <a:lumMod val="75000"/>
+                    <a:lumOff val="25000"/>
+                  </a:schemeClr>
+                </a:solidFill>
+                <a:latin typeface="+mn-lt"/>
+                <a:ea typeface="+mn-ea"/>
+                <a:cs typeface="+mn-cs"/>
+              </a:defRPr>
+            </a:lvl3pPr>
+            <a:lvl4pPr marL="1600200" indent="-228600" algn="l" defTabSz="457200" rtl="0" eaLnBrk="1" latinLnBrk="0" hangingPunct="1">
+              <a:spcBef>
+                <a:spcPts val="1000"/>
+              </a:spcBef>
+              <a:spcAft>
+                <a:spcPts val="0"/>
+              </a:spcAft>
+              <a:buClr>
+                <a:schemeClr val="accent1"/>
+              </a:buClr>
+              <a:buFont typeface="Wingdings 3" charset="2"/>
+              <a:buChar char=""/>
+              <a:defRPr sz="1200" kern="1200">
+                <a:solidFill>
+                  <a:schemeClr val="tx1">
+                    <a:lumMod val="75000"/>
+                    <a:lumOff val="25000"/>
+                  </a:schemeClr>
+                </a:solidFill>
+                <a:latin typeface="+mn-lt"/>
+                <a:ea typeface="+mn-ea"/>
+                <a:cs typeface="+mn-cs"/>
+              </a:defRPr>
+            </a:lvl4pPr>
+            <a:lvl5pPr marL="2057400" indent="-228600" algn="l" defTabSz="457200" rtl="0" eaLnBrk="1" latinLnBrk="0" hangingPunct="1">
+              <a:spcBef>
+                <a:spcPts val="1000"/>
+              </a:spcBef>
+              <a:spcAft>
+                <a:spcPts val="0"/>
+              </a:spcAft>
+              <a:buClr>
+                <a:schemeClr val="accent1"/>
+              </a:buClr>
+              <a:buFont typeface="Wingdings 3" charset="2"/>
+              <a:buChar char=""/>
+              <a:defRPr sz="1200" kern="1200">
+                <a:solidFill>
+                  <a:schemeClr val="tx1">
+                    <a:lumMod val="75000"/>
+                    <a:lumOff val="25000"/>
+                  </a:schemeClr>
+                </a:solidFill>
+                <a:latin typeface="+mn-lt"/>
+                <a:ea typeface="+mn-ea"/>
+                <a:cs typeface="+mn-cs"/>
+              </a:defRPr>
+            </a:lvl5pPr>
+            <a:lvl6pPr marL="2514600" indent="-228600" algn="l" defTabSz="457200" rtl="0" eaLnBrk="1" latinLnBrk="0" hangingPunct="1">
+              <a:spcBef>
+                <a:spcPts val="1000"/>
+              </a:spcBef>
+              <a:spcAft>
+                <a:spcPts val="0"/>
+              </a:spcAft>
+              <a:buClr>
+                <a:schemeClr val="accent1"/>
+              </a:buClr>
+              <a:buFont typeface="Wingdings 3" charset="2"/>
+              <a:buChar char=""/>
+              <a:defRPr sz="1200" kern="1200">
+                <a:solidFill>
+                  <a:schemeClr val="tx1">
+                    <a:lumMod val="75000"/>
+                    <a:lumOff val="25000"/>
+                  </a:schemeClr>
+                </a:solidFill>
+                <a:latin typeface="+mn-lt"/>
+                <a:ea typeface="+mn-ea"/>
+                <a:cs typeface="+mn-cs"/>
+              </a:defRPr>
+            </a:lvl6pPr>
+            <a:lvl7pPr marL="2971800" indent="-228600" algn="l" defTabSz="457200" rtl="0" eaLnBrk="1" latinLnBrk="0" hangingPunct="1">
+              <a:spcBef>
+                <a:spcPts val="1000"/>
+              </a:spcBef>
+              <a:spcAft>
+                <a:spcPts val="0"/>
+              </a:spcAft>
+              <a:buClr>
+                <a:schemeClr val="accent1"/>
+              </a:buClr>
+              <a:buFont typeface="Wingdings 3" charset="2"/>
+              <a:buChar char=""/>
+              <a:defRPr sz="1200" kern="1200">
+                <a:solidFill>
+                  <a:schemeClr val="tx1">
+                    <a:lumMod val="75000"/>
+                    <a:lumOff val="25000"/>
+                  </a:schemeClr>
+                </a:solidFill>
+                <a:latin typeface="+mn-lt"/>
+                <a:ea typeface="+mn-ea"/>
+                <a:cs typeface="+mn-cs"/>
+              </a:defRPr>
+            </a:lvl7pPr>
+            <a:lvl8pPr marL="3429000" indent="-228600" algn="l" defTabSz="457200" rtl="0" eaLnBrk="1" latinLnBrk="0" hangingPunct="1">
+              <a:spcBef>
+                <a:spcPts val="1000"/>
+              </a:spcBef>
+              <a:spcAft>
+                <a:spcPts val="0"/>
+              </a:spcAft>
+              <a:buClr>
+                <a:schemeClr val="accent1"/>
+              </a:buClr>
+              <a:buFont typeface="Wingdings 3" charset="2"/>
+              <a:buChar char=""/>
+              <a:defRPr sz="1200" kern="1200">
+                <a:solidFill>
+                  <a:schemeClr val="tx1">
+                    <a:lumMod val="75000"/>
+                    <a:lumOff val="25000"/>
+                  </a:schemeClr>
+                </a:solidFill>
+                <a:latin typeface="+mn-lt"/>
+                <a:ea typeface="+mn-ea"/>
+                <a:cs typeface="+mn-cs"/>
+              </a:defRPr>
+            </a:lvl8pPr>
+            <a:lvl9pPr marL="3886200" indent="-228600" algn="l" defTabSz="457200" rtl="0" eaLnBrk="1" latinLnBrk="0" hangingPunct="1">
+              <a:spcBef>
+                <a:spcPts val="1000"/>
+              </a:spcBef>
+              <a:spcAft>
+                <a:spcPts val="0"/>
+              </a:spcAft>
+              <a:buClr>
+                <a:schemeClr val="accent1"/>
+              </a:buClr>
+              <a:buFont typeface="Wingdings 3" charset="2"/>
+              <a:buChar char=""/>
+              <a:defRPr sz="1200" kern="1200">
+                <a:solidFill>
+                  <a:schemeClr val="tx1">
+                    <a:lumMod val="75000"/>
+                    <a:lumOff val="25000"/>
+                  </a:schemeClr>
+                </a:solidFill>
+                <a:latin typeface="+mn-lt"/>
+                <a:ea typeface="+mn-ea"/>
+                <a:cs typeface="+mn-cs"/>
+              </a:defRPr>
+            </a:lvl9pPr>
+          </a:lstStyle>
+          <a:p>
+            <a:r>
+              <a:rPr lang="fr-FR" dirty="0" err="1"/>
+              <a:t>Id_eleve</a:t>
+            </a:r>
+            <a:endParaRPr lang="fr-FR" dirty="0"/>
+          </a:p>
+          <a:p>
+            <a:r>
+              <a:rPr lang="fr-FR" dirty="0" err="1"/>
+              <a:t>Id_ques</a:t>
+            </a:r>
+            <a:endParaRPr lang="fr-FR" dirty="0"/>
+          </a:p>
+          <a:p>
+            <a:r>
+              <a:rPr lang="fr-FR" dirty="0" err="1"/>
+              <a:t>Note_ques</a:t>
+            </a:r>
+            <a:endParaRPr lang="fr-FR" dirty="0"/>
+          </a:p>
+        </p:txBody>
+      </p:sp>
+    </p:spTree>
+    <p:extLst>
+      <p:ext uri="{BB962C8B-B14F-4D97-AF65-F5344CB8AC3E}">
+        <p14:creationId xmlns:p14="http://schemas.microsoft.com/office/powerpoint/2010/main" val="2646329069"/>
+      </p:ext>
+    </p:extLst>
+  </p:cSld>
+  <p:clrMapOvr>
+    <a:masterClrMapping/>
+  </p:clrMapOvr>
+</p:sld>
+</file>
+
+<file path=ppt/slides/slide9.xml><?xml version="1.0" encoding="utf-8"?>
+<p:sld xmlns:a="http://schemas.openxmlformats.org/drawingml/2006/main" xmlns:r="http://schemas.openxmlformats.org/officeDocument/2006/relationships" xmlns:p="http://schemas.openxmlformats.org/presentationml/2006/main">
+  <p:cSld>
+    <p:spTree>
+      <p:nvGrpSpPr>
+        <p:cNvPr id="1" name=""/>
+        <p:cNvGrpSpPr/>
+        <p:nvPr/>
+      </p:nvGrpSpPr>
+      <p:grpSpPr>
+        <a:xfrm>
+          <a:off x="0" y="0"/>
+          <a:ext cx="0" cy="0"/>
+          <a:chOff x="0" y="0"/>
+          <a:chExt cx="0" cy="0"/>
+        </a:xfrm>
+      </p:grpSpPr>
+      <p:sp>
+        <p:nvSpPr>
+          <p:cNvPr id="2" name="Titre 1">
+            <a:extLst>
+              <a:ext uri="{FF2B5EF4-FFF2-40B4-BE49-F238E27FC236}">
                 <a16:creationId xmlns:a16="http://schemas.microsoft.com/office/drawing/2014/main" id="{92DB9FB2-637D-407F-9783-CB106AAE38A1}"/>
               </a:ext>
             </a:extLst>
@@ -9574,13 +10182,8 @@
           <a:p>
             <a:r>
               <a:rPr lang="fr-FR" dirty="0"/>
-              <a:t>Table </a:t>
-            </a:r>
-            <a:r>
-              <a:rPr lang="fr-FR" dirty="0" err="1"/>
-              <a:t>DS_eleve</a:t>
-            </a:r>
-            <a:endParaRPr lang="fr-FR" dirty="0"/>
+              <a:t>Table des évaluations</a:t>
+            </a:r>
           </a:p>
         </p:txBody>
       </p:sp>
@@ -9602,12 +10205,14 @@
         </p:nvSpPr>
         <p:spPr/>
         <p:txBody>
-          <a:bodyPr/>
+          <a:bodyPr>
+            <a:normAutofit/>
+          </a:bodyPr>
           <a:lstStyle/>
           <a:p>
             <a:r>
               <a:rPr lang="fr-FR" dirty="0" err="1"/>
-              <a:t>Id_eleve</a:t>
+              <a:t>Id_evaluation</a:t>
             </a:r>
             <a:endParaRPr lang="fr-FR" dirty="0"/>
           </a:p>
@@ -9649,29 +10254,13 @@
             <a:endParaRPr lang="fr-FR" dirty="0"/>
           </a:p>
           <a:p>
-            <a:r>
-              <a:rPr lang="fr-FR" dirty="0"/>
-              <a:t>Numéro de question</a:t>
-            </a:r>
-          </a:p>
-          <a:p>
-            <a:r>
-              <a:rPr lang="fr-FR" dirty="0"/>
-              <a:t>Compétences évaluées</a:t>
-            </a:r>
-          </a:p>
-          <a:p>
-            <a:r>
-              <a:rPr lang="fr-FR"/>
-              <a:t>Note (/5) (NT, 0, 1, 2, 3, 4, 5)</a:t>
-            </a:r>
             <a:endParaRPr lang="fr-FR" dirty="0"/>
           </a:p>
           <a:p>
-            <a:r>
-              <a:rPr lang="fr-FR" dirty="0"/>
-              <a:t>Poids question</a:t>
-            </a:r>
+            <a:endParaRPr lang="fr-FR" dirty="0"/>
+          </a:p>
+          <a:p>
+            <a:endParaRPr lang="fr-FR" dirty="0"/>
           </a:p>
         </p:txBody>
       </p:sp>

--- a/EvaluationParCompetences.pptx
+++ b/EvaluationParCompetences.pptx
@@ -321,7 +321,7 @@
           <a:p>
             <a:fld id="{C79C3F50-D8CC-4C93-8A4E-A58F17A43B37}" type="datetimeFigureOut">
               <a:rPr lang="fr-FR" smtClean="0"/>
-              <a:t>15/12/2021</a:t>
+              <a:t>16/12/2021</a:t>
             </a:fld>
             <a:endParaRPr lang="fr-FR"/>
           </a:p>
@@ -659,7 +659,7 @@
           <a:p>
             <a:fld id="{C79C3F50-D8CC-4C93-8A4E-A58F17A43B37}" type="datetimeFigureOut">
               <a:rPr lang="fr-FR" smtClean="0"/>
-              <a:t>15/12/2021</a:t>
+              <a:t>16/12/2021</a:t>
             </a:fld>
             <a:endParaRPr lang="fr-FR"/>
           </a:p>
@@ -1060,7 +1060,7 @@
           <a:p>
             <a:fld id="{C79C3F50-D8CC-4C93-8A4E-A58F17A43B37}" type="datetimeFigureOut">
               <a:rPr lang="fr-FR" smtClean="0"/>
-              <a:t>15/12/2021</a:t>
+              <a:t>16/12/2021</a:t>
             </a:fld>
             <a:endParaRPr lang="fr-FR"/>
           </a:p>
@@ -1396,7 +1396,7 @@
           <a:p>
             <a:fld id="{C79C3F50-D8CC-4C93-8A4E-A58F17A43B37}" type="datetimeFigureOut">
               <a:rPr lang="fr-FR" smtClean="0"/>
-              <a:t>15/12/2021</a:t>
+              <a:t>16/12/2021</a:t>
             </a:fld>
             <a:endParaRPr lang="fr-FR"/>
           </a:p>
@@ -1716,7 +1716,7 @@
           <a:p>
             <a:fld id="{C79C3F50-D8CC-4C93-8A4E-A58F17A43B37}" type="datetimeFigureOut">
               <a:rPr lang="fr-FR" smtClean="0"/>
-              <a:t>15/12/2021</a:t>
+              <a:t>16/12/2021</a:t>
             </a:fld>
             <a:endParaRPr lang="fr-FR"/>
           </a:p>
@@ -2112,7 +2112,7 @@
           <a:p>
             <a:fld id="{C79C3F50-D8CC-4C93-8A4E-A58F17A43B37}" type="datetimeFigureOut">
               <a:rPr lang="fr-FR" smtClean="0"/>
-              <a:t>15/12/2021</a:t>
+              <a:t>16/12/2021</a:t>
             </a:fld>
             <a:endParaRPr lang="fr-FR"/>
           </a:p>
@@ -2369,7 +2369,7 @@
           <a:p>
             <a:fld id="{C79C3F50-D8CC-4C93-8A4E-A58F17A43B37}" type="datetimeFigureOut">
               <a:rPr lang="fr-FR" smtClean="0"/>
-              <a:t>15/12/2021</a:t>
+              <a:t>16/12/2021</a:t>
             </a:fld>
             <a:endParaRPr lang="fr-FR"/>
           </a:p>
@@ -2631,7 +2631,7 @@
           <a:p>
             <a:fld id="{C79C3F50-D8CC-4C93-8A4E-A58F17A43B37}" type="datetimeFigureOut">
               <a:rPr lang="fr-FR" smtClean="0"/>
-              <a:t>15/12/2021</a:t>
+              <a:t>16/12/2021</a:t>
             </a:fld>
             <a:endParaRPr lang="fr-FR"/>
           </a:p>
@@ -2893,7 +2893,7 @@
           <a:p>
             <a:fld id="{C79C3F50-D8CC-4C93-8A4E-A58F17A43B37}" type="datetimeFigureOut">
               <a:rPr lang="fr-FR" smtClean="0"/>
-              <a:t>15/12/2021</a:t>
+              <a:t>16/12/2021</a:t>
             </a:fld>
             <a:endParaRPr lang="fr-FR"/>
           </a:p>
@@ -3222,7 +3222,7 @@
           <a:p>
             <a:fld id="{C79C3F50-D8CC-4C93-8A4E-A58F17A43B37}" type="datetimeFigureOut">
               <a:rPr lang="fr-FR" smtClean="0"/>
-              <a:t>15/12/2021</a:t>
+              <a:t>16/12/2021</a:t>
             </a:fld>
             <a:endParaRPr lang="fr-FR"/>
           </a:p>
@@ -3545,7 +3545,7 @@
           <a:p>
             <a:fld id="{C79C3F50-D8CC-4C93-8A4E-A58F17A43B37}" type="datetimeFigureOut">
               <a:rPr lang="fr-FR" smtClean="0"/>
-              <a:t>15/12/2021</a:t>
+              <a:t>16/12/2021</a:t>
             </a:fld>
             <a:endParaRPr lang="fr-FR"/>
           </a:p>
@@ -4002,7 +4002,7 @@
           <a:p>
             <a:fld id="{C79C3F50-D8CC-4C93-8A4E-A58F17A43B37}" type="datetimeFigureOut">
               <a:rPr lang="fr-FR" smtClean="0"/>
-              <a:t>15/12/2021</a:t>
+              <a:t>16/12/2021</a:t>
             </a:fld>
             <a:endParaRPr lang="fr-FR"/>
           </a:p>
@@ -4207,7 +4207,7 @@
           <a:p>
             <a:fld id="{C79C3F50-D8CC-4C93-8A4E-A58F17A43B37}" type="datetimeFigureOut">
               <a:rPr lang="fr-FR" smtClean="0"/>
-              <a:t>15/12/2021</a:t>
+              <a:t>16/12/2021</a:t>
             </a:fld>
             <a:endParaRPr lang="fr-FR"/>
           </a:p>
@@ -4384,7 +4384,7 @@
           <a:p>
             <a:fld id="{C79C3F50-D8CC-4C93-8A4E-A58F17A43B37}" type="datetimeFigureOut">
               <a:rPr lang="fr-FR" smtClean="0"/>
-              <a:t>15/12/2021</a:t>
+              <a:t>16/12/2021</a:t>
             </a:fld>
             <a:endParaRPr lang="fr-FR"/>
           </a:p>
@@ -4717,7 +4717,7 @@
           <a:p>
             <a:fld id="{C79C3F50-D8CC-4C93-8A4E-A58F17A43B37}" type="datetimeFigureOut">
               <a:rPr lang="fr-FR" smtClean="0"/>
-              <a:t>15/12/2021</a:t>
+              <a:t>16/12/2021</a:t>
             </a:fld>
             <a:endParaRPr lang="fr-FR"/>
           </a:p>
@@ -5062,7 +5062,7 @@
           <a:p>
             <a:fld id="{C79C3F50-D8CC-4C93-8A4E-A58F17A43B37}" type="datetimeFigureOut">
               <a:rPr lang="fr-FR" smtClean="0"/>
-              <a:t>15/12/2021</a:t>
+              <a:t>16/12/2021</a:t>
             </a:fld>
             <a:endParaRPr lang="fr-FR"/>
           </a:p>
@@ -7179,7 +7179,7 @@
           <a:p>
             <a:fld id="{C79C3F50-D8CC-4C93-8A4E-A58F17A43B37}" type="datetimeFigureOut">
               <a:rPr lang="fr-FR" smtClean="0"/>
-              <a:t>15/12/2021</a:t>
+              <a:t>16/12/2021</a:t>
             </a:fld>
             <a:endParaRPr lang="fr-FR"/>
           </a:p>
@@ -9434,7 +9434,7 @@
             <a:pPr lvl="1"/>
             <a:r>
               <a:rPr lang="fr-FR" dirty="0"/>
-              <a:t>Numéro ID</a:t>
+              <a:t>Numéro</a:t>
             </a:r>
           </a:p>
           <a:p>
@@ -9448,8 +9448,30 @@
             <a:pPr lvl="1"/>
             <a:r>
               <a:rPr lang="fr-FR" dirty="0"/>
-              <a:t>Année de passage du concours</a:t>
-            </a:r>
+              <a:t>Mail</a:t>
+            </a:r>
+          </a:p>
+          <a:p>
+            <a:pPr lvl="1"/>
+            <a:r>
+              <a:rPr lang="fr-FR" dirty="0"/>
+              <a:t>Classe</a:t>
+            </a:r>
+          </a:p>
+          <a:p>
+            <a:pPr lvl="1"/>
+            <a:r>
+              <a:rPr lang="fr-FR" dirty="0"/>
+              <a:t>Année</a:t>
+            </a:r>
+          </a:p>
+          <a:p>
+            <a:pPr lvl="1"/>
+            <a:r>
+              <a:rPr lang="fr-FR"/>
+              <a:t>Mail</a:t>
+            </a:r>
+            <a:endParaRPr lang="fr-FR" dirty="0"/>
           </a:p>
           <a:p>
             <a:pPr marL="457200" lvl="1" indent="0">
@@ -9546,6 +9568,12 @@
           <a:p>
             <a:r>
               <a:rPr lang="fr-FR" dirty="0"/>
+              <a:t>Discipline</a:t>
+            </a:r>
+          </a:p>
+          <a:p>
+            <a:r>
+              <a:rPr lang="fr-FR" dirty="0"/>
               <a:t>Code compétence</a:t>
             </a:r>
           </a:p>
@@ -9557,10 +9585,9 @@
           </a:p>
           <a:p>
             <a:r>
-              <a:rPr lang="fr-FR"/>
+              <a:rPr lang="fr-FR" dirty="0"/>
               <a:t>Filière</a:t>
             </a:r>
-            <a:endParaRPr lang="fr-FR" dirty="0"/>
           </a:p>
           <a:p>
             <a:r>

--- a/EvaluationParCompetences.pptx
+++ b/EvaluationParCompetences.pptx
@@ -9468,10 +9468,9 @@
           <a:p>
             <a:pPr lvl="1"/>
             <a:r>
-              <a:rPr lang="fr-FR"/>
+              <a:rPr lang="fr-FR" dirty="0"/>
               <a:t>Mail</a:t>
             </a:r>
-            <a:endParaRPr lang="fr-FR" dirty="0"/>
           </a:p>
           <a:p>
             <a:pPr marL="457200" lvl="1" indent="0">

--- a/EvaluationParCompetences.pptx
+++ b/EvaluationParCompetences.pptx
@@ -10149,6 +10149,13 @@
           <a:p>
             <a:r>
               <a:rPr lang="fr-FR" dirty="0" err="1"/>
+              <a:t>Id_ques</a:t>
+            </a:r>
+            <a:endParaRPr lang="fr-FR" dirty="0"/>
+          </a:p>
+          <a:p>
+            <a:r>
+              <a:rPr lang="fr-FR" dirty="0" err="1"/>
               <a:t>Note_ques</a:t>
             </a:r>
             <a:endParaRPr lang="fr-FR" dirty="0"/>
@@ -10278,6 +10285,12 @@
               <a:t>evaluation</a:t>
             </a:r>
             <a:endParaRPr lang="fr-FR" dirty="0"/>
+          </a:p>
+          <a:p>
+            <a:r>
+              <a:rPr lang="fr-FR" dirty="0"/>
+              <a:t>Classe</a:t>
+            </a:r>
           </a:p>
           <a:p>
             <a:endParaRPr lang="fr-FR" dirty="0"/>

--- a/EvaluationParCompetences.pptx
+++ b/EvaluationParCompetences.pptx
@@ -12,9 +12,9 @@
     <p:sldId id="260" r:id="rId6"/>
     <p:sldId id="261" r:id="rId7"/>
     <p:sldId id="262" r:id="rId8"/>
-    <p:sldId id="264" r:id="rId9"/>
-    <p:sldId id="263" r:id="rId10"/>
-    <p:sldId id="266" r:id="rId11"/>
+    <p:sldId id="263" r:id="rId9"/>
+    <p:sldId id="266" r:id="rId10"/>
+    <p:sldId id="264" r:id="rId11"/>
     <p:sldId id="265" r:id="rId12"/>
   </p:sldIdLst>
   <p:sldSz cx="12192000" cy="6858000"/>
@@ -321,7 +321,7 @@
           <a:p>
             <a:fld id="{C79C3F50-D8CC-4C93-8A4E-A58F17A43B37}" type="datetimeFigureOut">
               <a:rPr lang="fr-FR" smtClean="0"/>
-              <a:t>16/12/2021</a:t>
+              <a:t>17/12/2021</a:t>
             </a:fld>
             <a:endParaRPr lang="fr-FR"/>
           </a:p>
@@ -659,7 +659,7 @@
           <a:p>
             <a:fld id="{C79C3F50-D8CC-4C93-8A4E-A58F17A43B37}" type="datetimeFigureOut">
               <a:rPr lang="fr-FR" smtClean="0"/>
-              <a:t>16/12/2021</a:t>
+              <a:t>17/12/2021</a:t>
             </a:fld>
             <a:endParaRPr lang="fr-FR"/>
           </a:p>
@@ -1060,7 +1060,7 @@
           <a:p>
             <a:fld id="{C79C3F50-D8CC-4C93-8A4E-A58F17A43B37}" type="datetimeFigureOut">
               <a:rPr lang="fr-FR" smtClean="0"/>
-              <a:t>16/12/2021</a:t>
+              <a:t>17/12/2021</a:t>
             </a:fld>
             <a:endParaRPr lang="fr-FR"/>
           </a:p>
@@ -1396,7 +1396,7 @@
           <a:p>
             <a:fld id="{C79C3F50-D8CC-4C93-8A4E-A58F17A43B37}" type="datetimeFigureOut">
               <a:rPr lang="fr-FR" smtClean="0"/>
-              <a:t>16/12/2021</a:t>
+              <a:t>17/12/2021</a:t>
             </a:fld>
             <a:endParaRPr lang="fr-FR"/>
           </a:p>
@@ -1716,7 +1716,7 @@
           <a:p>
             <a:fld id="{C79C3F50-D8CC-4C93-8A4E-A58F17A43B37}" type="datetimeFigureOut">
               <a:rPr lang="fr-FR" smtClean="0"/>
-              <a:t>16/12/2021</a:t>
+              <a:t>17/12/2021</a:t>
             </a:fld>
             <a:endParaRPr lang="fr-FR"/>
           </a:p>
@@ -2112,7 +2112,7 @@
           <a:p>
             <a:fld id="{C79C3F50-D8CC-4C93-8A4E-A58F17A43B37}" type="datetimeFigureOut">
               <a:rPr lang="fr-FR" smtClean="0"/>
-              <a:t>16/12/2021</a:t>
+              <a:t>17/12/2021</a:t>
             </a:fld>
             <a:endParaRPr lang="fr-FR"/>
           </a:p>
@@ -2369,7 +2369,7 @@
           <a:p>
             <a:fld id="{C79C3F50-D8CC-4C93-8A4E-A58F17A43B37}" type="datetimeFigureOut">
               <a:rPr lang="fr-FR" smtClean="0"/>
-              <a:t>16/12/2021</a:t>
+              <a:t>17/12/2021</a:t>
             </a:fld>
             <a:endParaRPr lang="fr-FR"/>
           </a:p>
@@ -2631,7 +2631,7 @@
           <a:p>
             <a:fld id="{C79C3F50-D8CC-4C93-8A4E-A58F17A43B37}" type="datetimeFigureOut">
               <a:rPr lang="fr-FR" smtClean="0"/>
-              <a:t>16/12/2021</a:t>
+              <a:t>17/12/2021</a:t>
             </a:fld>
             <a:endParaRPr lang="fr-FR"/>
           </a:p>
@@ -2893,7 +2893,7 @@
           <a:p>
             <a:fld id="{C79C3F50-D8CC-4C93-8A4E-A58F17A43B37}" type="datetimeFigureOut">
               <a:rPr lang="fr-FR" smtClean="0"/>
-              <a:t>16/12/2021</a:t>
+              <a:t>17/12/2021</a:t>
             </a:fld>
             <a:endParaRPr lang="fr-FR"/>
           </a:p>
@@ -3222,7 +3222,7 @@
           <a:p>
             <a:fld id="{C79C3F50-D8CC-4C93-8A4E-A58F17A43B37}" type="datetimeFigureOut">
               <a:rPr lang="fr-FR" smtClean="0"/>
-              <a:t>16/12/2021</a:t>
+              <a:t>17/12/2021</a:t>
             </a:fld>
             <a:endParaRPr lang="fr-FR"/>
           </a:p>
@@ -3545,7 +3545,7 @@
           <a:p>
             <a:fld id="{C79C3F50-D8CC-4C93-8A4E-A58F17A43B37}" type="datetimeFigureOut">
               <a:rPr lang="fr-FR" smtClean="0"/>
-              <a:t>16/12/2021</a:t>
+              <a:t>17/12/2021</a:t>
             </a:fld>
             <a:endParaRPr lang="fr-FR"/>
           </a:p>
@@ -4002,7 +4002,7 @@
           <a:p>
             <a:fld id="{C79C3F50-D8CC-4C93-8A4E-A58F17A43B37}" type="datetimeFigureOut">
               <a:rPr lang="fr-FR" smtClean="0"/>
-              <a:t>16/12/2021</a:t>
+              <a:t>17/12/2021</a:t>
             </a:fld>
             <a:endParaRPr lang="fr-FR"/>
           </a:p>
@@ -4207,7 +4207,7 @@
           <a:p>
             <a:fld id="{C79C3F50-D8CC-4C93-8A4E-A58F17A43B37}" type="datetimeFigureOut">
               <a:rPr lang="fr-FR" smtClean="0"/>
-              <a:t>16/12/2021</a:t>
+              <a:t>17/12/2021</a:t>
             </a:fld>
             <a:endParaRPr lang="fr-FR"/>
           </a:p>
@@ -4384,7 +4384,7 @@
           <a:p>
             <a:fld id="{C79C3F50-D8CC-4C93-8A4E-A58F17A43B37}" type="datetimeFigureOut">
               <a:rPr lang="fr-FR" smtClean="0"/>
-              <a:t>16/12/2021</a:t>
+              <a:t>17/12/2021</a:t>
             </a:fld>
             <a:endParaRPr lang="fr-FR"/>
           </a:p>
@@ -4717,7 +4717,7 @@
           <a:p>
             <a:fld id="{C79C3F50-D8CC-4C93-8A4E-A58F17A43B37}" type="datetimeFigureOut">
               <a:rPr lang="fr-FR" smtClean="0"/>
-              <a:t>16/12/2021</a:t>
+              <a:t>17/12/2021</a:t>
             </a:fld>
             <a:endParaRPr lang="fr-FR"/>
           </a:p>
@@ -5062,7 +5062,7 @@
           <a:p>
             <a:fld id="{C79C3F50-D8CC-4C93-8A4E-A58F17A43B37}" type="datetimeFigureOut">
               <a:rPr lang="fr-FR" smtClean="0"/>
-              <a:t>16/12/2021</a:t>
+              <a:t>17/12/2021</a:t>
             </a:fld>
             <a:endParaRPr lang="fr-FR"/>
           </a:p>
@@ -7179,7 +7179,7 @@
           <a:p>
             <a:fld id="{C79C3F50-D8CC-4C93-8A4E-A58F17A43B37}" type="datetimeFigureOut">
               <a:rPr lang="fr-FR" smtClean="0"/>
-              <a:t>16/12/2021</a:t>
+              <a:t>17/12/2021</a:t>
             </a:fld>
             <a:endParaRPr lang="fr-FR"/>
           </a:p>
@@ -7785,7 +7785,7 @@
           <p:cNvPr id="2" name="Titre 1">
             <a:extLst>
               <a:ext uri="{FF2B5EF4-FFF2-40B4-BE49-F238E27FC236}">
-                <a16:creationId xmlns:a16="http://schemas.microsoft.com/office/drawing/2014/main" id="{BEF85D39-43E7-457C-BC2E-2B8D82C32257}"/>
+                <a16:creationId xmlns:a16="http://schemas.microsoft.com/office/drawing/2014/main" id="{2A7C9E4B-784A-4016-A5F8-4EC2AFC82615}"/>
               </a:ext>
             </a:extLst>
           </p:cNvPr>
@@ -7803,7 +7803,7 @@
           <a:p>
             <a:r>
               <a:rPr lang="fr-FR" dirty="0"/>
-              <a:t>Création de la base</a:t>
+              <a:t>Table des questions</a:t>
             </a:r>
           </a:p>
         </p:txBody>
@@ -7813,7 +7813,7 @@
           <p:cNvPr id="3" name="Espace réservé du contenu 2">
             <a:extLst>
               <a:ext uri="{FF2B5EF4-FFF2-40B4-BE49-F238E27FC236}">
-                <a16:creationId xmlns:a16="http://schemas.microsoft.com/office/drawing/2014/main" id="{FFB61BBE-33D0-43B6-A028-29295292B5B8}"/>
+                <a16:creationId xmlns:a16="http://schemas.microsoft.com/office/drawing/2014/main" id="{04051ABE-FFB3-489A-9E53-6E91A7302E07}"/>
               </a:ext>
             </a:extLst>
           </p:cNvPr>
@@ -7830,27 +7830,359 @@
           <a:lstStyle/>
           <a:p>
             <a:r>
+              <a:rPr lang="fr-FR" dirty="0" err="1"/>
+              <a:t>ID_eval</a:t>
+            </a:r>
+            <a:endParaRPr lang="fr-FR" dirty="0"/>
+          </a:p>
+          <a:p>
+            <a:r>
+              <a:rPr lang="fr-FR" dirty="0" err="1"/>
+              <a:t>Id_ques</a:t>
+            </a:r>
+            <a:r>
               <a:rPr lang="fr-FR" dirty="0"/>
-              <a:t>Chargement </a:t>
+              <a:t> [</a:t>
             </a:r>
             <a:r>
               <a:rPr lang="fr-FR" dirty="0" err="1"/>
-              <a:t>eleves</a:t>
+              <a:t>prim</a:t>
+            </a:r>
+            <a:r>
+              <a:rPr lang="fr-FR" dirty="0"/>
+              <a:t>]</a:t>
+            </a:r>
+          </a:p>
+          <a:p>
+            <a:r>
+              <a:rPr lang="fr-FR" dirty="0" err="1"/>
+              <a:t>Num</a:t>
+            </a:r>
+            <a:r>
+              <a:rPr lang="fr-FR" dirty="0"/>
+              <a:t> </a:t>
+            </a:r>
+            <a:r>
+              <a:rPr lang="fr-FR" dirty="0" err="1"/>
+              <a:t>ques</a:t>
             </a:r>
             <a:endParaRPr lang="fr-FR" dirty="0"/>
           </a:p>
           <a:p>
             <a:r>
+              <a:rPr lang="fr-FR" dirty="0" err="1"/>
+              <a:t>Id_comp</a:t>
+            </a:r>
+            <a:r>
               <a:rPr lang="fr-FR" dirty="0"/>
-              <a:t>Chargement compétences</a:t>
-            </a:r>
+              <a:t> (1, 2, 3 ?)</a:t>
+            </a:r>
+          </a:p>
+          <a:p>
+            <a:r>
+              <a:rPr lang="fr-FR" dirty="0"/>
+              <a:t>Note </a:t>
+            </a:r>
+            <a:r>
+              <a:rPr lang="fr-FR" dirty="0" err="1"/>
+              <a:t>ques</a:t>
+            </a:r>
+            <a:r>
+              <a:rPr lang="fr-FR" dirty="0"/>
+              <a:t> ? </a:t>
+            </a:r>
+          </a:p>
+          <a:p>
+            <a:r>
+              <a:rPr lang="fr-FR" dirty="0"/>
+              <a:t>Poids compétence</a:t>
+            </a:r>
+          </a:p>
+        </p:txBody>
+      </p:sp>
+      <p:sp>
+        <p:nvSpPr>
+          <p:cNvPr id="4" name="Espace réservé du contenu 2">
+            <a:extLst>
+              <a:ext uri="{FF2B5EF4-FFF2-40B4-BE49-F238E27FC236}">
+                <a16:creationId xmlns:a16="http://schemas.microsoft.com/office/drawing/2014/main" id="{F3AED524-8BC5-4A42-8CD4-59E0CAAF188A}"/>
+              </a:ext>
+            </a:extLst>
+          </p:cNvPr>
+          <p:cNvSpPr txBox="1">
+            <a:spLocks/>
+          </p:cNvSpPr>
+          <p:nvPr/>
+        </p:nvSpPr>
+        <p:spPr>
+          <a:xfrm>
+            <a:off x="7046912" y="2133600"/>
+            <a:ext cx="4617234" cy="3777622"/>
+          </a:xfrm>
+          <a:prstGeom prst="rect">
+            <a:avLst/>
+          </a:prstGeom>
+        </p:spPr>
+        <p:txBody>
+          <a:bodyPr vert="horz" lIns="91440" tIns="45720" rIns="91440" bIns="45720" rtlCol="0">
+            <a:normAutofit/>
+          </a:bodyPr>
+          <a:lstStyle>
+            <a:lvl1pPr marL="342900" indent="-342900" algn="l" defTabSz="457200" rtl="0" eaLnBrk="1" latinLnBrk="0" hangingPunct="1">
+              <a:spcBef>
+                <a:spcPts val="1000"/>
+              </a:spcBef>
+              <a:spcAft>
+                <a:spcPts val="0"/>
+              </a:spcAft>
+              <a:buClr>
+                <a:schemeClr val="accent1"/>
+              </a:buClr>
+              <a:buFont typeface="Wingdings 3" charset="2"/>
+              <a:buChar char=""/>
+              <a:defRPr sz="1800" kern="1200">
+                <a:solidFill>
+                  <a:schemeClr val="tx1">
+                    <a:lumMod val="75000"/>
+                    <a:lumOff val="25000"/>
+                  </a:schemeClr>
+                </a:solidFill>
+                <a:latin typeface="+mn-lt"/>
+                <a:ea typeface="+mn-ea"/>
+                <a:cs typeface="+mn-cs"/>
+              </a:defRPr>
+            </a:lvl1pPr>
+            <a:lvl2pPr marL="742950" indent="-285750" algn="l" defTabSz="457200" rtl="0" eaLnBrk="1" latinLnBrk="0" hangingPunct="1">
+              <a:spcBef>
+                <a:spcPts val="1000"/>
+              </a:spcBef>
+              <a:spcAft>
+                <a:spcPts val="0"/>
+              </a:spcAft>
+              <a:buClr>
+                <a:schemeClr val="accent1"/>
+              </a:buClr>
+              <a:buFont typeface="Wingdings 3" charset="2"/>
+              <a:buChar char=""/>
+              <a:defRPr sz="1600" kern="1200">
+                <a:solidFill>
+                  <a:schemeClr val="tx1">
+                    <a:lumMod val="75000"/>
+                    <a:lumOff val="25000"/>
+                  </a:schemeClr>
+                </a:solidFill>
+                <a:latin typeface="+mn-lt"/>
+                <a:ea typeface="+mn-ea"/>
+                <a:cs typeface="+mn-cs"/>
+              </a:defRPr>
+            </a:lvl2pPr>
+            <a:lvl3pPr marL="1143000" indent="-228600" algn="l" defTabSz="457200" rtl="0" eaLnBrk="1" latinLnBrk="0" hangingPunct="1">
+              <a:spcBef>
+                <a:spcPts val="1000"/>
+              </a:spcBef>
+              <a:spcAft>
+                <a:spcPts val="0"/>
+              </a:spcAft>
+              <a:buClr>
+                <a:schemeClr val="accent1"/>
+              </a:buClr>
+              <a:buFont typeface="Wingdings 3" charset="2"/>
+              <a:buChar char=""/>
+              <a:defRPr sz="1400" kern="1200">
+                <a:solidFill>
+                  <a:schemeClr val="tx1">
+                    <a:lumMod val="75000"/>
+                    <a:lumOff val="25000"/>
+                  </a:schemeClr>
+                </a:solidFill>
+                <a:latin typeface="+mn-lt"/>
+                <a:ea typeface="+mn-ea"/>
+                <a:cs typeface="+mn-cs"/>
+              </a:defRPr>
+            </a:lvl3pPr>
+            <a:lvl4pPr marL="1600200" indent="-228600" algn="l" defTabSz="457200" rtl="0" eaLnBrk="1" latinLnBrk="0" hangingPunct="1">
+              <a:spcBef>
+                <a:spcPts val="1000"/>
+              </a:spcBef>
+              <a:spcAft>
+                <a:spcPts val="0"/>
+              </a:spcAft>
+              <a:buClr>
+                <a:schemeClr val="accent1"/>
+              </a:buClr>
+              <a:buFont typeface="Wingdings 3" charset="2"/>
+              <a:buChar char=""/>
+              <a:defRPr sz="1200" kern="1200">
+                <a:solidFill>
+                  <a:schemeClr val="tx1">
+                    <a:lumMod val="75000"/>
+                    <a:lumOff val="25000"/>
+                  </a:schemeClr>
+                </a:solidFill>
+                <a:latin typeface="+mn-lt"/>
+                <a:ea typeface="+mn-ea"/>
+                <a:cs typeface="+mn-cs"/>
+              </a:defRPr>
+            </a:lvl4pPr>
+            <a:lvl5pPr marL="2057400" indent="-228600" algn="l" defTabSz="457200" rtl="0" eaLnBrk="1" latinLnBrk="0" hangingPunct="1">
+              <a:spcBef>
+                <a:spcPts val="1000"/>
+              </a:spcBef>
+              <a:spcAft>
+                <a:spcPts val="0"/>
+              </a:spcAft>
+              <a:buClr>
+                <a:schemeClr val="accent1"/>
+              </a:buClr>
+              <a:buFont typeface="Wingdings 3" charset="2"/>
+              <a:buChar char=""/>
+              <a:defRPr sz="1200" kern="1200">
+                <a:solidFill>
+                  <a:schemeClr val="tx1">
+                    <a:lumMod val="75000"/>
+                    <a:lumOff val="25000"/>
+                  </a:schemeClr>
+                </a:solidFill>
+                <a:latin typeface="+mn-lt"/>
+                <a:ea typeface="+mn-ea"/>
+                <a:cs typeface="+mn-cs"/>
+              </a:defRPr>
+            </a:lvl5pPr>
+            <a:lvl6pPr marL="2514600" indent="-228600" algn="l" defTabSz="457200" rtl="0" eaLnBrk="1" latinLnBrk="0" hangingPunct="1">
+              <a:spcBef>
+                <a:spcPts val="1000"/>
+              </a:spcBef>
+              <a:spcAft>
+                <a:spcPts val="0"/>
+              </a:spcAft>
+              <a:buClr>
+                <a:schemeClr val="accent1"/>
+              </a:buClr>
+              <a:buFont typeface="Wingdings 3" charset="2"/>
+              <a:buChar char=""/>
+              <a:defRPr sz="1200" kern="1200">
+                <a:solidFill>
+                  <a:schemeClr val="tx1">
+                    <a:lumMod val="75000"/>
+                    <a:lumOff val="25000"/>
+                  </a:schemeClr>
+                </a:solidFill>
+                <a:latin typeface="+mn-lt"/>
+                <a:ea typeface="+mn-ea"/>
+                <a:cs typeface="+mn-cs"/>
+              </a:defRPr>
+            </a:lvl6pPr>
+            <a:lvl7pPr marL="2971800" indent="-228600" algn="l" defTabSz="457200" rtl="0" eaLnBrk="1" latinLnBrk="0" hangingPunct="1">
+              <a:spcBef>
+                <a:spcPts val="1000"/>
+              </a:spcBef>
+              <a:spcAft>
+                <a:spcPts val="0"/>
+              </a:spcAft>
+              <a:buClr>
+                <a:schemeClr val="accent1"/>
+              </a:buClr>
+              <a:buFont typeface="Wingdings 3" charset="2"/>
+              <a:buChar char=""/>
+              <a:defRPr sz="1200" kern="1200">
+                <a:solidFill>
+                  <a:schemeClr val="tx1">
+                    <a:lumMod val="75000"/>
+                    <a:lumOff val="25000"/>
+                  </a:schemeClr>
+                </a:solidFill>
+                <a:latin typeface="+mn-lt"/>
+                <a:ea typeface="+mn-ea"/>
+                <a:cs typeface="+mn-cs"/>
+              </a:defRPr>
+            </a:lvl7pPr>
+            <a:lvl8pPr marL="3429000" indent="-228600" algn="l" defTabSz="457200" rtl="0" eaLnBrk="1" latinLnBrk="0" hangingPunct="1">
+              <a:spcBef>
+                <a:spcPts val="1000"/>
+              </a:spcBef>
+              <a:spcAft>
+                <a:spcPts val="0"/>
+              </a:spcAft>
+              <a:buClr>
+                <a:schemeClr val="accent1"/>
+              </a:buClr>
+              <a:buFont typeface="Wingdings 3" charset="2"/>
+              <a:buChar char=""/>
+              <a:defRPr sz="1200" kern="1200">
+                <a:solidFill>
+                  <a:schemeClr val="tx1">
+                    <a:lumMod val="75000"/>
+                    <a:lumOff val="25000"/>
+                  </a:schemeClr>
+                </a:solidFill>
+                <a:latin typeface="+mn-lt"/>
+                <a:ea typeface="+mn-ea"/>
+                <a:cs typeface="+mn-cs"/>
+              </a:defRPr>
+            </a:lvl8pPr>
+            <a:lvl9pPr marL="3886200" indent="-228600" algn="l" defTabSz="457200" rtl="0" eaLnBrk="1" latinLnBrk="0" hangingPunct="1">
+              <a:spcBef>
+                <a:spcPts val="1000"/>
+              </a:spcBef>
+              <a:spcAft>
+                <a:spcPts val="0"/>
+              </a:spcAft>
+              <a:buClr>
+                <a:schemeClr val="accent1"/>
+              </a:buClr>
+              <a:buFont typeface="Wingdings 3" charset="2"/>
+              <a:buChar char=""/>
+              <a:defRPr sz="1200" kern="1200">
+                <a:solidFill>
+                  <a:schemeClr val="tx1">
+                    <a:lumMod val="75000"/>
+                    <a:lumOff val="25000"/>
+                  </a:schemeClr>
+                </a:solidFill>
+                <a:latin typeface="+mn-lt"/>
+                <a:ea typeface="+mn-ea"/>
+                <a:cs typeface="+mn-cs"/>
+              </a:defRPr>
+            </a:lvl9pPr>
+          </a:lstStyle>
+          <a:p>
+            <a:r>
+              <a:rPr lang="fr-FR" dirty="0" err="1"/>
+              <a:t>Id_eleve</a:t>
+            </a:r>
+            <a:endParaRPr lang="fr-FR" dirty="0"/>
+          </a:p>
+          <a:p>
+            <a:r>
+              <a:rPr lang="fr-FR" err="1"/>
+              <a:t>Id</a:t>
+            </a:r>
+            <a:r>
+              <a:rPr lang="fr-FR"/>
+              <a:t>_eval</a:t>
+            </a:r>
+            <a:endParaRPr lang="fr-FR" dirty="0"/>
+          </a:p>
+          <a:p>
+            <a:r>
+              <a:rPr lang="fr-FR" dirty="0" err="1"/>
+              <a:t>Id_ques</a:t>
+            </a:r>
+            <a:endParaRPr lang="fr-FR" dirty="0"/>
+          </a:p>
+          <a:p>
+            <a:r>
+              <a:rPr lang="fr-FR" dirty="0" err="1"/>
+              <a:t>Note_ques</a:t>
+            </a:r>
+            <a:endParaRPr lang="fr-FR" dirty="0"/>
           </a:p>
         </p:txBody>
       </p:sp>
     </p:spTree>
     <p:extLst>
       <p:ext uri="{BB962C8B-B14F-4D97-AF65-F5344CB8AC3E}">
-        <p14:creationId xmlns:p14="http://schemas.microsoft.com/office/powerpoint/2010/main" val="2631369513"/>
+        <p14:creationId xmlns:p14="http://schemas.microsoft.com/office/powerpoint/2010/main" val="2646329069"/>
       </p:ext>
     </p:extLst>
   </p:cSld>
@@ -9772,7 +10104,7 @@
           <p:cNvPr id="2" name="Titre 1">
             <a:extLst>
               <a:ext uri="{FF2B5EF4-FFF2-40B4-BE49-F238E27FC236}">
-                <a16:creationId xmlns:a16="http://schemas.microsoft.com/office/drawing/2014/main" id="{2A7C9E4B-784A-4016-A5F8-4EC2AFC82615}"/>
+                <a16:creationId xmlns:a16="http://schemas.microsoft.com/office/drawing/2014/main" id="{92DB9FB2-637D-407F-9783-CB106AAE38A1}"/>
               </a:ext>
             </a:extLst>
           </p:cNvPr>
@@ -9790,7 +10122,7 @@
           <a:p>
             <a:r>
               <a:rPr lang="fr-FR" dirty="0"/>
-              <a:t>Table des questions</a:t>
+              <a:t>Table des évaluations</a:t>
             </a:r>
           </a:p>
         </p:txBody>
@@ -9800,7 +10132,7 @@
           <p:cNvPr id="3" name="Espace réservé du contenu 2">
             <a:extLst>
               <a:ext uri="{FF2B5EF4-FFF2-40B4-BE49-F238E27FC236}">
-                <a16:creationId xmlns:a16="http://schemas.microsoft.com/office/drawing/2014/main" id="{04051ABE-FFB3-489A-9E53-6E91A7302E07}"/>
+                <a16:creationId xmlns:a16="http://schemas.microsoft.com/office/drawing/2014/main" id="{AC4BC754-ED97-40E8-9FD3-A99EBD2E6EFB}"/>
               </a:ext>
             </a:extLst>
           </p:cNvPr>
@@ -9813,37 +10145,32 @@
         </p:nvSpPr>
         <p:spPr/>
         <p:txBody>
-          <a:bodyPr/>
+          <a:bodyPr>
+            <a:normAutofit/>
+          </a:bodyPr>
           <a:lstStyle/>
           <a:p>
             <a:r>
               <a:rPr lang="fr-FR" dirty="0" err="1"/>
-              <a:t>ID_eval</a:t>
+              <a:t>Id_evaluation</a:t>
             </a:r>
             <a:endParaRPr lang="fr-FR" dirty="0"/>
           </a:p>
           <a:p>
             <a:r>
+              <a:rPr lang="fr-FR" dirty="0"/>
+              <a:t>Type </a:t>
+            </a:r>
+            <a:r>
               <a:rPr lang="fr-FR" dirty="0" err="1"/>
-              <a:t>Id_ques</a:t>
-            </a:r>
-            <a:r>
-              <a:rPr lang="fr-FR" dirty="0"/>
-              <a:t> [</a:t>
-            </a:r>
+              <a:t>evaluation</a:t>
+            </a:r>
+            <a:endParaRPr lang="fr-FR" dirty="0"/>
+          </a:p>
+          <a:p>
             <a:r>
               <a:rPr lang="fr-FR" dirty="0" err="1"/>
-              <a:t>prim</a:t>
-            </a:r>
-            <a:r>
-              <a:rPr lang="fr-FR" dirty="0"/>
-              <a:t>]</a:t>
-            </a:r>
-          </a:p>
-          <a:p>
-            <a:r>
-              <a:rPr lang="fr-FR" dirty="0" err="1"/>
-              <a:t>Num</a:t>
+              <a:t>Numero</a:t>
             </a:r>
             <a:r>
               <a:rPr lang="fr-FR" dirty="0"/>
@@ -9851,313 +10178,34 @@
             </a:r>
             <a:r>
               <a:rPr lang="fr-FR" dirty="0" err="1"/>
-              <a:t>ques</a:t>
+              <a:t>evaluation</a:t>
             </a:r>
             <a:endParaRPr lang="fr-FR" dirty="0"/>
           </a:p>
           <a:p>
             <a:r>
+              <a:rPr lang="fr-FR" dirty="0"/>
+              <a:t>Date </a:t>
+            </a:r>
+            <a:r>
               <a:rPr lang="fr-FR" dirty="0" err="1"/>
-              <a:t>Id_comp</a:t>
-            </a:r>
+              <a:t>evaluation</a:t>
+            </a:r>
+            <a:endParaRPr lang="fr-FR" dirty="0"/>
+          </a:p>
+          <a:p>
             <a:r>
               <a:rPr lang="fr-FR" dirty="0"/>
-              <a:t> (1, 2, 3 ?)</a:t>
-            </a:r>
-          </a:p>
-          <a:p>
-            <a:r>
-              <a:rPr lang="fr-FR" dirty="0"/>
-              <a:t>Note </a:t>
-            </a:r>
-            <a:r>
-              <a:rPr lang="fr-FR" dirty="0" err="1"/>
-              <a:t>ques</a:t>
-            </a:r>
-            <a:r>
-              <a:rPr lang="fr-FR" dirty="0"/>
-              <a:t> ? </a:t>
-            </a:r>
-          </a:p>
-          <a:p>
-            <a:r>
-              <a:rPr lang="fr-FR" dirty="0"/>
-              <a:t>Poids compétence</a:t>
-            </a:r>
-          </a:p>
-        </p:txBody>
-      </p:sp>
-      <p:sp>
-        <p:nvSpPr>
-          <p:cNvPr id="4" name="Espace réservé du contenu 2">
-            <a:extLst>
-              <a:ext uri="{FF2B5EF4-FFF2-40B4-BE49-F238E27FC236}">
-                <a16:creationId xmlns:a16="http://schemas.microsoft.com/office/drawing/2014/main" id="{F3AED524-8BC5-4A42-8CD4-59E0CAAF188A}"/>
-              </a:ext>
-            </a:extLst>
-          </p:cNvPr>
-          <p:cNvSpPr txBox="1">
-            <a:spLocks/>
-          </p:cNvSpPr>
-          <p:nvPr/>
-        </p:nvSpPr>
-        <p:spPr>
-          <a:xfrm>
-            <a:off x="7046912" y="2133600"/>
-            <a:ext cx="4617234" cy="3777622"/>
-          </a:xfrm>
-          <a:prstGeom prst="rect">
-            <a:avLst/>
-          </a:prstGeom>
-        </p:spPr>
-        <p:txBody>
-          <a:bodyPr vert="horz" lIns="91440" tIns="45720" rIns="91440" bIns="45720" rtlCol="0">
-            <a:normAutofit/>
-          </a:bodyPr>
-          <a:lstStyle>
-            <a:lvl1pPr marL="342900" indent="-342900" algn="l" defTabSz="457200" rtl="0" eaLnBrk="1" latinLnBrk="0" hangingPunct="1">
-              <a:spcBef>
-                <a:spcPts val="1000"/>
-              </a:spcBef>
-              <a:spcAft>
-                <a:spcPts val="0"/>
-              </a:spcAft>
-              <a:buClr>
-                <a:schemeClr val="accent1"/>
-              </a:buClr>
-              <a:buFont typeface="Wingdings 3" charset="2"/>
-              <a:buChar char=""/>
-              <a:defRPr sz="1800" kern="1200">
-                <a:solidFill>
-                  <a:schemeClr val="tx1">
-                    <a:lumMod val="75000"/>
-                    <a:lumOff val="25000"/>
-                  </a:schemeClr>
-                </a:solidFill>
-                <a:latin typeface="+mn-lt"/>
-                <a:ea typeface="+mn-ea"/>
-                <a:cs typeface="+mn-cs"/>
-              </a:defRPr>
-            </a:lvl1pPr>
-            <a:lvl2pPr marL="742950" indent="-285750" algn="l" defTabSz="457200" rtl="0" eaLnBrk="1" latinLnBrk="0" hangingPunct="1">
-              <a:spcBef>
-                <a:spcPts val="1000"/>
-              </a:spcBef>
-              <a:spcAft>
-                <a:spcPts val="0"/>
-              </a:spcAft>
-              <a:buClr>
-                <a:schemeClr val="accent1"/>
-              </a:buClr>
-              <a:buFont typeface="Wingdings 3" charset="2"/>
-              <a:buChar char=""/>
-              <a:defRPr sz="1600" kern="1200">
-                <a:solidFill>
-                  <a:schemeClr val="tx1">
-                    <a:lumMod val="75000"/>
-                    <a:lumOff val="25000"/>
-                  </a:schemeClr>
-                </a:solidFill>
-                <a:latin typeface="+mn-lt"/>
-                <a:ea typeface="+mn-ea"/>
-                <a:cs typeface="+mn-cs"/>
-              </a:defRPr>
-            </a:lvl2pPr>
-            <a:lvl3pPr marL="1143000" indent="-228600" algn="l" defTabSz="457200" rtl="0" eaLnBrk="1" latinLnBrk="0" hangingPunct="1">
-              <a:spcBef>
-                <a:spcPts val="1000"/>
-              </a:spcBef>
-              <a:spcAft>
-                <a:spcPts val="0"/>
-              </a:spcAft>
-              <a:buClr>
-                <a:schemeClr val="accent1"/>
-              </a:buClr>
-              <a:buFont typeface="Wingdings 3" charset="2"/>
-              <a:buChar char=""/>
-              <a:defRPr sz="1400" kern="1200">
-                <a:solidFill>
-                  <a:schemeClr val="tx1">
-                    <a:lumMod val="75000"/>
-                    <a:lumOff val="25000"/>
-                  </a:schemeClr>
-                </a:solidFill>
-                <a:latin typeface="+mn-lt"/>
-                <a:ea typeface="+mn-ea"/>
-                <a:cs typeface="+mn-cs"/>
-              </a:defRPr>
-            </a:lvl3pPr>
-            <a:lvl4pPr marL="1600200" indent="-228600" algn="l" defTabSz="457200" rtl="0" eaLnBrk="1" latinLnBrk="0" hangingPunct="1">
-              <a:spcBef>
-                <a:spcPts val="1000"/>
-              </a:spcBef>
-              <a:spcAft>
-                <a:spcPts val="0"/>
-              </a:spcAft>
-              <a:buClr>
-                <a:schemeClr val="accent1"/>
-              </a:buClr>
-              <a:buFont typeface="Wingdings 3" charset="2"/>
-              <a:buChar char=""/>
-              <a:defRPr sz="1200" kern="1200">
-                <a:solidFill>
-                  <a:schemeClr val="tx1">
-                    <a:lumMod val="75000"/>
-                    <a:lumOff val="25000"/>
-                  </a:schemeClr>
-                </a:solidFill>
-                <a:latin typeface="+mn-lt"/>
-                <a:ea typeface="+mn-ea"/>
-                <a:cs typeface="+mn-cs"/>
-              </a:defRPr>
-            </a:lvl4pPr>
-            <a:lvl5pPr marL="2057400" indent="-228600" algn="l" defTabSz="457200" rtl="0" eaLnBrk="1" latinLnBrk="0" hangingPunct="1">
-              <a:spcBef>
-                <a:spcPts val="1000"/>
-              </a:spcBef>
-              <a:spcAft>
-                <a:spcPts val="0"/>
-              </a:spcAft>
-              <a:buClr>
-                <a:schemeClr val="accent1"/>
-              </a:buClr>
-              <a:buFont typeface="Wingdings 3" charset="2"/>
-              <a:buChar char=""/>
-              <a:defRPr sz="1200" kern="1200">
-                <a:solidFill>
-                  <a:schemeClr val="tx1">
-                    <a:lumMod val="75000"/>
-                    <a:lumOff val="25000"/>
-                  </a:schemeClr>
-                </a:solidFill>
-                <a:latin typeface="+mn-lt"/>
-                <a:ea typeface="+mn-ea"/>
-                <a:cs typeface="+mn-cs"/>
-              </a:defRPr>
-            </a:lvl5pPr>
-            <a:lvl6pPr marL="2514600" indent="-228600" algn="l" defTabSz="457200" rtl="0" eaLnBrk="1" latinLnBrk="0" hangingPunct="1">
-              <a:spcBef>
-                <a:spcPts val="1000"/>
-              </a:spcBef>
-              <a:spcAft>
-                <a:spcPts val="0"/>
-              </a:spcAft>
-              <a:buClr>
-                <a:schemeClr val="accent1"/>
-              </a:buClr>
-              <a:buFont typeface="Wingdings 3" charset="2"/>
-              <a:buChar char=""/>
-              <a:defRPr sz="1200" kern="1200">
-                <a:solidFill>
-                  <a:schemeClr val="tx1">
-                    <a:lumMod val="75000"/>
-                    <a:lumOff val="25000"/>
-                  </a:schemeClr>
-                </a:solidFill>
-                <a:latin typeface="+mn-lt"/>
-                <a:ea typeface="+mn-ea"/>
-                <a:cs typeface="+mn-cs"/>
-              </a:defRPr>
-            </a:lvl6pPr>
-            <a:lvl7pPr marL="2971800" indent="-228600" algn="l" defTabSz="457200" rtl="0" eaLnBrk="1" latinLnBrk="0" hangingPunct="1">
-              <a:spcBef>
-                <a:spcPts val="1000"/>
-              </a:spcBef>
-              <a:spcAft>
-                <a:spcPts val="0"/>
-              </a:spcAft>
-              <a:buClr>
-                <a:schemeClr val="accent1"/>
-              </a:buClr>
-              <a:buFont typeface="Wingdings 3" charset="2"/>
-              <a:buChar char=""/>
-              <a:defRPr sz="1200" kern="1200">
-                <a:solidFill>
-                  <a:schemeClr val="tx1">
-                    <a:lumMod val="75000"/>
-                    <a:lumOff val="25000"/>
-                  </a:schemeClr>
-                </a:solidFill>
-                <a:latin typeface="+mn-lt"/>
-                <a:ea typeface="+mn-ea"/>
-                <a:cs typeface="+mn-cs"/>
-              </a:defRPr>
-            </a:lvl7pPr>
-            <a:lvl8pPr marL="3429000" indent="-228600" algn="l" defTabSz="457200" rtl="0" eaLnBrk="1" latinLnBrk="0" hangingPunct="1">
-              <a:spcBef>
-                <a:spcPts val="1000"/>
-              </a:spcBef>
-              <a:spcAft>
-                <a:spcPts val="0"/>
-              </a:spcAft>
-              <a:buClr>
-                <a:schemeClr val="accent1"/>
-              </a:buClr>
-              <a:buFont typeface="Wingdings 3" charset="2"/>
-              <a:buChar char=""/>
-              <a:defRPr sz="1200" kern="1200">
-                <a:solidFill>
-                  <a:schemeClr val="tx1">
-                    <a:lumMod val="75000"/>
-                    <a:lumOff val="25000"/>
-                  </a:schemeClr>
-                </a:solidFill>
-                <a:latin typeface="+mn-lt"/>
-                <a:ea typeface="+mn-ea"/>
-                <a:cs typeface="+mn-cs"/>
-              </a:defRPr>
-            </a:lvl8pPr>
-            <a:lvl9pPr marL="3886200" indent="-228600" algn="l" defTabSz="457200" rtl="0" eaLnBrk="1" latinLnBrk="0" hangingPunct="1">
-              <a:spcBef>
-                <a:spcPts val="1000"/>
-              </a:spcBef>
-              <a:spcAft>
-                <a:spcPts val="0"/>
-              </a:spcAft>
-              <a:buClr>
-                <a:schemeClr val="accent1"/>
-              </a:buClr>
-              <a:buFont typeface="Wingdings 3" charset="2"/>
-              <a:buChar char=""/>
-              <a:defRPr sz="1200" kern="1200">
-                <a:solidFill>
-                  <a:schemeClr val="tx1">
-                    <a:lumMod val="75000"/>
-                    <a:lumOff val="25000"/>
-                  </a:schemeClr>
-                </a:solidFill>
-                <a:latin typeface="+mn-lt"/>
-                <a:ea typeface="+mn-ea"/>
-                <a:cs typeface="+mn-cs"/>
-              </a:defRPr>
-            </a:lvl9pPr>
-          </a:lstStyle>
-          <a:p>
-            <a:r>
-              <a:rPr lang="fr-FR" dirty="0" err="1"/>
-              <a:t>Id_eleve</a:t>
-            </a:r>
+              <a:t>Classe</a:t>
+            </a:r>
+          </a:p>
+          <a:p>
             <a:endParaRPr lang="fr-FR" dirty="0"/>
           </a:p>
           <a:p>
-            <a:r>
-              <a:rPr lang="fr-FR" dirty="0" err="1"/>
-              <a:t>Id_ques</a:t>
-            </a:r>
             <a:endParaRPr lang="fr-FR" dirty="0"/>
           </a:p>
           <a:p>
-            <a:r>
-              <a:rPr lang="fr-FR" dirty="0" err="1"/>
-              <a:t>Id_ques</a:t>
-            </a:r>
-            <a:endParaRPr lang="fr-FR" dirty="0"/>
-          </a:p>
-          <a:p>
-            <a:r>
-              <a:rPr lang="fr-FR" dirty="0" err="1"/>
-              <a:t>Note_ques</a:t>
-            </a:r>
             <a:endParaRPr lang="fr-FR" dirty="0"/>
           </a:p>
         </p:txBody>
@@ -10165,7 +10213,7 @@
     </p:spTree>
     <p:extLst>
       <p:ext uri="{BB962C8B-B14F-4D97-AF65-F5344CB8AC3E}">
-        <p14:creationId xmlns:p14="http://schemas.microsoft.com/office/powerpoint/2010/main" val="2646329069"/>
+        <p14:creationId xmlns:p14="http://schemas.microsoft.com/office/powerpoint/2010/main" val="3262468167"/>
       </p:ext>
     </p:extLst>
   </p:cSld>
@@ -10197,7 +10245,7 @@
           <p:cNvPr id="2" name="Titre 1">
             <a:extLst>
               <a:ext uri="{FF2B5EF4-FFF2-40B4-BE49-F238E27FC236}">
-                <a16:creationId xmlns:a16="http://schemas.microsoft.com/office/drawing/2014/main" id="{92DB9FB2-637D-407F-9783-CB106AAE38A1}"/>
+                <a16:creationId xmlns:a16="http://schemas.microsoft.com/office/drawing/2014/main" id="{BEF85D39-43E7-457C-BC2E-2B8D82C32257}"/>
               </a:ext>
             </a:extLst>
           </p:cNvPr>
@@ -10215,7 +10263,7 @@
           <a:p>
             <a:r>
               <a:rPr lang="fr-FR" dirty="0"/>
-              <a:t>Table des évaluations</a:t>
+              <a:t>Création de la base</a:t>
             </a:r>
           </a:p>
         </p:txBody>
@@ -10225,7 +10273,7 @@
           <p:cNvPr id="3" name="Espace réservé du contenu 2">
             <a:extLst>
               <a:ext uri="{FF2B5EF4-FFF2-40B4-BE49-F238E27FC236}">
-                <a16:creationId xmlns:a16="http://schemas.microsoft.com/office/drawing/2014/main" id="{AC4BC754-ED97-40E8-9FD3-A99EBD2E6EFB}"/>
+                <a16:creationId xmlns:a16="http://schemas.microsoft.com/office/drawing/2014/main" id="{FFB61BBE-33D0-43B6-A028-29295292B5B8}"/>
               </a:ext>
             </a:extLst>
           </p:cNvPr>
@@ -10238,75 +10286,31 @@
         </p:nvSpPr>
         <p:spPr/>
         <p:txBody>
-          <a:bodyPr>
-            <a:normAutofit/>
-          </a:bodyPr>
+          <a:bodyPr/>
           <a:lstStyle/>
           <a:p>
             <a:r>
+              <a:rPr lang="fr-FR" dirty="0"/>
+              <a:t>Chargement </a:t>
+            </a:r>
+            <a:r>
               <a:rPr lang="fr-FR" dirty="0" err="1"/>
-              <a:t>Id_evaluation</a:t>
+              <a:t>eleves</a:t>
             </a:r>
             <a:endParaRPr lang="fr-FR" dirty="0"/>
           </a:p>
           <a:p>
             <a:r>
               <a:rPr lang="fr-FR" dirty="0"/>
-              <a:t>Type </a:t>
-            </a:r>
-            <a:r>
-              <a:rPr lang="fr-FR" dirty="0" err="1"/>
-              <a:t>evaluation</a:t>
-            </a:r>
-            <a:endParaRPr lang="fr-FR" dirty="0"/>
-          </a:p>
-          <a:p>
-            <a:r>
-              <a:rPr lang="fr-FR" dirty="0" err="1"/>
-              <a:t>Numero</a:t>
-            </a:r>
-            <a:r>
-              <a:rPr lang="fr-FR" dirty="0"/>
-              <a:t> </a:t>
-            </a:r>
-            <a:r>
-              <a:rPr lang="fr-FR" dirty="0" err="1"/>
-              <a:t>evaluation</a:t>
-            </a:r>
-            <a:endParaRPr lang="fr-FR" dirty="0"/>
-          </a:p>
-          <a:p>
-            <a:r>
-              <a:rPr lang="fr-FR" dirty="0"/>
-              <a:t>Date </a:t>
-            </a:r>
-            <a:r>
-              <a:rPr lang="fr-FR" dirty="0" err="1"/>
-              <a:t>evaluation</a:t>
-            </a:r>
-            <a:endParaRPr lang="fr-FR" dirty="0"/>
-          </a:p>
-          <a:p>
-            <a:r>
-              <a:rPr lang="fr-FR" dirty="0"/>
-              <a:t>Classe</a:t>
-            </a:r>
-          </a:p>
-          <a:p>
-            <a:endParaRPr lang="fr-FR" dirty="0"/>
-          </a:p>
-          <a:p>
-            <a:endParaRPr lang="fr-FR" dirty="0"/>
-          </a:p>
-          <a:p>
-            <a:endParaRPr lang="fr-FR" dirty="0"/>
+              <a:t>Chargement compétences</a:t>
+            </a:r>
           </a:p>
         </p:txBody>
       </p:sp>
     </p:spTree>
     <p:extLst>
       <p:ext uri="{BB962C8B-B14F-4D97-AF65-F5344CB8AC3E}">
-        <p14:creationId xmlns:p14="http://schemas.microsoft.com/office/powerpoint/2010/main" val="3262468167"/>
+        <p14:creationId xmlns:p14="http://schemas.microsoft.com/office/powerpoint/2010/main" val="2631369513"/>
       </p:ext>
     </p:extLst>
   </p:cSld>

--- a/EvaluationParCompetences.pptx
+++ b/EvaluationParCompetences.pptx
@@ -16,6 +16,7 @@
     <p:sldId id="266" r:id="rId10"/>
     <p:sldId id="264" r:id="rId11"/>
     <p:sldId id="265" r:id="rId12"/>
+    <p:sldId id="267" r:id="rId13"/>
   </p:sldIdLst>
   <p:sldSz cx="12192000" cy="6858000"/>
   <p:notesSz cx="6858000" cy="9144000"/>
@@ -321,7 +322,7 @@
           <a:p>
             <a:fld id="{C79C3F50-D8CC-4C93-8A4E-A58F17A43B37}" type="datetimeFigureOut">
               <a:rPr lang="fr-FR" smtClean="0"/>
-              <a:t>17/12/2021</a:t>
+              <a:t>20/12/2021</a:t>
             </a:fld>
             <a:endParaRPr lang="fr-FR"/>
           </a:p>
@@ -659,7 +660,7 @@
           <a:p>
             <a:fld id="{C79C3F50-D8CC-4C93-8A4E-A58F17A43B37}" type="datetimeFigureOut">
               <a:rPr lang="fr-FR" smtClean="0"/>
-              <a:t>17/12/2021</a:t>
+              <a:t>20/12/2021</a:t>
             </a:fld>
             <a:endParaRPr lang="fr-FR"/>
           </a:p>
@@ -1060,7 +1061,7 @@
           <a:p>
             <a:fld id="{C79C3F50-D8CC-4C93-8A4E-A58F17A43B37}" type="datetimeFigureOut">
               <a:rPr lang="fr-FR" smtClean="0"/>
-              <a:t>17/12/2021</a:t>
+              <a:t>20/12/2021</a:t>
             </a:fld>
             <a:endParaRPr lang="fr-FR"/>
           </a:p>
@@ -1396,7 +1397,7 @@
           <a:p>
             <a:fld id="{C79C3F50-D8CC-4C93-8A4E-A58F17A43B37}" type="datetimeFigureOut">
               <a:rPr lang="fr-FR" smtClean="0"/>
-              <a:t>17/12/2021</a:t>
+              <a:t>20/12/2021</a:t>
             </a:fld>
             <a:endParaRPr lang="fr-FR"/>
           </a:p>
@@ -1716,7 +1717,7 @@
           <a:p>
             <a:fld id="{C79C3F50-D8CC-4C93-8A4E-A58F17A43B37}" type="datetimeFigureOut">
               <a:rPr lang="fr-FR" smtClean="0"/>
-              <a:t>17/12/2021</a:t>
+              <a:t>20/12/2021</a:t>
             </a:fld>
             <a:endParaRPr lang="fr-FR"/>
           </a:p>
@@ -2112,7 +2113,7 @@
           <a:p>
             <a:fld id="{C79C3F50-D8CC-4C93-8A4E-A58F17A43B37}" type="datetimeFigureOut">
               <a:rPr lang="fr-FR" smtClean="0"/>
-              <a:t>17/12/2021</a:t>
+              <a:t>20/12/2021</a:t>
             </a:fld>
             <a:endParaRPr lang="fr-FR"/>
           </a:p>
@@ -2369,7 +2370,7 @@
           <a:p>
             <a:fld id="{C79C3F50-D8CC-4C93-8A4E-A58F17A43B37}" type="datetimeFigureOut">
               <a:rPr lang="fr-FR" smtClean="0"/>
-              <a:t>17/12/2021</a:t>
+              <a:t>20/12/2021</a:t>
             </a:fld>
             <a:endParaRPr lang="fr-FR"/>
           </a:p>
@@ -2631,7 +2632,7 @@
           <a:p>
             <a:fld id="{C79C3F50-D8CC-4C93-8A4E-A58F17A43B37}" type="datetimeFigureOut">
               <a:rPr lang="fr-FR" smtClean="0"/>
-              <a:t>17/12/2021</a:t>
+              <a:t>20/12/2021</a:t>
             </a:fld>
             <a:endParaRPr lang="fr-FR"/>
           </a:p>
@@ -2893,7 +2894,7 @@
           <a:p>
             <a:fld id="{C79C3F50-D8CC-4C93-8A4E-A58F17A43B37}" type="datetimeFigureOut">
               <a:rPr lang="fr-FR" smtClean="0"/>
-              <a:t>17/12/2021</a:t>
+              <a:t>20/12/2021</a:t>
             </a:fld>
             <a:endParaRPr lang="fr-FR"/>
           </a:p>
@@ -3222,7 +3223,7 @@
           <a:p>
             <a:fld id="{C79C3F50-D8CC-4C93-8A4E-A58F17A43B37}" type="datetimeFigureOut">
               <a:rPr lang="fr-FR" smtClean="0"/>
-              <a:t>17/12/2021</a:t>
+              <a:t>20/12/2021</a:t>
             </a:fld>
             <a:endParaRPr lang="fr-FR"/>
           </a:p>
@@ -3545,7 +3546,7 @@
           <a:p>
             <a:fld id="{C79C3F50-D8CC-4C93-8A4E-A58F17A43B37}" type="datetimeFigureOut">
               <a:rPr lang="fr-FR" smtClean="0"/>
-              <a:t>17/12/2021</a:t>
+              <a:t>20/12/2021</a:t>
             </a:fld>
             <a:endParaRPr lang="fr-FR"/>
           </a:p>
@@ -4002,7 +4003,7 @@
           <a:p>
             <a:fld id="{C79C3F50-D8CC-4C93-8A4E-A58F17A43B37}" type="datetimeFigureOut">
               <a:rPr lang="fr-FR" smtClean="0"/>
-              <a:t>17/12/2021</a:t>
+              <a:t>20/12/2021</a:t>
             </a:fld>
             <a:endParaRPr lang="fr-FR"/>
           </a:p>
@@ -4207,7 +4208,7 @@
           <a:p>
             <a:fld id="{C79C3F50-D8CC-4C93-8A4E-A58F17A43B37}" type="datetimeFigureOut">
               <a:rPr lang="fr-FR" smtClean="0"/>
-              <a:t>17/12/2021</a:t>
+              <a:t>20/12/2021</a:t>
             </a:fld>
             <a:endParaRPr lang="fr-FR"/>
           </a:p>
@@ -4384,7 +4385,7 @@
           <a:p>
             <a:fld id="{C79C3F50-D8CC-4C93-8A4E-A58F17A43B37}" type="datetimeFigureOut">
               <a:rPr lang="fr-FR" smtClean="0"/>
-              <a:t>17/12/2021</a:t>
+              <a:t>20/12/2021</a:t>
             </a:fld>
             <a:endParaRPr lang="fr-FR"/>
           </a:p>
@@ -4717,7 +4718,7 @@
           <a:p>
             <a:fld id="{C79C3F50-D8CC-4C93-8A4E-A58F17A43B37}" type="datetimeFigureOut">
               <a:rPr lang="fr-FR" smtClean="0"/>
-              <a:t>17/12/2021</a:t>
+              <a:t>20/12/2021</a:t>
             </a:fld>
             <a:endParaRPr lang="fr-FR"/>
           </a:p>
@@ -5062,7 +5063,7 @@
           <a:p>
             <a:fld id="{C79C3F50-D8CC-4C93-8A4E-A58F17A43B37}" type="datetimeFigureOut">
               <a:rPr lang="fr-FR" smtClean="0"/>
-              <a:t>17/12/2021</a:t>
+              <a:t>20/12/2021</a:t>
             </a:fld>
             <a:endParaRPr lang="fr-FR"/>
           </a:p>
@@ -7179,7 +7180,7 @@
           <a:p>
             <a:fld id="{C79C3F50-D8CC-4C93-8A4E-A58F17A43B37}" type="datetimeFigureOut">
               <a:rPr lang="fr-FR" smtClean="0"/>
-              <a:t>17/12/2021</a:t>
+              <a:t>20/12/2021</a:t>
             </a:fld>
             <a:endParaRPr lang="fr-FR"/>
           </a:p>
@@ -8281,6 +8282,137 @@
     <p:extLst>
       <p:ext uri="{BB962C8B-B14F-4D97-AF65-F5344CB8AC3E}">
         <p14:creationId xmlns:p14="http://schemas.microsoft.com/office/powerpoint/2010/main" val="4276588540"/>
+      </p:ext>
+    </p:extLst>
+  </p:cSld>
+  <p:clrMapOvr>
+    <a:masterClrMapping/>
+  </p:clrMapOvr>
+</p:sld>
+</file>
+
+<file path=ppt/slides/slide12.xml><?xml version="1.0" encoding="utf-8"?>
+<p:sld xmlns:a="http://schemas.openxmlformats.org/drawingml/2006/main" xmlns:r="http://schemas.openxmlformats.org/officeDocument/2006/relationships" xmlns:p="http://schemas.openxmlformats.org/presentationml/2006/main">
+  <p:cSld>
+    <p:spTree>
+      <p:nvGrpSpPr>
+        <p:cNvPr id="1" name=""/>
+        <p:cNvGrpSpPr/>
+        <p:nvPr/>
+      </p:nvGrpSpPr>
+      <p:grpSpPr>
+        <a:xfrm>
+          <a:off x="0" y="0"/>
+          <a:ext cx="0" cy="0"/>
+          <a:chOff x="0" y="0"/>
+          <a:chExt cx="0" cy="0"/>
+        </a:xfrm>
+      </p:grpSpPr>
+      <p:sp>
+        <p:nvSpPr>
+          <p:cNvPr id="2" name="Titre 1">
+            <a:extLst>
+              <a:ext uri="{FF2B5EF4-FFF2-40B4-BE49-F238E27FC236}">
+                <a16:creationId xmlns:a16="http://schemas.microsoft.com/office/drawing/2014/main" id="{88F34AEB-7D39-4E26-A444-8DA108A44F20}"/>
+              </a:ext>
+            </a:extLst>
+          </p:cNvPr>
+          <p:cNvSpPr>
+            <a:spLocks noGrp="1"/>
+          </p:cNvSpPr>
+          <p:nvPr>
+            <p:ph type="title"/>
+          </p:nvPr>
+        </p:nvSpPr>
+        <p:spPr/>
+        <p:txBody>
+          <a:bodyPr/>
+          <a:lstStyle/>
+          <a:p>
+            <a:r>
+              <a:rPr lang="fr-FR" dirty="0"/>
+              <a:t>Création d’un bilan noté par élève</a:t>
+            </a:r>
+          </a:p>
+        </p:txBody>
+      </p:sp>
+      <p:sp>
+        <p:nvSpPr>
+          <p:cNvPr id="3" name="Espace réservé du contenu 2">
+            <a:extLst>
+              <a:ext uri="{FF2B5EF4-FFF2-40B4-BE49-F238E27FC236}">
+                <a16:creationId xmlns:a16="http://schemas.microsoft.com/office/drawing/2014/main" id="{4D3BA7AA-D81B-4BAE-A1B8-293646B00A69}"/>
+              </a:ext>
+            </a:extLst>
+          </p:cNvPr>
+          <p:cNvSpPr>
+            <a:spLocks noGrp="1"/>
+          </p:cNvSpPr>
+          <p:nvPr>
+            <p:ph idx="1"/>
+          </p:nvPr>
+        </p:nvSpPr>
+        <p:spPr/>
+        <p:txBody>
+          <a:bodyPr/>
+          <a:lstStyle/>
+          <a:p>
+            <a:r>
+              <a:rPr lang="fr-FR" dirty="0"/>
+              <a:t>Calcul de la note brute</a:t>
+            </a:r>
+          </a:p>
+          <a:p>
+            <a:r>
+              <a:rPr lang="fr-FR" dirty="0"/>
+              <a:t>Calcul de la note des questions traitées</a:t>
+            </a:r>
+          </a:p>
+          <a:p>
+            <a:endParaRPr lang="fr-FR" dirty="0"/>
+          </a:p>
+          <a:p>
+            <a:r>
+              <a:rPr lang="fr-FR" dirty="0"/>
+              <a:t>Ajout du commentaire général</a:t>
+            </a:r>
+          </a:p>
+          <a:p>
+            <a:r>
+              <a:rPr lang="fr-FR" dirty="0"/>
+              <a:t>Ajout du commentaire particulier</a:t>
+            </a:r>
+          </a:p>
+          <a:p>
+            <a:endParaRPr lang="fr-FR" dirty="0"/>
+          </a:p>
+          <a:p>
+            <a:r>
+              <a:rPr lang="fr-FR" dirty="0"/>
+              <a:t>Création du graphe</a:t>
+            </a:r>
+          </a:p>
+          <a:p>
+            <a:r>
+              <a:rPr lang="fr-FR" dirty="0"/>
+              <a:t>  </a:t>
+            </a:r>
+          </a:p>
+          <a:p>
+            <a:r>
+              <a:rPr lang="fr-FR" dirty="0"/>
+              <a:t>Création du tableau avec les notes</a:t>
+            </a:r>
+          </a:p>
+          <a:p>
+            <a:endParaRPr lang="fr-FR" dirty="0"/>
+          </a:p>
+        </p:txBody>
+      </p:sp>
+    </p:spTree>
+    <p:extLst>
+      <p:ext uri="{BB962C8B-B14F-4D97-AF65-F5344CB8AC3E}">
+        <p14:creationId xmlns:p14="http://schemas.microsoft.com/office/powerpoint/2010/main" val="3078299937"/>
       </p:ext>
     </p:extLst>
   </p:cSld>

--- a/EvaluationParCompetences.pptx
+++ b/EvaluationParCompetences.pptx
@@ -2,7 +2,7 @@
 <file path=ppt/presentation.xml><?xml version="1.0" encoding="utf-8"?>
 <p:presentation xmlns:a="http://schemas.openxmlformats.org/drawingml/2006/main" xmlns:r="http://schemas.openxmlformats.org/officeDocument/2006/relationships" xmlns:p="http://schemas.openxmlformats.org/presentationml/2006/main" saveSubsetFonts="1">
   <p:sldMasterIdLst>
-    <p:sldMasterId id="2147483737" r:id="rId1"/>
+    <p:sldMasterId id="2147483778" r:id="rId1"/>
   </p:sldMasterIdLst>
   <p:sldIdLst>
     <p:sldId id="256" r:id="rId2"/>
@@ -144,14 +144,6 @@
 <file path=ppt/slideLayouts/slideLayout1.xml><?xml version="1.0" encoding="utf-8"?>
 <p:sldLayout xmlns:a="http://schemas.openxmlformats.org/drawingml/2006/main" xmlns:r="http://schemas.openxmlformats.org/officeDocument/2006/relationships" xmlns:p="http://schemas.openxmlformats.org/presentationml/2006/main" showMasterSp="0" type="title" preserve="1">
   <p:cSld name="Diapositive de titre">
-    <p:bg>
-      <p:bgPr>
-        <a:solidFill>
-          <a:schemeClr val="bg2"/>
-        </a:solidFill>
-        <a:effectLst/>
-      </p:bgPr>
-    </p:bg>
     <p:spTree>
       <p:nvGrpSpPr>
         <p:cNvPr id="1" name=""/>
@@ -168,29 +160,111 @@
       </p:grpSpPr>
       <p:sp>
         <p:nvSpPr>
-          <p:cNvPr id="2" name="Title 1"/>
-          <p:cNvSpPr>
-            <a:spLocks noGrp="1"/>
-          </p:cNvSpPr>
-          <p:nvPr>
-            <p:ph type="ctrTitle"/>
-          </p:nvPr>
+          <p:cNvPr id="7" name="Rectangle 6"/>
+          <p:cNvSpPr/>
+          <p:nvPr/>
         </p:nvSpPr>
         <p:spPr>
           <a:xfrm>
-            <a:off x="1915128" y="1788454"/>
-            <a:ext cx="8361229" cy="2098226"/>
+            <a:off x="3175" y="6400800"/>
+            <a:ext cx="12188825" cy="457200"/>
+          </a:xfrm>
+          <a:prstGeom prst="rect">
+            <a:avLst/>
+          </a:prstGeom>
+          <a:solidFill>
+            <a:schemeClr val="accent2"/>
+          </a:solidFill>
+          <a:ln>
+            <a:noFill/>
+          </a:ln>
+        </p:spPr>
+        <p:style>
+          <a:lnRef idx="2">
+            <a:schemeClr val="accent1">
+              <a:shade val="50000"/>
+            </a:schemeClr>
+          </a:lnRef>
+          <a:fillRef idx="1">
+            <a:schemeClr val="accent1"/>
+          </a:fillRef>
+          <a:effectRef idx="0">
+            <a:schemeClr val="accent1"/>
+          </a:effectRef>
+          <a:fontRef idx="minor">
+            <a:schemeClr val="lt1"/>
+          </a:fontRef>
+        </p:style>
+      </p:sp>
+      <p:sp>
+        <p:nvSpPr>
+          <p:cNvPr id="8" name="Rectangle 7"/>
+          <p:cNvSpPr/>
+          <p:nvPr/>
+        </p:nvSpPr>
+        <p:spPr>
+          <a:xfrm>
+            <a:off x="15" y="6334316"/>
+            <a:ext cx="12188825" cy="64008"/>
+          </a:xfrm>
+          <a:prstGeom prst="rect">
+            <a:avLst/>
+          </a:prstGeom>
+          <a:solidFill>
+            <a:schemeClr val="accent1"/>
+          </a:solidFill>
+          <a:ln>
+            <a:noFill/>
+          </a:ln>
+        </p:spPr>
+        <p:style>
+          <a:lnRef idx="2">
+            <a:schemeClr val="accent1">
+              <a:shade val="50000"/>
+            </a:schemeClr>
+          </a:lnRef>
+          <a:fillRef idx="1">
+            <a:schemeClr val="accent1"/>
+          </a:fillRef>
+          <a:effectRef idx="0">
+            <a:schemeClr val="accent1"/>
+          </a:effectRef>
+          <a:fontRef idx="minor">
+            <a:schemeClr val="lt1"/>
+          </a:fontRef>
+        </p:style>
+      </p:sp>
+      <p:sp>
+        <p:nvSpPr>
+          <p:cNvPr id="2" name="Title 1"/>
+          <p:cNvSpPr>
+            <a:spLocks noGrp="1"/>
+          </p:cNvSpPr>
+          <p:nvPr>
+            <p:ph type="ctrTitle"/>
+          </p:nvPr>
+        </p:nvSpPr>
+        <p:spPr>
+          <a:xfrm>
+            <a:off x="1097280" y="758952"/>
+            <a:ext cx="10058400" cy="3566160"/>
           </a:xfrm>
         </p:spPr>
         <p:txBody>
           <a:bodyPr anchor="b">
-            <a:noAutofit/>
+            <a:normAutofit/>
           </a:bodyPr>
           <a:lstStyle>
-            <a:lvl1pPr algn="ctr">
-              <a:defRPr sz="7200" cap="all" baseline="0">
+            <a:lvl1pPr algn="l">
+              <a:lnSpc>
+                <a:spcPct val="85000"/>
+              </a:lnSpc>
+              <a:defRPr sz="8000" spc="-50" baseline="0">
                 <a:solidFill>
-                  <a:schemeClr val="tx2"/>
+                  <a:schemeClr val="tx1">
+                    <a:lumMod val="85000"/>
+                    <a:lumOff val="15000"/>
+                  </a:schemeClr>
                 </a:solidFill>
               </a:defRPr>
             </a:lvl1pPr>
@@ -216,59 +290,55 @@
         </p:nvSpPr>
         <p:spPr>
           <a:xfrm>
-            <a:off x="2679906" y="3956279"/>
-            <a:ext cx="6831673" cy="1086237"/>
+            <a:off x="1100051" y="4455620"/>
+            <a:ext cx="10058400" cy="1143000"/>
           </a:xfrm>
         </p:spPr>
         <p:txBody>
-          <a:bodyPr>
+          <a:bodyPr lIns="91440" rIns="91440">
             <a:normAutofit/>
           </a:bodyPr>
           <a:lstStyle>
-            <a:lvl1pPr marL="0" indent="0" algn="ctr">
-              <a:lnSpc>
-                <a:spcPct val="112000"/>
-              </a:lnSpc>
-              <a:spcBef>
-                <a:spcPts val="0"/>
-              </a:spcBef>
-              <a:spcAft>
-                <a:spcPts val="0"/>
-              </a:spcAft>
+            <a:lvl1pPr marL="0" indent="0" algn="l">
               <a:buNone/>
-              <a:defRPr sz="2300"/>
+              <a:defRPr sz="2400" cap="all" spc="200" baseline="0">
+                <a:solidFill>
+                  <a:schemeClr val="tx2"/>
+                </a:solidFill>
+                <a:latin typeface="+mj-lt"/>
+              </a:defRPr>
             </a:lvl1pPr>
             <a:lvl2pPr marL="457200" indent="0" algn="ctr">
               <a:buNone/>
-              <a:defRPr sz="2000"/>
+              <a:defRPr sz="2400"/>
             </a:lvl2pPr>
             <a:lvl3pPr marL="914400" indent="0" algn="ctr">
               <a:buNone/>
-              <a:defRPr sz="1800"/>
+              <a:defRPr sz="2400"/>
             </a:lvl3pPr>
             <a:lvl4pPr marL="1371600" indent="0" algn="ctr">
               <a:buNone/>
-              <a:defRPr sz="1600"/>
+              <a:defRPr sz="2000"/>
             </a:lvl4pPr>
             <a:lvl5pPr marL="1828800" indent="0" algn="ctr">
               <a:buNone/>
-              <a:defRPr sz="1600"/>
+              <a:defRPr sz="2000"/>
             </a:lvl5pPr>
             <a:lvl6pPr marL="2286000" indent="0" algn="ctr">
               <a:buNone/>
-              <a:defRPr sz="1600"/>
+              <a:defRPr sz="2000"/>
             </a:lvl6pPr>
             <a:lvl7pPr marL="2743200" indent="0" algn="ctr">
               <a:buNone/>
-              <a:defRPr sz="1600"/>
+              <a:defRPr sz="2000"/>
             </a:lvl7pPr>
             <a:lvl8pPr marL="3200400" indent="0" algn="ctr">
               <a:buNone/>
-              <a:defRPr sz="1600"/>
+              <a:defRPr sz="2000"/>
             </a:lvl8pPr>
             <a:lvl9pPr marL="3657600" indent="0" algn="ctr">
               <a:buNone/>
-              <a:defRPr sz="1600"/>
+              <a:defRPr sz="2000"/>
             </a:lvl9pPr>
           </a:lstStyle>
           <a:p>
@@ -290,27 +360,14 @@
             <p:ph type="dt" sz="half" idx="10"/>
           </p:nvPr>
         </p:nvSpPr>
-        <p:spPr>
-          <a:xfrm>
-            <a:off x="752858" y="6453386"/>
-            <a:ext cx="1607944" cy="404614"/>
-          </a:xfrm>
-        </p:spPr>
+        <p:spPr/>
         <p:txBody>
           <a:bodyPr/>
-          <a:lstStyle>
-            <a:lvl1pPr>
-              <a:defRPr baseline="0">
-                <a:solidFill>
-                  <a:schemeClr val="tx2"/>
-                </a:solidFill>
-              </a:defRPr>
-            </a:lvl1pPr>
-          </a:lstStyle>
+          <a:lstStyle/>
           <a:p>
             <a:fld id="{C79C3F50-D8CC-4C93-8A4E-A58F17A43B37}" type="datetimeFigureOut">
               <a:rPr lang="fr-FR" smtClean="0"/>
-              <a:t>29/02/2024</a:t>
+              <a:t>07/07/2024</a:t>
             </a:fld>
             <a:endParaRPr lang="fr-FR"/>
           </a:p>
@@ -326,23 +383,10 @@
             <p:ph type="ftr" sz="quarter" idx="11"/>
           </p:nvPr>
         </p:nvSpPr>
-        <p:spPr>
-          <a:xfrm>
-            <a:off x="2584054" y="6453386"/>
-            <a:ext cx="7023377" cy="404614"/>
-          </a:xfrm>
-        </p:spPr>
+        <p:spPr/>
         <p:txBody>
           <a:bodyPr/>
-          <a:lstStyle>
-            <a:lvl1pPr algn="ctr">
-              <a:defRPr baseline="0">
-                <a:solidFill>
-                  <a:schemeClr val="tx2"/>
-                </a:solidFill>
-              </a:defRPr>
-            </a:lvl1pPr>
-          </a:lstStyle>
+          <a:lstStyle/>
           <a:p>
             <a:endParaRPr lang="fr-FR"/>
           </a:p>
@@ -358,23 +402,10 @@
             <p:ph type="sldNum" sz="quarter" idx="12"/>
           </p:nvPr>
         </p:nvSpPr>
-        <p:spPr>
-          <a:xfrm>
-            <a:off x="9830683" y="6453386"/>
-            <a:ext cx="1596292" cy="404614"/>
-          </a:xfrm>
-        </p:spPr>
+        <p:spPr/>
         <p:txBody>
           <a:bodyPr/>
-          <a:lstStyle>
-            <a:lvl1pPr>
-              <a:defRPr baseline="0">
-                <a:solidFill>
-                  <a:schemeClr val="tx2"/>
-                </a:solidFill>
-              </a:defRPr>
-            </a:lvl1pPr>
-          </a:lstStyle>
+          <a:lstStyle/>
           <a:p>
             <a:fld id="{B3B9815D-287A-47E2-8606-DA09B9AA337D}" type="slidenum">
               <a:rPr lang="fr-FR" smtClean="0"/>
@@ -384,144 +415,53 @@
           </a:p>
         </p:txBody>
       </p:sp>
-      <p:grpSp>
-        <p:nvGrpSpPr>
-          <p:cNvPr id="7" name="Group 6"/>
-          <p:cNvGrpSpPr/>
+      <p:cxnSp>
+        <p:nvCxnSpPr>
+          <p:cNvPr id="9" name="Straight Connector 8"/>
+          <p:cNvCxnSpPr/>
           <p:nvPr/>
-        </p:nvGrpSpPr>
-        <p:grpSpPr>
+        </p:nvCxnSpPr>
+        <p:spPr>
           <a:xfrm>
-            <a:off x="752858" y="744469"/>
-            <a:ext cx="10674117" cy="5349671"/>
-            <a:chOff x="752858" y="744469"/>
-            <a:chExt cx="10674117" cy="5349671"/>
+            <a:off x="1207658" y="4343400"/>
+            <a:ext cx="9875520" cy="0"/>
           </a:xfrm>
-        </p:grpSpPr>
-        <p:sp>
-          <p:nvSpPr>
-            <p:cNvPr id="11" name="Freeform 6"/>
-            <p:cNvSpPr/>
-            <p:nvPr/>
-          </p:nvSpPr>
-          <p:spPr bwMode="auto">
-            <a:xfrm>
-              <a:off x="8151962" y="1685652"/>
-              <a:ext cx="3275013" cy="4408488"/>
-            </a:xfrm>
-            <a:custGeom>
-              <a:avLst/>
-              <a:gdLst/>
-              <a:ahLst/>
-              <a:cxnLst/>
-              <a:rect l="l" t="t" r="r" b="b"/>
-              <a:pathLst>
-                <a:path w="10000" h="10000">
-                  <a:moveTo>
-                    <a:pt x="8761" y="0"/>
-                  </a:moveTo>
-                  <a:lnTo>
-                    <a:pt x="10000" y="0"/>
-                  </a:lnTo>
-                  <a:lnTo>
-                    <a:pt x="10000" y="10000"/>
-                  </a:lnTo>
-                  <a:lnTo>
-                    <a:pt x="0" y="10000"/>
-                  </a:lnTo>
-                  <a:lnTo>
-                    <a:pt x="0" y="9126"/>
-                  </a:lnTo>
-                  <a:lnTo>
-                    <a:pt x="8761" y="9127"/>
-                  </a:lnTo>
-                  <a:lnTo>
-                    <a:pt x="8761" y="0"/>
-                  </a:lnTo>
-                  <a:close/>
-                </a:path>
-              </a:pathLst>
-            </a:custGeom>
+          <a:prstGeom prst="line">
+            <a:avLst/>
+          </a:prstGeom>
+          <a:ln w="6350">
             <a:solidFill>
-              <a:schemeClr val="tx2"/>
+              <a:schemeClr val="tx1">
+                <a:lumMod val="50000"/>
+                <a:lumOff val="50000"/>
+              </a:schemeClr>
             </a:solidFill>
-            <a:ln w="0">
-              <a:noFill/>
-              <a:prstDash val="solid"/>
-              <a:round/>
-              <a:headEnd/>
-              <a:tailEnd/>
-            </a:ln>
-          </p:spPr>
-        </p:sp>
-        <p:sp>
-          <p:nvSpPr>
-            <p:cNvPr id="14" name="Freeform 6"/>
-            <p:cNvSpPr/>
-            <p:nvPr/>
-          </p:nvSpPr>
-          <p:spPr bwMode="auto">
-            <a:xfrm flipH="1" flipV="1">
-              <a:off x="752858" y="744469"/>
-              <a:ext cx="3275668" cy="4408488"/>
-            </a:xfrm>
-            <a:custGeom>
-              <a:avLst/>
-              <a:gdLst/>
-              <a:ahLst/>
-              <a:cxnLst/>
-              <a:rect l="l" t="t" r="r" b="b"/>
-              <a:pathLst>
-                <a:path w="10002" h="10000">
-                  <a:moveTo>
-                    <a:pt x="8763" y="0"/>
-                  </a:moveTo>
-                  <a:lnTo>
-                    <a:pt x="10002" y="0"/>
-                  </a:lnTo>
-                  <a:lnTo>
-                    <a:pt x="10002" y="10000"/>
-                  </a:lnTo>
-                  <a:lnTo>
-                    <a:pt x="2" y="10000"/>
-                  </a:lnTo>
-                  <a:cubicBezTo>
-                    <a:pt x="-2" y="9698"/>
-                    <a:pt x="4" y="9427"/>
-                    <a:pt x="0" y="9125"/>
-                  </a:cubicBezTo>
-                  <a:lnTo>
-                    <a:pt x="8763" y="9128"/>
-                  </a:lnTo>
-                  <a:lnTo>
-                    <a:pt x="8763" y="0"/>
-                  </a:lnTo>
-                  <a:close/>
-                </a:path>
-              </a:pathLst>
-            </a:custGeom>
-            <a:solidFill>
-              <a:schemeClr val="tx2"/>
-            </a:solidFill>
-            <a:ln w="0">
-              <a:noFill/>
-              <a:prstDash val="solid"/>
-              <a:round/>
-              <a:headEnd/>
-              <a:tailEnd/>
-            </a:ln>
-          </p:spPr>
-        </p:sp>
-      </p:grpSp>
+          </a:ln>
+        </p:spPr>
+        <p:style>
+          <a:lnRef idx="1">
+            <a:schemeClr val="accent1"/>
+          </a:lnRef>
+          <a:fillRef idx="0">
+            <a:schemeClr val="accent1"/>
+          </a:fillRef>
+          <a:effectRef idx="0">
+            <a:schemeClr val="accent1"/>
+          </a:effectRef>
+          <a:fontRef idx="minor">
+            <a:schemeClr val="tx1"/>
+          </a:fontRef>
+        </p:style>
+      </p:cxnSp>
     </p:spTree>
     <p:extLst>
       <p:ext uri="{BB962C8B-B14F-4D97-AF65-F5344CB8AC3E}">
-        <p14:creationId xmlns:p14="http://schemas.microsoft.com/office/powerpoint/2010/main" val="2952686807"/>
+        <p14:creationId xmlns:p14="http://schemas.microsoft.com/office/powerpoint/2010/main" val="1160277649"/>
       </p:ext>
     </p:extLst>
   </p:cSld>
   <p:clrMapOvr>
-    <a:overrideClrMapping bg1="lt1" tx1="dk1" bg2="lt2" tx2="dk2" accent1="accent1" accent2="accent2" accent3="accent3" accent4="accent4" accent5="accent5" accent6="accent6" hlink="hlink" folHlink="folHlink"/>
+    <a:masterClrMapping/>
   </p:clrMapOvr>
 </p:sldLayout>
 </file>
@@ -576,14 +516,9 @@
             <p:ph type="body" orient="vert" idx="1"/>
           </p:nvPr>
         </p:nvSpPr>
-        <p:spPr>
-          <a:xfrm>
-            <a:off x="1371600" y="2295525"/>
-            <a:ext cx="9601200" cy="3571875"/>
-          </a:xfrm>
-        </p:spPr>
-        <p:txBody>
-          <a:bodyPr vert="eaVert"/>
+        <p:spPr/>
+        <p:txBody>
+          <a:bodyPr vert="eaVert" lIns="45720" tIns="0" rIns="45720" bIns="0"/>
           <a:lstStyle/>
           <a:p>
             <a:pPr lvl="0"/>
@@ -640,7 +575,7 @@
           <a:p>
             <a:fld id="{C79C3F50-D8CC-4C93-8A4E-A58F17A43B37}" type="datetimeFigureOut">
               <a:rPr lang="fr-FR" smtClean="0"/>
-              <a:t>29/02/2024</a:t>
+              <a:t>07/07/2024</a:t>
             </a:fld>
             <a:endParaRPr lang="fr-FR"/>
           </a:p>
@@ -691,7 +626,7 @@
     </p:spTree>
     <p:extLst>
       <p:ext uri="{BB962C8B-B14F-4D97-AF65-F5344CB8AC3E}">
-        <p14:creationId xmlns:p14="http://schemas.microsoft.com/office/powerpoint/2010/main" val="1731441529"/>
+        <p14:creationId xmlns:p14="http://schemas.microsoft.com/office/powerpoint/2010/main" val="3016936930"/>
       </p:ext>
     </p:extLst>
   </p:cSld>
@@ -702,7 +637,7 @@
 </file>
 
 <file path=ppt/slideLayouts/slideLayout11.xml><?xml version="1.0" encoding="utf-8"?>
-<p:sldLayout xmlns:a="http://schemas.openxmlformats.org/drawingml/2006/main" xmlns:r="http://schemas.openxmlformats.org/officeDocument/2006/relationships" xmlns:p="http://schemas.openxmlformats.org/presentationml/2006/main" type="vertTitleAndTx" preserve="1">
+<p:sldLayout xmlns:a="http://schemas.openxmlformats.org/drawingml/2006/main" xmlns:r="http://schemas.openxmlformats.org/officeDocument/2006/relationships" xmlns:p="http://schemas.openxmlformats.org/presentationml/2006/main" showMasterSp="0" type="vertTitleAndTx" preserve="1">
   <p:cSld name="Titre vertical et texte">
     <p:spTree>
       <p:nvGrpSpPr>
@@ -720,18 +655,94 @@
       </p:grpSpPr>
       <p:sp>
         <p:nvSpPr>
-          <p:cNvPr id="2" name="Vertical Title 1"/>
-          <p:cNvSpPr>
-            <a:spLocks noGrp="1"/>
-          </p:cNvSpPr>
-          <p:nvPr>
-            <p:ph type="title" orient="vert"/>
-          </p:nvPr>
+          <p:cNvPr id="7" name="Rectangle 6"/>
+          <p:cNvSpPr/>
+          <p:nvPr/>
         </p:nvSpPr>
         <p:spPr>
           <a:xfrm>
-            <a:off x="9596561" y="624156"/>
-            <a:ext cx="1565766" cy="5243244"/>
+            <a:off x="3175" y="6400800"/>
+            <a:ext cx="12188825" cy="457200"/>
+          </a:xfrm>
+          <a:prstGeom prst="rect">
+            <a:avLst/>
+          </a:prstGeom>
+          <a:solidFill>
+            <a:schemeClr val="accent2"/>
+          </a:solidFill>
+          <a:ln>
+            <a:noFill/>
+          </a:ln>
+        </p:spPr>
+        <p:style>
+          <a:lnRef idx="2">
+            <a:schemeClr val="accent1">
+              <a:shade val="50000"/>
+            </a:schemeClr>
+          </a:lnRef>
+          <a:fillRef idx="1">
+            <a:schemeClr val="accent1"/>
+          </a:fillRef>
+          <a:effectRef idx="0">
+            <a:schemeClr val="accent1"/>
+          </a:effectRef>
+          <a:fontRef idx="minor">
+            <a:schemeClr val="lt1"/>
+          </a:fontRef>
+        </p:style>
+      </p:sp>
+      <p:sp>
+        <p:nvSpPr>
+          <p:cNvPr id="8" name="Rectangle 7"/>
+          <p:cNvSpPr/>
+          <p:nvPr/>
+        </p:nvSpPr>
+        <p:spPr>
+          <a:xfrm>
+            <a:off x="15" y="6334316"/>
+            <a:ext cx="12188825" cy="64008"/>
+          </a:xfrm>
+          <a:prstGeom prst="rect">
+            <a:avLst/>
+          </a:prstGeom>
+          <a:solidFill>
+            <a:schemeClr val="accent1"/>
+          </a:solidFill>
+          <a:ln>
+            <a:noFill/>
+          </a:ln>
+        </p:spPr>
+        <p:style>
+          <a:lnRef idx="2">
+            <a:schemeClr val="accent1">
+              <a:shade val="50000"/>
+            </a:schemeClr>
+          </a:lnRef>
+          <a:fillRef idx="1">
+            <a:schemeClr val="accent1"/>
+          </a:fillRef>
+          <a:effectRef idx="0">
+            <a:schemeClr val="accent1"/>
+          </a:effectRef>
+          <a:fontRef idx="minor">
+            <a:schemeClr val="lt1"/>
+          </a:fontRef>
+        </p:style>
+      </p:sp>
+      <p:sp>
+        <p:nvSpPr>
+          <p:cNvPr id="2" name="Vertical Title 1"/>
+          <p:cNvSpPr>
+            <a:spLocks noGrp="1"/>
+          </p:cNvSpPr>
+          <p:nvPr>
+            <p:ph type="title" orient="vert"/>
+          </p:nvPr>
+        </p:nvSpPr>
+        <p:spPr>
+          <a:xfrm>
+            <a:off x="8724900" y="414778"/>
+            <a:ext cx="2628900" cy="5757421"/>
           </a:xfrm>
         </p:spPr>
         <p:txBody>
@@ -758,12 +769,12 @@
         </p:nvSpPr>
         <p:spPr>
           <a:xfrm>
-            <a:off x="1371600" y="624156"/>
-            <a:ext cx="8179641" cy="5243244"/>
+            <a:off x="838200" y="414778"/>
+            <a:ext cx="7734300" cy="5757422"/>
           </a:xfrm>
         </p:spPr>
         <p:txBody>
-          <a:bodyPr vert="eaVert"/>
+          <a:bodyPr vert="eaVert" lIns="45720" tIns="0" rIns="45720" bIns="0"/>
           <a:lstStyle/>
           <a:p>
             <a:pPr lvl="0"/>
@@ -820,7 +831,7 @@
           <a:p>
             <a:fld id="{C79C3F50-D8CC-4C93-8A4E-A58F17A43B37}" type="datetimeFigureOut">
               <a:rPr lang="fr-FR" smtClean="0"/>
-              <a:t>29/02/2024</a:t>
+              <a:t>07/07/2024</a:t>
             </a:fld>
             <a:endParaRPr lang="fr-FR"/>
           </a:p>
@@ -871,7 +882,7 @@
     </p:spTree>
     <p:extLst>
       <p:ext uri="{BB962C8B-B14F-4D97-AF65-F5344CB8AC3E}">
-        <p14:creationId xmlns:p14="http://schemas.microsoft.com/office/powerpoint/2010/main" val="3764609336"/>
+        <p14:creationId xmlns:p14="http://schemas.microsoft.com/office/powerpoint/2010/main" val="1778314320"/>
       </p:ext>
     </p:extLst>
   </p:cSld>
@@ -911,7 +922,11 @@
         <p:spPr/>
         <p:txBody>
           <a:bodyPr/>
-          <a:lstStyle/>
+          <a:lstStyle>
+            <a:lvl1pPr marL="0">
+              <a:defRPr/>
+            </a:lvl1pPr>
+          </a:lstStyle>
           <a:p>
             <a:r>
               <a:rPr lang="fr-FR"/>
@@ -990,7 +1005,7 @@
           <a:p>
             <a:fld id="{C79C3F50-D8CC-4C93-8A4E-A58F17A43B37}" type="datetimeFigureOut">
               <a:rPr lang="fr-FR" smtClean="0"/>
-              <a:t>29/02/2024</a:t>
+              <a:t>07/07/2024</a:t>
             </a:fld>
             <a:endParaRPr lang="fr-FR"/>
           </a:p>
@@ -1041,7 +1056,7 @@
     </p:spTree>
     <p:extLst>
       <p:ext uri="{BB962C8B-B14F-4D97-AF65-F5344CB8AC3E}">
-        <p14:creationId xmlns:p14="http://schemas.microsoft.com/office/powerpoint/2010/main" val="3175534936"/>
+        <p14:creationId xmlns:p14="http://schemas.microsoft.com/office/powerpoint/2010/main" val="4211752130"/>
       </p:ext>
     </p:extLst>
   </p:cSld>
@@ -1055,9 +1070,12 @@
 <p:sldLayout xmlns:a="http://schemas.openxmlformats.org/drawingml/2006/main" xmlns:r="http://schemas.openxmlformats.org/officeDocument/2006/relationships" xmlns:p="http://schemas.openxmlformats.org/presentationml/2006/main" showMasterSp="0" type="secHead" preserve="1">
   <p:cSld name="Titre de section">
     <p:bg>
-      <p:bgRef idx="1001">
-        <a:schemeClr val="bg2"/>
-      </p:bgRef>
+      <p:bgPr>
+        <a:solidFill>
+          <a:schemeClr val="bg1"/>
+        </a:solidFill>
+        <a:effectLst/>
+      </p:bgPr>
     </p:bg>
     <p:spTree>
       <p:nvGrpSpPr>
@@ -1075,29 +1093,111 @@
       </p:grpSpPr>
       <p:sp>
         <p:nvSpPr>
-          <p:cNvPr id="2" name="Title 1"/>
-          <p:cNvSpPr>
-            <a:spLocks noGrp="1"/>
-          </p:cNvSpPr>
-          <p:nvPr>
-            <p:ph type="title"/>
-          </p:nvPr>
+          <p:cNvPr id="7" name="Rectangle 6"/>
+          <p:cNvSpPr/>
+          <p:nvPr/>
         </p:nvSpPr>
         <p:spPr>
           <a:xfrm>
-            <a:off x="765025" y="1301360"/>
-            <a:ext cx="9612971" cy="2852737"/>
+            <a:off x="3175" y="6400800"/>
+            <a:ext cx="12188825" cy="457200"/>
+          </a:xfrm>
+          <a:prstGeom prst="rect">
+            <a:avLst/>
+          </a:prstGeom>
+          <a:solidFill>
+            <a:schemeClr val="accent2"/>
+          </a:solidFill>
+          <a:ln>
+            <a:noFill/>
+          </a:ln>
+        </p:spPr>
+        <p:style>
+          <a:lnRef idx="2">
+            <a:schemeClr val="accent1">
+              <a:shade val="50000"/>
+            </a:schemeClr>
+          </a:lnRef>
+          <a:fillRef idx="1">
+            <a:schemeClr val="accent1"/>
+          </a:fillRef>
+          <a:effectRef idx="0">
+            <a:schemeClr val="accent1"/>
+          </a:effectRef>
+          <a:fontRef idx="minor">
+            <a:schemeClr val="lt1"/>
+          </a:fontRef>
+        </p:style>
+      </p:sp>
+      <p:sp>
+        <p:nvSpPr>
+          <p:cNvPr id="8" name="Rectangle 7"/>
+          <p:cNvSpPr/>
+          <p:nvPr/>
+        </p:nvSpPr>
+        <p:spPr>
+          <a:xfrm>
+            <a:off x="15" y="6334316"/>
+            <a:ext cx="12188825" cy="64008"/>
+          </a:xfrm>
+          <a:prstGeom prst="rect">
+            <a:avLst/>
+          </a:prstGeom>
+          <a:solidFill>
+            <a:schemeClr val="accent1"/>
+          </a:solidFill>
+          <a:ln>
+            <a:noFill/>
+          </a:ln>
+        </p:spPr>
+        <p:style>
+          <a:lnRef idx="2">
+            <a:schemeClr val="accent1">
+              <a:shade val="50000"/>
+            </a:schemeClr>
+          </a:lnRef>
+          <a:fillRef idx="1">
+            <a:schemeClr val="accent1"/>
+          </a:fillRef>
+          <a:effectRef idx="0">
+            <a:schemeClr val="accent1"/>
+          </a:effectRef>
+          <a:fontRef idx="minor">
+            <a:schemeClr val="lt1"/>
+          </a:fontRef>
+        </p:style>
+      </p:sp>
+      <p:sp>
+        <p:nvSpPr>
+          <p:cNvPr id="2" name="Title 1"/>
+          <p:cNvSpPr>
+            <a:spLocks noGrp="1"/>
+          </p:cNvSpPr>
+          <p:nvPr>
+            <p:ph type="title"/>
+          </p:nvPr>
+        </p:nvSpPr>
+        <p:spPr>
+          <a:xfrm>
+            <a:off x="1097280" y="758952"/>
+            <a:ext cx="10058400" cy="3566160"/>
           </a:xfrm>
         </p:spPr>
         <p:txBody>
-          <a:bodyPr anchor="b">
+          <a:bodyPr anchor="b" anchorCtr="0">
             <a:normAutofit/>
           </a:bodyPr>
           <a:lstStyle>
-            <a:lvl1pPr algn="r">
-              <a:defRPr sz="7200" cap="all" baseline="0">
+            <a:lvl1pPr>
+              <a:lnSpc>
+                <a:spcPct val="85000"/>
+              </a:lnSpc>
+              <a:defRPr sz="8000" b="0">
                 <a:solidFill>
-                  <a:schemeClr val="tx2"/>
+                  <a:schemeClr val="tx1">
+                    <a:lumMod val="85000"/>
+                    <a:lumOff val="15000"/>
+                  </a:schemeClr>
                 </a:solidFill>
               </a:defRPr>
             </a:lvl1pPr>
@@ -1123,33 +1223,27 @@
         </p:nvSpPr>
         <p:spPr>
           <a:xfrm>
-            <a:off x="765025" y="4216328"/>
-            <a:ext cx="9612971" cy="1143324"/>
+            <a:off x="1097280" y="4453128"/>
+            <a:ext cx="10058400" cy="1143000"/>
           </a:xfrm>
         </p:spPr>
         <p:txBody>
-          <a:bodyPr/>
+          <a:bodyPr lIns="91440" rIns="91440" anchor="t" anchorCtr="0">
+            <a:normAutofit/>
+          </a:bodyPr>
           <a:lstStyle>
-            <a:lvl1pPr marL="0" indent="0" algn="r">
-              <a:lnSpc>
-                <a:spcPct val="112000"/>
-              </a:lnSpc>
-              <a:spcBef>
-                <a:spcPts val="0"/>
-              </a:spcBef>
-              <a:spcAft>
-                <a:spcPts val="0"/>
-              </a:spcAft>
+            <a:lvl1pPr marL="0" indent="0">
               <a:buNone/>
-              <a:defRPr sz="2400">
+              <a:defRPr sz="2400" cap="all" spc="200" baseline="0">
                 <a:solidFill>
                   <a:schemeClr val="tx2"/>
                 </a:solidFill>
+                <a:latin typeface="+mj-lt"/>
               </a:defRPr>
             </a:lvl1pPr>
             <a:lvl2pPr marL="457200" indent="0">
               <a:buNone/>
-              <a:defRPr sz="2000">
+              <a:defRPr sz="1800">
                 <a:solidFill>
                   <a:schemeClr val="tx1">
                     <a:tint val="75000"/>
@@ -1159,7 +1253,7 @@
             </a:lvl2pPr>
             <a:lvl3pPr marL="914400" indent="0">
               <a:buNone/>
-              <a:defRPr sz="1800">
+              <a:defRPr sz="1600">
                 <a:solidFill>
                   <a:schemeClr val="tx1">
                     <a:tint val="75000"/>
@@ -1169,7 +1263,7 @@
             </a:lvl3pPr>
             <a:lvl4pPr marL="1371600" indent="0">
               <a:buNone/>
-              <a:defRPr sz="1600">
+              <a:defRPr sz="1400">
                 <a:solidFill>
                   <a:schemeClr val="tx1">
                     <a:tint val="75000"/>
@@ -1179,7 +1273,7 @@
             </a:lvl4pPr>
             <a:lvl5pPr marL="1828800" indent="0">
               <a:buNone/>
-              <a:defRPr sz="1600">
+              <a:defRPr sz="1400">
                 <a:solidFill>
                   <a:schemeClr val="tx1">
                     <a:tint val="75000"/>
@@ -1189,7 +1283,7 @@
             </a:lvl5pPr>
             <a:lvl6pPr marL="2286000" indent="0">
               <a:buNone/>
-              <a:defRPr sz="1600">
+              <a:defRPr sz="1400">
                 <a:solidFill>
                   <a:schemeClr val="tx1">
                     <a:tint val="75000"/>
@@ -1199,7 +1293,7 @@
             </a:lvl6pPr>
             <a:lvl7pPr marL="2743200" indent="0">
               <a:buNone/>
-              <a:defRPr sz="1600">
+              <a:defRPr sz="1400">
                 <a:solidFill>
                   <a:schemeClr val="tx1">
                     <a:tint val="75000"/>
@@ -1209,7 +1303,7 @@
             </a:lvl7pPr>
             <a:lvl8pPr marL="3200400" indent="0">
               <a:buNone/>
-              <a:defRPr sz="1600">
+              <a:defRPr sz="1400">
                 <a:solidFill>
                   <a:schemeClr val="tx1">
                     <a:tint val="75000"/>
@@ -1219,7 +1313,7 @@
             </a:lvl8pPr>
             <a:lvl9pPr marL="3657600" indent="0">
               <a:buNone/>
-              <a:defRPr sz="1600">
+              <a:defRPr sz="1400">
                 <a:solidFill>
                   <a:schemeClr val="tx1">
                     <a:tint val="75000"/>
@@ -1247,27 +1341,14 @@
             <p:ph type="dt" sz="half" idx="10"/>
           </p:nvPr>
         </p:nvSpPr>
-        <p:spPr>
-          <a:xfrm>
-            <a:off x="738908" y="6453386"/>
-            <a:ext cx="1622409" cy="404614"/>
-          </a:xfrm>
-        </p:spPr>
+        <p:spPr/>
         <p:txBody>
           <a:bodyPr/>
-          <a:lstStyle>
-            <a:lvl1pPr>
-              <a:defRPr>
-                <a:solidFill>
-                  <a:schemeClr val="tx2"/>
-                </a:solidFill>
-              </a:defRPr>
-            </a:lvl1pPr>
-          </a:lstStyle>
+          <a:lstStyle/>
           <a:p>
             <a:fld id="{C79C3F50-D8CC-4C93-8A4E-A58F17A43B37}" type="datetimeFigureOut">
               <a:rPr lang="fr-FR" smtClean="0"/>
-              <a:t>29/02/2024</a:t>
+              <a:t>07/07/2024</a:t>
             </a:fld>
             <a:endParaRPr lang="fr-FR"/>
           </a:p>
@@ -1283,23 +1364,10 @@
             <p:ph type="ftr" sz="quarter" idx="11"/>
           </p:nvPr>
         </p:nvSpPr>
-        <p:spPr>
-          <a:xfrm>
-            <a:off x="2584312" y="6453386"/>
-            <a:ext cx="7023377" cy="404614"/>
-          </a:xfrm>
-        </p:spPr>
+        <p:spPr/>
         <p:txBody>
           <a:bodyPr/>
-          <a:lstStyle>
-            <a:lvl1pPr algn="ctr">
-              <a:defRPr>
-                <a:solidFill>
-                  <a:schemeClr val="tx2"/>
-                </a:solidFill>
-              </a:defRPr>
-            </a:lvl1pPr>
-          </a:lstStyle>
+          <a:lstStyle/>
           <a:p>
             <a:endParaRPr lang="fr-FR"/>
           </a:p>
@@ -1315,23 +1383,10 @@
             <p:ph type="sldNum" sz="quarter" idx="12"/>
           </p:nvPr>
         </p:nvSpPr>
-        <p:spPr>
-          <a:xfrm>
-            <a:off x="9830683" y="6453386"/>
-            <a:ext cx="1596292" cy="404614"/>
-          </a:xfrm>
-        </p:spPr>
+        <p:spPr/>
         <p:txBody>
           <a:bodyPr/>
-          <a:lstStyle>
-            <a:lvl1pPr>
-              <a:defRPr>
-                <a:solidFill>
-                  <a:schemeClr val="tx2"/>
-                </a:solidFill>
-              </a:defRPr>
-            </a:lvl1pPr>
-          </a:lstStyle>
+          <a:lstStyle/>
           <a:p>
             <a:fld id="{B3B9815D-287A-47E2-8606-DA09B9AA337D}" type="slidenum">
               <a:rPr lang="fr-FR" smtClean="0"/>
@@ -1341,71 +1396,53 @@
           </a:p>
         </p:txBody>
       </p:sp>
-      <p:sp>
-        <p:nvSpPr>
-          <p:cNvPr id="7" name="Freeform 6" title="Crop Mark"/>
-          <p:cNvSpPr/>
+      <p:cxnSp>
+        <p:nvCxnSpPr>
+          <p:cNvPr id="9" name="Straight Connector 8"/>
+          <p:cNvCxnSpPr/>
           <p:nvPr/>
-        </p:nvSpPr>
-        <p:spPr bwMode="auto">
+        </p:nvCxnSpPr>
+        <p:spPr>
           <a:xfrm>
-            <a:off x="8151962" y="1685652"/>
-            <a:ext cx="3275013" cy="4408488"/>
+            <a:off x="1207658" y="4343400"/>
+            <a:ext cx="9875520" cy="0"/>
           </a:xfrm>
-          <a:custGeom>
+          <a:prstGeom prst="line">
             <a:avLst/>
-            <a:gdLst/>
-            <a:ahLst/>
-            <a:cxnLst/>
-            <a:rect l="0" t="0" r="r" b="b"/>
-            <a:pathLst>
-              <a:path w="4125" h="5554">
-                <a:moveTo>
-                  <a:pt x="3614" y="0"/>
-                </a:moveTo>
-                <a:lnTo>
-                  <a:pt x="4125" y="0"/>
-                </a:lnTo>
-                <a:lnTo>
-                  <a:pt x="4125" y="5554"/>
-                </a:lnTo>
-                <a:lnTo>
-                  <a:pt x="0" y="5554"/>
-                </a:lnTo>
-                <a:lnTo>
-                  <a:pt x="0" y="5074"/>
-                </a:lnTo>
-                <a:lnTo>
-                  <a:pt x="3614" y="5074"/>
-                </a:lnTo>
-                <a:lnTo>
-                  <a:pt x="3614" y="0"/>
-                </a:lnTo>
-                <a:close/>
-              </a:path>
-            </a:pathLst>
-          </a:custGeom>
-          <a:solidFill>
-            <a:schemeClr val="tx2"/>
-          </a:solidFill>
-          <a:ln w="0">
-            <a:noFill/>
-            <a:prstDash val="solid"/>
-            <a:round/>
-            <a:headEnd/>
-            <a:tailEnd/>
+          </a:prstGeom>
+          <a:ln w="6350">
+            <a:solidFill>
+              <a:schemeClr val="tx1">
+                <a:lumMod val="50000"/>
+                <a:lumOff val="50000"/>
+              </a:schemeClr>
+            </a:solidFill>
           </a:ln>
         </p:spPr>
-      </p:sp>
+        <p:style>
+          <a:lnRef idx="1">
+            <a:schemeClr val="accent1"/>
+          </a:lnRef>
+          <a:fillRef idx="0">
+            <a:schemeClr val="accent1"/>
+          </a:fillRef>
+          <a:effectRef idx="0">
+            <a:schemeClr val="accent1"/>
+          </a:effectRef>
+          <a:fontRef idx="minor">
+            <a:schemeClr val="tx1"/>
+          </a:fontRef>
+        </p:style>
+      </p:cxnSp>
     </p:spTree>
     <p:extLst>
       <p:ext uri="{BB962C8B-B14F-4D97-AF65-F5344CB8AC3E}">
-        <p14:creationId xmlns:p14="http://schemas.microsoft.com/office/powerpoint/2010/main" val="3757642545"/>
+        <p14:creationId xmlns:p14="http://schemas.microsoft.com/office/powerpoint/2010/main" val="2505338424"/>
       </p:ext>
     </p:extLst>
   </p:cSld>
   <p:clrMapOvr>
-    <a:overrideClrMapping bg1="dk1" tx1="lt1" bg2="dk2" tx2="lt2" accent1="accent1" accent2="accent2" accent3="accent3" accent4="accent4" accent5="accent5" accent6="accent6" hlink="hlink" folHlink="folHlink"/>
+    <a:masterClrMapping/>
   </p:clrMapOvr>
 </p:sldLayout>
 </file>
@@ -1429,7 +1466,7 @@
       </p:grpSpPr>
       <p:sp>
         <p:nvSpPr>
-          <p:cNvPr id="2" name="Title 1"/>
+          <p:cNvPr id="8" name="Title 7"/>
           <p:cNvSpPr>
             <a:spLocks noGrp="1"/>
           </p:cNvSpPr>
@@ -1437,18 +1474,15 @@
             <p:ph type="title"/>
           </p:nvPr>
         </p:nvSpPr>
-        <p:spPr/>
+        <p:spPr>
+          <a:xfrm>
+            <a:off x="1097280" y="286603"/>
+            <a:ext cx="10058400" cy="1450757"/>
+          </a:xfrm>
+        </p:spPr>
         <p:txBody>
           <a:bodyPr/>
-          <a:lstStyle>
-            <a:lvl1pPr>
-              <a:defRPr>
-                <a:solidFill>
-                  <a:schemeClr val="tx2"/>
-                </a:solidFill>
-              </a:defRPr>
-            </a:lvl1pPr>
-          </a:lstStyle>
+          <a:lstStyle/>
           <a:p>
             <a:r>
               <a:rPr lang="fr-FR"/>
@@ -1470,49 +1504,13 @@
         </p:nvSpPr>
         <p:spPr>
           <a:xfrm>
-            <a:off x="1371600" y="2285999"/>
-            <a:ext cx="4447786" cy="3581401"/>
+            <a:off x="1097279" y="1845734"/>
+            <a:ext cx="4937760" cy="4023360"/>
           </a:xfrm>
         </p:spPr>
         <p:txBody>
           <a:bodyPr/>
-          <a:lstStyle>
-            <a:lvl1pPr>
-              <a:defRPr baseline="0">
-                <a:solidFill>
-                  <a:schemeClr val="tx2"/>
-                </a:solidFill>
-              </a:defRPr>
-            </a:lvl1pPr>
-            <a:lvl2pPr>
-              <a:defRPr baseline="0">
-                <a:solidFill>
-                  <a:schemeClr val="tx2"/>
-                </a:solidFill>
-              </a:defRPr>
-            </a:lvl2pPr>
-            <a:lvl3pPr>
-              <a:defRPr baseline="0">
-                <a:solidFill>
-                  <a:schemeClr val="tx2"/>
-                </a:solidFill>
-              </a:defRPr>
-            </a:lvl3pPr>
-            <a:lvl4pPr>
-              <a:defRPr baseline="0">
-                <a:solidFill>
-                  <a:schemeClr val="tx2"/>
-                </a:solidFill>
-              </a:defRPr>
-            </a:lvl4pPr>
-            <a:lvl5pPr>
-              <a:defRPr baseline="0">
-                <a:solidFill>
-                  <a:schemeClr val="tx2"/>
-                </a:solidFill>
-              </a:defRPr>
-            </a:lvl5pPr>
-          </a:lstStyle>
+          <a:lstStyle/>
           <a:p>
             <a:pPr lvl="0"/>
             <a:r>
@@ -1563,49 +1561,13 @@
         </p:nvSpPr>
         <p:spPr>
           <a:xfrm>
-            <a:off x="6525403" y="2285999"/>
-            <a:ext cx="4447786" cy="3581401"/>
+            <a:off x="6217920" y="1845735"/>
+            <a:ext cx="4937760" cy="4023360"/>
           </a:xfrm>
         </p:spPr>
         <p:txBody>
           <a:bodyPr/>
-          <a:lstStyle>
-            <a:lvl1pPr>
-              <a:defRPr>
-                <a:solidFill>
-                  <a:schemeClr val="tx2"/>
-                </a:solidFill>
-              </a:defRPr>
-            </a:lvl1pPr>
-            <a:lvl2pPr>
-              <a:defRPr>
-                <a:solidFill>
-                  <a:schemeClr val="tx2"/>
-                </a:solidFill>
-              </a:defRPr>
-            </a:lvl2pPr>
-            <a:lvl3pPr>
-              <a:defRPr>
-                <a:solidFill>
-                  <a:schemeClr val="tx2"/>
-                </a:solidFill>
-              </a:defRPr>
-            </a:lvl3pPr>
-            <a:lvl4pPr>
-              <a:defRPr>
-                <a:solidFill>
-                  <a:schemeClr val="tx2"/>
-                </a:solidFill>
-              </a:defRPr>
-            </a:lvl4pPr>
-            <a:lvl5pPr>
-              <a:defRPr>
-                <a:solidFill>
-                  <a:schemeClr val="tx2"/>
-                </a:solidFill>
-              </a:defRPr>
-            </a:lvl5pPr>
-          </a:lstStyle>
+          <a:lstStyle/>
           <a:p>
             <a:pPr lvl="0"/>
             <a:r>
@@ -1661,7 +1623,7 @@
           <a:p>
             <a:fld id="{C79C3F50-D8CC-4C93-8A4E-A58F17A43B37}" type="datetimeFigureOut">
               <a:rPr lang="fr-FR" smtClean="0"/>
-              <a:t>29/02/2024</a:t>
+              <a:t>07/07/2024</a:t>
             </a:fld>
             <a:endParaRPr lang="fr-FR"/>
           </a:p>
@@ -1712,7 +1674,7 @@
     </p:spTree>
     <p:extLst>
       <p:ext uri="{BB962C8B-B14F-4D97-AF65-F5344CB8AC3E}">
-        <p14:creationId xmlns:p14="http://schemas.microsoft.com/office/powerpoint/2010/main" val="2100327842"/>
+        <p14:creationId xmlns:p14="http://schemas.microsoft.com/office/powerpoint/2010/main" val="549860715"/>
       </p:ext>
     </p:extLst>
   </p:cSld>
@@ -1746,7 +1708,7 @@
       </p:grpSpPr>
       <p:sp>
         <p:nvSpPr>
-          <p:cNvPr id="2" name="Title 1"/>
+          <p:cNvPr id="10" name="Title 9"/>
           <p:cNvSpPr>
             <a:spLocks noGrp="1"/>
           </p:cNvSpPr>
@@ -1756,21 +1718,13 @@
         </p:nvSpPr>
         <p:spPr>
           <a:xfrm>
-            <a:off x="1371600" y="685800"/>
-            <a:ext cx="9601200" cy="1485900"/>
+            <a:off x="1097280" y="286603"/>
+            <a:ext cx="10058400" cy="1450757"/>
           </a:xfrm>
         </p:spPr>
         <p:txBody>
           <a:bodyPr/>
-          <a:lstStyle>
-            <a:lvl1pPr>
-              <a:defRPr>
-                <a:solidFill>
-                  <a:schemeClr val="tx2"/>
-                </a:solidFill>
-              </a:defRPr>
-            </a:lvl1pPr>
-          </a:lstStyle>
+          <a:lstStyle/>
           <a:p>
             <a:r>
               <a:rPr lang="fr-FR"/>
@@ -1792,27 +1746,18 @@
         </p:nvSpPr>
         <p:spPr>
           <a:xfrm>
-            <a:off x="1371600" y="2340864"/>
-            <a:ext cx="4443984" cy="823912"/>
+            <a:off x="1097280" y="1846052"/>
+            <a:ext cx="4937760" cy="736282"/>
           </a:xfrm>
         </p:spPr>
         <p:txBody>
-          <a:bodyPr anchor="b">
-            <a:noAutofit/>
+          <a:bodyPr lIns="91440" rIns="91440" anchor="ctr">
+            <a:normAutofit/>
           </a:bodyPr>
           <a:lstStyle>
             <a:lvl1pPr marL="0" indent="0">
-              <a:lnSpc>
-                <a:spcPct val="84000"/>
-              </a:lnSpc>
-              <a:spcBef>
-                <a:spcPts val="0"/>
-              </a:spcBef>
-              <a:spcAft>
-                <a:spcPts val="0"/>
-              </a:spcAft>
               <a:buNone/>
-              <a:defRPr sz="3000" b="0" baseline="0">
+              <a:defRPr sz="2000" b="0" cap="all" baseline="0">
                 <a:solidFill>
                   <a:schemeClr val="tx2"/>
                 </a:solidFill>
@@ -1872,49 +1817,13 @@
         </p:nvSpPr>
         <p:spPr>
           <a:xfrm>
-            <a:off x="1371600" y="3305207"/>
-            <a:ext cx="4443984" cy="2562193"/>
+            <a:off x="1097280" y="2582334"/>
+            <a:ext cx="4937760" cy="3378200"/>
           </a:xfrm>
         </p:spPr>
         <p:txBody>
           <a:bodyPr/>
-          <a:lstStyle>
-            <a:lvl1pPr>
-              <a:defRPr baseline="0">
-                <a:solidFill>
-                  <a:schemeClr val="tx2"/>
-                </a:solidFill>
-              </a:defRPr>
-            </a:lvl1pPr>
-            <a:lvl2pPr>
-              <a:defRPr baseline="0">
-                <a:solidFill>
-                  <a:schemeClr val="tx2"/>
-                </a:solidFill>
-              </a:defRPr>
-            </a:lvl2pPr>
-            <a:lvl3pPr>
-              <a:defRPr baseline="0">
-                <a:solidFill>
-                  <a:schemeClr val="tx2"/>
-                </a:solidFill>
-              </a:defRPr>
-            </a:lvl3pPr>
-            <a:lvl4pPr>
-              <a:defRPr baseline="0">
-                <a:solidFill>
-                  <a:schemeClr val="tx2"/>
-                </a:solidFill>
-              </a:defRPr>
-            </a:lvl4pPr>
-            <a:lvl5pPr>
-              <a:defRPr baseline="0">
-                <a:solidFill>
-                  <a:schemeClr val="tx2"/>
-                </a:solidFill>
-              </a:defRPr>
-            </a:lvl5pPr>
-          </a:lstStyle>
+          <a:lstStyle/>
           <a:p>
             <a:pPr lvl="0"/>
             <a:r>
@@ -1965,27 +1874,18 @@
         </p:nvSpPr>
         <p:spPr>
           <a:xfrm>
-            <a:off x="6525014" y="2340864"/>
-            <a:ext cx="4443984" cy="823912"/>
+            <a:off x="6217920" y="1846052"/>
+            <a:ext cx="4937760" cy="736282"/>
           </a:xfrm>
         </p:spPr>
         <p:txBody>
-          <a:bodyPr anchor="b">
-            <a:noAutofit/>
+          <a:bodyPr lIns="91440" rIns="91440" anchor="ctr">
+            <a:normAutofit/>
           </a:bodyPr>
           <a:lstStyle>
             <a:lvl1pPr marL="0" indent="0">
-              <a:lnSpc>
-                <a:spcPct val="84000"/>
-              </a:lnSpc>
-              <a:spcBef>
-                <a:spcPts val="0"/>
-              </a:spcBef>
-              <a:spcAft>
-                <a:spcPts val="0"/>
-              </a:spcAft>
               <a:buNone/>
-              <a:defRPr sz="3000" b="0" baseline="0">
+              <a:defRPr sz="2000" b="0" cap="all" baseline="0">
                 <a:solidFill>
                   <a:schemeClr val="tx2"/>
                 </a:solidFill>
@@ -2045,49 +1945,13 @@
         </p:nvSpPr>
         <p:spPr>
           <a:xfrm>
-            <a:off x="6525014" y="3305207"/>
-            <a:ext cx="4443984" cy="2562193"/>
+            <a:off x="6217920" y="2582334"/>
+            <a:ext cx="4937760" cy="3378200"/>
           </a:xfrm>
         </p:spPr>
         <p:txBody>
           <a:bodyPr/>
-          <a:lstStyle>
-            <a:lvl1pPr>
-              <a:defRPr baseline="0">
-                <a:solidFill>
-                  <a:schemeClr val="tx2"/>
-                </a:solidFill>
-              </a:defRPr>
-            </a:lvl1pPr>
-            <a:lvl2pPr>
-              <a:defRPr baseline="0">
-                <a:solidFill>
-                  <a:schemeClr val="tx2"/>
-                </a:solidFill>
-              </a:defRPr>
-            </a:lvl2pPr>
-            <a:lvl3pPr>
-              <a:defRPr baseline="0">
-                <a:solidFill>
-                  <a:schemeClr val="tx2"/>
-                </a:solidFill>
-              </a:defRPr>
-            </a:lvl3pPr>
-            <a:lvl4pPr>
-              <a:defRPr baseline="0">
-                <a:solidFill>
-                  <a:schemeClr val="tx2"/>
-                </a:solidFill>
-              </a:defRPr>
-            </a:lvl4pPr>
-            <a:lvl5pPr>
-              <a:defRPr baseline="0">
-                <a:solidFill>
-                  <a:schemeClr val="tx2"/>
-                </a:solidFill>
-              </a:defRPr>
-            </a:lvl5pPr>
-          </a:lstStyle>
+          <a:lstStyle/>
           <a:p>
             <a:pPr lvl="0"/>
             <a:r>
@@ -2143,7 +2007,7 @@
           <a:p>
             <a:fld id="{C79C3F50-D8CC-4C93-8A4E-A58F17A43B37}" type="datetimeFigureOut">
               <a:rPr lang="fr-FR" smtClean="0"/>
-              <a:t>29/02/2024</a:t>
+              <a:t>07/07/2024</a:t>
             </a:fld>
             <a:endParaRPr lang="fr-FR"/>
           </a:p>
@@ -2194,7 +2058,7 @@
     </p:spTree>
     <p:extLst>
       <p:ext uri="{BB962C8B-B14F-4D97-AF65-F5344CB8AC3E}">
-        <p14:creationId xmlns:p14="http://schemas.microsoft.com/office/powerpoint/2010/main" val="160730829"/>
+        <p14:creationId xmlns:p14="http://schemas.microsoft.com/office/powerpoint/2010/main" val="3143961269"/>
       </p:ext>
     </p:extLst>
   </p:cSld>
@@ -2261,7 +2125,7 @@
           <a:p>
             <a:fld id="{C79C3F50-D8CC-4C93-8A4E-A58F17A43B37}" type="datetimeFigureOut">
               <a:rPr lang="fr-FR" smtClean="0"/>
-              <a:t>29/02/2024</a:t>
+              <a:t>07/07/2024</a:t>
             </a:fld>
             <a:endParaRPr lang="fr-FR"/>
           </a:p>
@@ -2312,7 +2176,7 @@
     </p:spTree>
     <p:extLst>
       <p:ext uri="{BB962C8B-B14F-4D97-AF65-F5344CB8AC3E}">
-        <p14:creationId xmlns:p14="http://schemas.microsoft.com/office/powerpoint/2010/main" val="3169278503"/>
+        <p14:creationId xmlns:p14="http://schemas.microsoft.com/office/powerpoint/2010/main" val="774338608"/>
       </p:ext>
     </p:extLst>
   </p:cSld>
@@ -2323,7 +2187,7 @@
 </file>
 
 <file path=ppt/slideLayouts/slideLayout7.xml><?xml version="1.0" encoding="utf-8"?>
-<p:sldLayout xmlns:a="http://schemas.openxmlformats.org/drawingml/2006/main" xmlns:r="http://schemas.openxmlformats.org/officeDocument/2006/relationships" xmlns:p="http://schemas.openxmlformats.org/presentationml/2006/main" type="blank" preserve="1">
+<p:sldLayout xmlns:a="http://schemas.openxmlformats.org/drawingml/2006/main" xmlns:r="http://schemas.openxmlformats.org/officeDocument/2006/relationships" xmlns:p="http://schemas.openxmlformats.org/presentationml/2006/main" showMasterSp="0" type="blank" preserve="1">
   <p:cSld name="Vide">
     <p:spTree>
       <p:nvGrpSpPr>
@@ -2341,7 +2205,83 @@
       </p:grpSpPr>
       <p:sp>
         <p:nvSpPr>
-          <p:cNvPr id="2" name="Date Placeholder 1"/>
+          <p:cNvPr id="5" name="Rectangle 4"/>
+          <p:cNvSpPr/>
+          <p:nvPr/>
+        </p:nvSpPr>
+        <p:spPr>
+          <a:xfrm>
+            <a:off x="3175" y="6400800"/>
+            <a:ext cx="12188825" cy="457200"/>
+          </a:xfrm>
+          <a:prstGeom prst="rect">
+            <a:avLst/>
+          </a:prstGeom>
+          <a:solidFill>
+            <a:schemeClr val="accent2"/>
+          </a:solidFill>
+          <a:ln>
+            <a:noFill/>
+          </a:ln>
+        </p:spPr>
+        <p:style>
+          <a:lnRef idx="2">
+            <a:schemeClr val="accent1">
+              <a:shade val="50000"/>
+            </a:schemeClr>
+          </a:lnRef>
+          <a:fillRef idx="1">
+            <a:schemeClr val="accent1"/>
+          </a:fillRef>
+          <a:effectRef idx="0">
+            <a:schemeClr val="accent1"/>
+          </a:effectRef>
+          <a:fontRef idx="minor">
+            <a:schemeClr val="lt1"/>
+          </a:fontRef>
+        </p:style>
+      </p:sp>
+      <p:sp>
+        <p:nvSpPr>
+          <p:cNvPr id="6" name="Rectangle 5"/>
+          <p:cNvSpPr/>
+          <p:nvPr/>
+        </p:nvSpPr>
+        <p:spPr>
+          <a:xfrm>
+            <a:off x="15" y="6334316"/>
+            <a:ext cx="12188825" cy="64008"/>
+          </a:xfrm>
+          <a:prstGeom prst="rect">
+            <a:avLst/>
+          </a:prstGeom>
+          <a:solidFill>
+            <a:schemeClr val="accent1"/>
+          </a:solidFill>
+          <a:ln>
+            <a:noFill/>
+          </a:ln>
+        </p:spPr>
+        <p:style>
+          <a:lnRef idx="2">
+            <a:schemeClr val="accent1">
+              <a:shade val="50000"/>
+            </a:schemeClr>
+          </a:lnRef>
+          <a:fillRef idx="1">
+            <a:schemeClr val="accent1"/>
+          </a:fillRef>
+          <a:effectRef idx="0">
+            <a:schemeClr val="accent1"/>
+          </a:effectRef>
+          <a:fontRef idx="minor">
+            <a:schemeClr val="lt1"/>
+          </a:fontRef>
+        </p:style>
+      </p:sp>
+      <p:sp>
+        <p:nvSpPr>
+          <p:cNvPr id="7" name="Date Placeholder 6"/>
           <p:cNvSpPr>
             <a:spLocks noGrp="1"/>
           </p:cNvSpPr>
@@ -2356,7 +2296,7 @@
           <a:p>
             <a:fld id="{C79C3F50-D8CC-4C93-8A4E-A58F17A43B37}" type="datetimeFigureOut">
               <a:rPr lang="fr-FR" smtClean="0"/>
-              <a:t>29/02/2024</a:t>
+              <a:t>07/07/2024</a:t>
             </a:fld>
             <a:endParaRPr lang="fr-FR"/>
           </a:p>
@@ -2364,7 +2304,7 @@
       </p:sp>
       <p:sp>
         <p:nvSpPr>
-          <p:cNvPr id="3" name="Footer Placeholder 2"/>
+          <p:cNvPr id="8" name="Footer Placeholder 7"/>
           <p:cNvSpPr>
             <a:spLocks noGrp="1"/>
           </p:cNvSpPr>
@@ -2375,7 +2315,15 @@
         <p:spPr/>
         <p:txBody>
           <a:bodyPr/>
-          <a:lstStyle/>
+          <a:lstStyle>
+            <a:lvl1pPr>
+              <a:defRPr>
+                <a:solidFill>
+                  <a:srgbClr val="FFFFFF"/>
+                </a:solidFill>
+              </a:defRPr>
+            </a:lvl1pPr>
+          </a:lstStyle>
           <a:p>
             <a:endParaRPr lang="fr-FR"/>
           </a:p>
@@ -2383,7 +2331,7 @@
       </p:sp>
       <p:sp>
         <p:nvSpPr>
-          <p:cNvPr id="4" name="Slide Number Placeholder 3"/>
+          <p:cNvPr id="9" name="Slide Number Placeholder 8"/>
           <p:cNvSpPr>
             <a:spLocks noGrp="1"/>
           </p:cNvSpPr>
@@ -2407,7 +2355,7 @@
     </p:spTree>
     <p:extLst>
       <p:ext uri="{BB962C8B-B14F-4D97-AF65-F5344CB8AC3E}">
-        <p14:creationId xmlns:p14="http://schemas.microsoft.com/office/powerpoint/2010/main" val="3900141907"/>
+        <p14:creationId xmlns:p14="http://schemas.microsoft.com/office/powerpoint/2010/main" val="3093736150"/>
       </p:ext>
     </p:extLst>
   </p:cSld>
@@ -2436,20 +2384,20 @@
       </p:grpSpPr>
       <p:sp>
         <p:nvSpPr>
-          <p:cNvPr id="8" name="Rectangle 7" title="Background Shape"/>
+          <p:cNvPr id="8" name="Rectangle 7"/>
           <p:cNvSpPr/>
           <p:nvPr/>
         </p:nvSpPr>
         <p:spPr>
           <a:xfrm>
-            <a:off x="0" y="376"/>
-            <a:ext cx="5303520" cy="6857624"/>
+            <a:off x="16" y="0"/>
+            <a:ext cx="4050791" cy="6858000"/>
           </a:xfrm>
           <a:prstGeom prst="rect">
             <a:avLst/>
           </a:prstGeom>
           <a:solidFill>
-            <a:schemeClr val="accent1"/>
+            <a:schemeClr val="accent2"/>
           </a:solidFill>
           <a:ln>
             <a:noFill/>
@@ -2474,324 +2422,20 @@
       </p:sp>
       <p:sp>
         <p:nvSpPr>
-          <p:cNvPr id="2" name="Title 1"/>
-          <p:cNvSpPr>
-            <a:spLocks noGrp="1"/>
-          </p:cNvSpPr>
-          <p:nvPr>
-            <p:ph type="title"/>
-          </p:nvPr>
+          <p:cNvPr id="9" name="Rectangle 8"/>
+          <p:cNvSpPr/>
+          <p:nvPr/>
         </p:nvSpPr>
         <p:spPr>
           <a:xfrm>
-            <a:off x="723900" y="685800"/>
-            <a:ext cx="3855720" cy="2157884"/>
-          </a:xfrm>
-        </p:spPr>
-        <p:txBody>
-          <a:bodyPr anchor="t">
-            <a:noAutofit/>
-          </a:bodyPr>
-          <a:lstStyle>
-            <a:lvl1pPr>
-              <a:lnSpc>
-                <a:spcPct val="84000"/>
-              </a:lnSpc>
-              <a:defRPr sz="4800" baseline="0">
-                <a:solidFill>
-                  <a:schemeClr val="tx2"/>
-                </a:solidFill>
-              </a:defRPr>
-            </a:lvl1pPr>
-          </a:lstStyle>
-          <a:p>
-            <a:r>
-              <a:rPr lang="fr-FR"/>
-              <a:t>Modifiez le style du titre</a:t>
-            </a:r>
-            <a:endParaRPr lang="en-US" dirty="0"/>
-          </a:p>
-        </p:txBody>
-      </p:sp>
-      <p:sp>
-        <p:nvSpPr>
-          <p:cNvPr id="3" name="Content Placeholder 2"/>
-          <p:cNvSpPr>
-            <a:spLocks noGrp="1"/>
-          </p:cNvSpPr>
-          <p:nvPr>
-            <p:ph idx="1"/>
-          </p:nvPr>
-        </p:nvSpPr>
-        <p:spPr>
-          <a:xfrm>
-            <a:off x="6256020" y="685801"/>
-            <a:ext cx="5212080" cy="5175250"/>
-          </a:xfrm>
-        </p:spPr>
-        <p:txBody>
-          <a:bodyPr/>
-          <a:lstStyle>
-            <a:lvl1pPr>
-              <a:defRPr sz="2000"/>
-            </a:lvl1pPr>
-            <a:lvl2pPr>
-              <a:defRPr sz="2000"/>
-            </a:lvl2pPr>
-            <a:lvl3pPr>
-              <a:defRPr sz="1800"/>
-            </a:lvl3pPr>
-            <a:lvl4pPr>
-              <a:defRPr sz="1800"/>
-            </a:lvl4pPr>
-            <a:lvl5pPr>
-              <a:defRPr sz="1600"/>
-            </a:lvl5pPr>
-            <a:lvl6pPr>
-              <a:defRPr sz="1600"/>
-            </a:lvl6pPr>
-            <a:lvl7pPr>
-              <a:defRPr sz="1600"/>
-            </a:lvl7pPr>
-            <a:lvl8pPr>
-              <a:defRPr sz="1600"/>
-            </a:lvl8pPr>
-            <a:lvl9pPr>
-              <a:defRPr sz="1600"/>
-            </a:lvl9pPr>
-          </a:lstStyle>
-          <a:p>
-            <a:pPr lvl="0"/>
-            <a:r>
-              <a:rPr lang="fr-FR"/>
-              <a:t>Cliquez pour modifier les styles du texte du masque</a:t>
-            </a:r>
-          </a:p>
-          <a:p>
-            <a:pPr lvl="1"/>
-            <a:r>
-              <a:rPr lang="fr-FR"/>
-              <a:t>Deuxième niveau</a:t>
-            </a:r>
-          </a:p>
-          <a:p>
-            <a:pPr lvl="2"/>
-            <a:r>
-              <a:rPr lang="fr-FR"/>
-              <a:t>Troisième niveau</a:t>
-            </a:r>
-          </a:p>
-          <a:p>
-            <a:pPr lvl="3"/>
-            <a:r>
-              <a:rPr lang="fr-FR"/>
-              <a:t>Quatrième niveau</a:t>
-            </a:r>
-          </a:p>
-          <a:p>
-            <a:pPr lvl="4"/>
-            <a:r>
-              <a:rPr lang="fr-FR"/>
-              <a:t>Cinquième niveau</a:t>
-            </a:r>
-            <a:endParaRPr lang="en-US" dirty="0"/>
-          </a:p>
-        </p:txBody>
-      </p:sp>
-      <p:sp>
-        <p:nvSpPr>
-          <p:cNvPr id="4" name="Text Placeholder 3"/>
-          <p:cNvSpPr>
-            <a:spLocks noGrp="1"/>
-          </p:cNvSpPr>
-          <p:nvPr>
-            <p:ph type="body" sz="half" idx="2"/>
-          </p:nvPr>
-        </p:nvSpPr>
-        <p:spPr>
-          <a:xfrm>
-            <a:off x="723900" y="2856344"/>
-            <a:ext cx="3855720" cy="3011056"/>
-          </a:xfrm>
-        </p:spPr>
-        <p:txBody>
-          <a:bodyPr/>
-          <a:lstStyle>
-            <a:lvl1pPr marL="0" indent="0">
-              <a:lnSpc>
-                <a:spcPct val="113000"/>
-              </a:lnSpc>
-              <a:spcBef>
-                <a:spcPts val="0"/>
-              </a:spcBef>
-              <a:spcAft>
-                <a:spcPts val="1500"/>
-              </a:spcAft>
-              <a:buNone/>
-              <a:defRPr sz="1600"/>
-            </a:lvl1pPr>
-            <a:lvl2pPr marL="457200" indent="0">
-              <a:buNone/>
-              <a:defRPr sz="1400"/>
-            </a:lvl2pPr>
-            <a:lvl3pPr marL="914400" indent="0">
-              <a:buNone/>
-              <a:defRPr sz="1200"/>
-            </a:lvl3pPr>
-            <a:lvl4pPr marL="1371600" indent="0">
-              <a:buNone/>
-              <a:defRPr sz="1000"/>
-            </a:lvl4pPr>
-            <a:lvl5pPr marL="1828800" indent="0">
-              <a:buNone/>
-              <a:defRPr sz="1000"/>
-            </a:lvl5pPr>
-            <a:lvl6pPr marL="2286000" indent="0">
-              <a:buNone/>
-              <a:defRPr sz="1000"/>
-            </a:lvl6pPr>
-            <a:lvl7pPr marL="2743200" indent="0">
-              <a:buNone/>
-              <a:defRPr sz="1000"/>
-            </a:lvl7pPr>
-            <a:lvl8pPr marL="3200400" indent="0">
-              <a:buNone/>
-              <a:defRPr sz="1000"/>
-            </a:lvl8pPr>
-            <a:lvl9pPr marL="3657600" indent="0">
-              <a:buNone/>
-              <a:defRPr sz="1000"/>
-            </a:lvl9pPr>
-          </a:lstStyle>
-          <a:p>
-            <a:pPr lvl="0"/>
-            <a:r>
-              <a:rPr lang="fr-FR"/>
-              <a:t>Cliquez pour modifier les styles du texte du masque</a:t>
-            </a:r>
-          </a:p>
-        </p:txBody>
-      </p:sp>
-      <p:sp>
-        <p:nvSpPr>
-          <p:cNvPr id="5" name="Date Placeholder 4"/>
-          <p:cNvSpPr>
-            <a:spLocks noGrp="1"/>
-          </p:cNvSpPr>
-          <p:nvPr>
-            <p:ph type="dt" sz="half" idx="10"/>
-          </p:nvPr>
-        </p:nvSpPr>
-        <p:spPr>
-          <a:xfrm>
-            <a:off x="723900" y="6453386"/>
-            <a:ext cx="1204572" cy="404614"/>
-          </a:xfrm>
-        </p:spPr>
-        <p:txBody>
-          <a:bodyPr/>
-          <a:lstStyle>
-            <a:lvl1pPr>
-              <a:defRPr>
-                <a:solidFill>
-                  <a:schemeClr val="tx2"/>
-                </a:solidFill>
-              </a:defRPr>
-            </a:lvl1pPr>
-          </a:lstStyle>
-          <a:p>
-            <a:fld id="{C79C3F50-D8CC-4C93-8A4E-A58F17A43B37}" type="datetimeFigureOut">
-              <a:rPr lang="fr-FR" smtClean="0"/>
-              <a:t>29/02/2024</a:t>
-            </a:fld>
-            <a:endParaRPr lang="fr-FR"/>
-          </a:p>
-        </p:txBody>
-      </p:sp>
-      <p:sp>
-        <p:nvSpPr>
-          <p:cNvPr id="6" name="Footer Placeholder 5"/>
-          <p:cNvSpPr>
-            <a:spLocks noGrp="1"/>
-          </p:cNvSpPr>
-          <p:nvPr>
-            <p:ph type="ftr" sz="quarter" idx="11"/>
-          </p:nvPr>
-        </p:nvSpPr>
-        <p:spPr>
-          <a:xfrm>
-            <a:off x="2205945" y="6453386"/>
-            <a:ext cx="2373675" cy="404614"/>
-          </a:xfrm>
-        </p:spPr>
-        <p:txBody>
-          <a:bodyPr/>
-          <a:lstStyle>
-            <a:lvl1pPr>
-              <a:defRPr>
-                <a:solidFill>
-                  <a:schemeClr val="tx2"/>
-                </a:solidFill>
-              </a:defRPr>
-            </a:lvl1pPr>
-          </a:lstStyle>
-          <a:p>
-            <a:endParaRPr lang="fr-FR"/>
-          </a:p>
-        </p:txBody>
-      </p:sp>
-      <p:sp>
-        <p:nvSpPr>
-          <p:cNvPr id="7" name="Slide Number Placeholder 6"/>
-          <p:cNvSpPr>
-            <a:spLocks noGrp="1"/>
-          </p:cNvSpPr>
-          <p:nvPr>
-            <p:ph type="sldNum" sz="quarter" idx="12"/>
-          </p:nvPr>
-        </p:nvSpPr>
-        <p:spPr>
-          <a:xfrm>
-            <a:off x="9883140" y="6453386"/>
-            <a:ext cx="1596292" cy="404614"/>
-          </a:xfrm>
-        </p:spPr>
-        <p:txBody>
-          <a:bodyPr/>
-          <a:lstStyle>
-            <a:lvl1pPr>
-              <a:defRPr>
-                <a:solidFill>
-                  <a:schemeClr val="tx2"/>
-                </a:solidFill>
-              </a:defRPr>
-            </a:lvl1pPr>
-          </a:lstStyle>
-          <a:p>
-            <a:fld id="{B3B9815D-287A-47E2-8606-DA09B9AA337D}" type="slidenum">
-              <a:rPr lang="fr-FR" smtClean="0"/>
-              <a:t>‹N°›</a:t>
-            </a:fld>
-            <a:endParaRPr lang="fr-FR"/>
-          </a:p>
-        </p:txBody>
-      </p:sp>
-      <p:sp>
-        <p:nvSpPr>
-          <p:cNvPr id="9" name="Rectangle 8" title="Divider Bar"/>
-          <p:cNvSpPr/>
-          <p:nvPr/>
-        </p:nvSpPr>
-        <p:spPr>
-          <a:xfrm>
-            <a:off x="5303520" y="376"/>
-            <a:ext cx="228600" cy="6858000"/>
+            <a:off x="4040071" y="0"/>
+            <a:ext cx="64008" cy="6858000"/>
           </a:xfrm>
           <a:prstGeom prst="rect">
             <a:avLst/>
           </a:prstGeom>
           <a:solidFill>
-            <a:schemeClr val="tx2"/>
+            <a:schemeClr val="accent1"/>
           </a:solidFill>
           <a:ln>
             <a:noFill/>
@@ -2814,10 +2458,271 @@
           </a:fontRef>
         </p:style>
       </p:sp>
+      <p:sp>
+        <p:nvSpPr>
+          <p:cNvPr id="2" name="Title 1"/>
+          <p:cNvSpPr>
+            <a:spLocks noGrp="1"/>
+          </p:cNvSpPr>
+          <p:nvPr>
+            <p:ph type="title"/>
+          </p:nvPr>
+        </p:nvSpPr>
+        <p:spPr>
+          <a:xfrm>
+            <a:off x="457200" y="594359"/>
+            <a:ext cx="3200400" cy="2286000"/>
+          </a:xfrm>
+        </p:spPr>
+        <p:txBody>
+          <a:bodyPr anchor="b">
+            <a:normAutofit/>
+          </a:bodyPr>
+          <a:lstStyle>
+            <a:lvl1pPr>
+              <a:defRPr sz="3600" b="0">
+                <a:solidFill>
+                  <a:srgbClr val="FFFFFF"/>
+                </a:solidFill>
+              </a:defRPr>
+            </a:lvl1pPr>
+          </a:lstStyle>
+          <a:p>
+            <a:r>
+              <a:rPr lang="fr-FR"/>
+              <a:t>Modifiez le style du titre</a:t>
+            </a:r>
+            <a:endParaRPr lang="en-US" dirty="0"/>
+          </a:p>
+        </p:txBody>
+      </p:sp>
+      <p:sp>
+        <p:nvSpPr>
+          <p:cNvPr id="3" name="Content Placeholder 2"/>
+          <p:cNvSpPr>
+            <a:spLocks noGrp="1"/>
+          </p:cNvSpPr>
+          <p:nvPr>
+            <p:ph idx="1"/>
+          </p:nvPr>
+        </p:nvSpPr>
+        <p:spPr>
+          <a:xfrm>
+            <a:off x="4800600" y="731520"/>
+            <a:ext cx="6492240" cy="5257800"/>
+          </a:xfrm>
+        </p:spPr>
+        <p:txBody>
+          <a:bodyPr/>
+          <a:lstStyle/>
+          <a:p>
+            <a:pPr lvl="0"/>
+            <a:r>
+              <a:rPr lang="fr-FR"/>
+              <a:t>Cliquez pour modifier les styles du texte du masque</a:t>
+            </a:r>
+          </a:p>
+          <a:p>
+            <a:pPr lvl="1"/>
+            <a:r>
+              <a:rPr lang="fr-FR"/>
+              <a:t>Deuxième niveau</a:t>
+            </a:r>
+          </a:p>
+          <a:p>
+            <a:pPr lvl="2"/>
+            <a:r>
+              <a:rPr lang="fr-FR"/>
+              <a:t>Troisième niveau</a:t>
+            </a:r>
+          </a:p>
+          <a:p>
+            <a:pPr lvl="3"/>
+            <a:r>
+              <a:rPr lang="fr-FR"/>
+              <a:t>Quatrième niveau</a:t>
+            </a:r>
+          </a:p>
+          <a:p>
+            <a:pPr lvl="4"/>
+            <a:r>
+              <a:rPr lang="fr-FR"/>
+              <a:t>Cinquième niveau</a:t>
+            </a:r>
+            <a:endParaRPr lang="en-US" dirty="0"/>
+          </a:p>
+        </p:txBody>
+      </p:sp>
+      <p:sp>
+        <p:nvSpPr>
+          <p:cNvPr id="4" name="Text Placeholder 3"/>
+          <p:cNvSpPr>
+            <a:spLocks noGrp="1"/>
+          </p:cNvSpPr>
+          <p:nvPr>
+            <p:ph type="body" sz="half" idx="2"/>
+          </p:nvPr>
+        </p:nvSpPr>
+        <p:spPr>
+          <a:xfrm>
+            <a:off x="457200" y="2926080"/>
+            <a:ext cx="3200400" cy="3379124"/>
+          </a:xfrm>
+        </p:spPr>
+        <p:txBody>
+          <a:bodyPr lIns="91440" rIns="91440">
+            <a:normAutofit/>
+          </a:bodyPr>
+          <a:lstStyle>
+            <a:lvl1pPr marL="0" indent="0">
+              <a:buNone/>
+              <a:defRPr sz="1500">
+                <a:solidFill>
+                  <a:srgbClr val="FFFFFF"/>
+                </a:solidFill>
+              </a:defRPr>
+            </a:lvl1pPr>
+            <a:lvl2pPr marL="457200" indent="0">
+              <a:buNone/>
+              <a:defRPr sz="1200"/>
+            </a:lvl2pPr>
+            <a:lvl3pPr marL="914400" indent="0">
+              <a:buNone/>
+              <a:defRPr sz="1000"/>
+            </a:lvl3pPr>
+            <a:lvl4pPr marL="1371600" indent="0">
+              <a:buNone/>
+              <a:defRPr sz="900"/>
+            </a:lvl4pPr>
+            <a:lvl5pPr marL="1828800" indent="0">
+              <a:buNone/>
+              <a:defRPr sz="900"/>
+            </a:lvl5pPr>
+            <a:lvl6pPr marL="2286000" indent="0">
+              <a:buNone/>
+              <a:defRPr sz="900"/>
+            </a:lvl6pPr>
+            <a:lvl7pPr marL="2743200" indent="0">
+              <a:buNone/>
+              <a:defRPr sz="900"/>
+            </a:lvl7pPr>
+            <a:lvl8pPr marL="3200400" indent="0">
+              <a:buNone/>
+              <a:defRPr sz="900"/>
+            </a:lvl8pPr>
+            <a:lvl9pPr marL="3657600" indent="0">
+              <a:buNone/>
+              <a:defRPr sz="900"/>
+            </a:lvl9pPr>
+          </a:lstStyle>
+          <a:p>
+            <a:pPr lvl="0"/>
+            <a:r>
+              <a:rPr lang="fr-FR"/>
+              <a:t>Cliquez pour modifier les styles du texte du masque</a:t>
+            </a:r>
+          </a:p>
+        </p:txBody>
+      </p:sp>
+      <p:sp>
+        <p:nvSpPr>
+          <p:cNvPr id="5" name="Date Placeholder 4"/>
+          <p:cNvSpPr>
+            <a:spLocks noGrp="1"/>
+          </p:cNvSpPr>
+          <p:nvPr>
+            <p:ph type="dt" sz="half" idx="10"/>
+          </p:nvPr>
+        </p:nvSpPr>
+        <p:spPr>
+          <a:xfrm>
+            <a:off x="465512" y="6459785"/>
+            <a:ext cx="2618510" cy="365125"/>
+          </a:xfrm>
+        </p:spPr>
+        <p:txBody>
+          <a:bodyPr/>
+          <a:lstStyle>
+            <a:lvl1pPr algn="l">
+              <a:defRPr/>
+            </a:lvl1pPr>
+          </a:lstStyle>
+          <a:p>
+            <a:fld id="{C79C3F50-D8CC-4C93-8A4E-A58F17A43B37}" type="datetimeFigureOut">
+              <a:rPr lang="fr-FR" smtClean="0"/>
+              <a:t>07/07/2024</a:t>
+            </a:fld>
+            <a:endParaRPr lang="fr-FR"/>
+          </a:p>
+        </p:txBody>
+      </p:sp>
+      <p:sp>
+        <p:nvSpPr>
+          <p:cNvPr id="6" name="Footer Placeholder 5"/>
+          <p:cNvSpPr>
+            <a:spLocks noGrp="1"/>
+          </p:cNvSpPr>
+          <p:nvPr>
+            <p:ph type="ftr" sz="quarter" idx="11"/>
+          </p:nvPr>
+        </p:nvSpPr>
+        <p:spPr>
+          <a:xfrm>
+            <a:off x="4800600" y="6459785"/>
+            <a:ext cx="4648200" cy="365125"/>
+          </a:xfrm>
+        </p:spPr>
+        <p:txBody>
+          <a:bodyPr/>
+          <a:lstStyle>
+            <a:lvl1pPr algn="l">
+              <a:defRPr>
+                <a:solidFill>
+                  <a:schemeClr val="tx2"/>
+                </a:solidFill>
+              </a:defRPr>
+            </a:lvl1pPr>
+          </a:lstStyle>
+          <a:p>
+            <a:endParaRPr lang="fr-FR"/>
+          </a:p>
+        </p:txBody>
+      </p:sp>
+      <p:sp>
+        <p:nvSpPr>
+          <p:cNvPr id="7" name="Slide Number Placeholder 6"/>
+          <p:cNvSpPr>
+            <a:spLocks noGrp="1"/>
+          </p:cNvSpPr>
+          <p:nvPr>
+            <p:ph type="sldNum" sz="quarter" idx="12"/>
+          </p:nvPr>
+        </p:nvSpPr>
+        <p:spPr/>
+        <p:txBody>
+          <a:bodyPr/>
+          <a:lstStyle>
+            <a:lvl1pPr>
+              <a:defRPr>
+                <a:solidFill>
+                  <a:schemeClr val="tx2"/>
+                </a:solidFill>
+              </a:defRPr>
+            </a:lvl1pPr>
+          </a:lstStyle>
+          <a:p>
+            <a:fld id="{B3B9815D-287A-47E2-8606-DA09B9AA337D}" type="slidenum">
+              <a:rPr lang="fr-FR" smtClean="0"/>
+              <a:t>‹N°›</a:t>
+            </a:fld>
+            <a:endParaRPr lang="fr-FR"/>
+          </a:p>
+        </p:txBody>
+      </p:sp>
     </p:spTree>
     <p:extLst>
       <p:ext uri="{BB962C8B-B14F-4D97-AF65-F5344CB8AC3E}">
-        <p14:creationId xmlns:p14="http://schemas.microsoft.com/office/powerpoint/2010/main" val="3666082909"/>
+        <p14:creationId xmlns:p14="http://schemas.microsoft.com/office/powerpoint/2010/main" val="1556439560"/>
       </p:ext>
     </p:extLst>
   </p:cSld>
@@ -2851,20 +2756,20 @@
       </p:grpSpPr>
       <p:sp>
         <p:nvSpPr>
-          <p:cNvPr id="8" name="Rectangle 7" title="Background Shape"/>
+          <p:cNvPr id="8" name="Rectangle 7"/>
           <p:cNvSpPr/>
           <p:nvPr/>
         </p:nvSpPr>
         <p:spPr>
           <a:xfrm>
-            <a:off x="0" y="376"/>
-            <a:ext cx="5303520" cy="6857624"/>
+            <a:off x="0" y="4953000"/>
+            <a:ext cx="12188825" cy="1905000"/>
           </a:xfrm>
           <a:prstGeom prst="rect">
             <a:avLst/>
           </a:prstGeom>
           <a:solidFill>
-            <a:schemeClr val="accent1"/>
+            <a:schemeClr val="accent2"/>
           </a:solidFill>
           <a:ln>
             <a:noFill/>
@@ -2889,30 +2794,69 @@
       </p:sp>
       <p:sp>
         <p:nvSpPr>
-          <p:cNvPr id="2" name="Title 1"/>
-          <p:cNvSpPr>
-            <a:spLocks noGrp="1"/>
-          </p:cNvSpPr>
-          <p:nvPr>
-            <p:ph type="title"/>
-          </p:nvPr>
+          <p:cNvPr id="9" name="Rectangle 8"/>
+          <p:cNvSpPr/>
+          <p:nvPr/>
         </p:nvSpPr>
         <p:spPr>
           <a:xfrm>
-            <a:off x="723900" y="685800"/>
-            <a:ext cx="3855720" cy="2157884"/>
+            <a:off x="15" y="4915076"/>
+            <a:ext cx="12188825" cy="64008"/>
+          </a:xfrm>
+          <a:prstGeom prst="rect">
+            <a:avLst/>
+          </a:prstGeom>
+          <a:solidFill>
+            <a:schemeClr val="accent1"/>
+          </a:solidFill>
+          <a:ln>
+            <a:noFill/>
+          </a:ln>
+        </p:spPr>
+        <p:style>
+          <a:lnRef idx="2">
+            <a:schemeClr val="accent1">
+              <a:shade val="50000"/>
+            </a:schemeClr>
+          </a:lnRef>
+          <a:fillRef idx="1">
+            <a:schemeClr val="accent1"/>
+          </a:fillRef>
+          <a:effectRef idx="0">
+            <a:schemeClr val="accent1"/>
+          </a:effectRef>
+          <a:fontRef idx="minor">
+            <a:schemeClr val="lt1"/>
+          </a:fontRef>
+        </p:style>
+      </p:sp>
+      <p:sp>
+        <p:nvSpPr>
+          <p:cNvPr id="2" name="Title 1"/>
+          <p:cNvSpPr>
+            <a:spLocks noGrp="1"/>
+          </p:cNvSpPr>
+          <p:nvPr>
+            <p:ph type="title"/>
+          </p:nvPr>
+        </p:nvSpPr>
+        <p:spPr>
+          <a:xfrm>
+            <a:off x="1097280" y="5074920"/>
+            <a:ext cx="10113264" cy="822960"/>
           </a:xfrm>
         </p:spPr>
         <p:txBody>
-          <a:bodyPr anchor="t">
-            <a:normAutofit/>
+          <a:bodyPr lIns="91440" tIns="0" rIns="91440" bIns="0" anchor="b">
+            <a:noAutofit/>
           </a:bodyPr>
           <a:lstStyle>
             <a:lvl1pPr>
-              <a:lnSpc>
-                <a:spcPct val="84000"/>
-              </a:lnSpc>
-              <a:defRPr sz="4800" baseline="0"/>
+              <a:defRPr sz="3600" b="0">
+                <a:solidFill>
+                  <a:srgbClr val="FFFFFF"/>
+                </a:solidFill>
+              </a:defRPr>
             </a:lvl1pPr>
           </a:lstStyle>
           <a:p>
@@ -2936,26 +2880,34 @@
         </p:nvSpPr>
         <p:spPr>
           <a:xfrm>
-            <a:off x="5532120" y="0"/>
-            <a:ext cx="6659880" cy="6857999"/>
+            <a:off x="15" y="0"/>
+            <a:ext cx="12191985" cy="4915076"/>
           </a:xfrm>
+          <a:blipFill>
+            <a:blip r:embed="rId2"/>
+            <a:stretch>
+              <a:fillRect/>
+            </a:stretch>
+          </a:blipFill>
         </p:spPr>
         <p:txBody>
-          <a:bodyPr anchor="t">
-            <a:normAutofit/>
-          </a:bodyPr>
+          <a:bodyPr lIns="457200" tIns="457200" anchor="t"/>
           <a:lstStyle>
             <a:lvl1pPr marL="0" indent="0">
               <a:buNone/>
-              <a:defRPr sz="2000"/>
+              <a:defRPr sz="3200">
+                <a:solidFill>
+                  <a:schemeClr val="bg1"/>
+                </a:solidFill>
+              </a:defRPr>
             </a:lvl1pPr>
             <a:lvl2pPr marL="457200" indent="0">
               <a:buNone/>
-              <a:defRPr sz="2000"/>
+              <a:defRPr sz="2800"/>
             </a:lvl2pPr>
             <a:lvl3pPr marL="914400" indent="0">
               <a:buNone/>
-              <a:defRPr sz="2000"/>
+              <a:defRPr sz="2400"/>
             </a:lvl3pPr>
             <a:lvl4pPr marL="1371600" indent="0">
               <a:buNone/>
@@ -3003,57 +2955,60 @@
         </p:nvSpPr>
         <p:spPr>
           <a:xfrm>
-            <a:off x="723900" y="2855968"/>
-            <a:ext cx="3855720" cy="3011432"/>
+            <a:off x="1097280" y="5907023"/>
+            <a:ext cx="10113264" cy="594360"/>
           </a:xfrm>
         </p:spPr>
         <p:txBody>
-          <a:bodyPr/>
+          <a:bodyPr lIns="91440" tIns="0" rIns="91440" bIns="0">
+            <a:normAutofit/>
+          </a:bodyPr>
           <a:lstStyle>
             <a:lvl1pPr marL="0" indent="0">
-              <a:lnSpc>
-                <a:spcPct val="113000"/>
-              </a:lnSpc>
               <a:spcBef>
                 <a:spcPts val="0"/>
               </a:spcBef>
               <a:spcAft>
-                <a:spcPts val="1500"/>
+                <a:spcPts val="600"/>
               </a:spcAft>
               <a:buNone/>
-              <a:defRPr sz="1600"/>
+              <a:defRPr sz="1500">
+                <a:solidFill>
+                  <a:srgbClr val="FFFFFF"/>
+                </a:solidFill>
+              </a:defRPr>
             </a:lvl1pPr>
             <a:lvl2pPr marL="457200" indent="0">
               <a:buNone/>
-              <a:defRPr sz="1400"/>
+              <a:defRPr sz="1200"/>
             </a:lvl2pPr>
             <a:lvl3pPr marL="914400" indent="0">
               <a:buNone/>
-              <a:defRPr sz="1200"/>
+              <a:defRPr sz="1000"/>
             </a:lvl3pPr>
             <a:lvl4pPr marL="1371600" indent="0">
               <a:buNone/>
-              <a:defRPr sz="1000"/>
+              <a:defRPr sz="900"/>
             </a:lvl4pPr>
             <a:lvl5pPr marL="1828800" indent="0">
               <a:buNone/>
-              <a:defRPr sz="1000"/>
+              <a:defRPr sz="900"/>
             </a:lvl5pPr>
             <a:lvl6pPr marL="2286000" indent="0">
               <a:buNone/>
-              <a:defRPr sz="1000"/>
+              <a:defRPr sz="900"/>
             </a:lvl6pPr>
             <a:lvl7pPr marL="2743200" indent="0">
               <a:buNone/>
-              <a:defRPr sz="1000"/>
+              <a:defRPr sz="900"/>
             </a:lvl7pPr>
             <a:lvl8pPr marL="3200400" indent="0">
               <a:buNone/>
-              <a:defRPr sz="1000"/>
+              <a:defRPr sz="900"/>
             </a:lvl8pPr>
             <a:lvl9pPr marL="3657600" indent="0">
               <a:buNone/>
-              <a:defRPr sz="1000"/>
+              <a:defRPr sz="900"/>
             </a:lvl9pPr>
           </a:lstStyle>
           <a:p>
@@ -3075,27 +3030,14 @@
             <p:ph type="dt" sz="half" idx="10"/>
           </p:nvPr>
         </p:nvSpPr>
-        <p:spPr>
-          <a:xfrm>
-            <a:off x="723900" y="6453386"/>
-            <a:ext cx="1204572" cy="404614"/>
-          </a:xfrm>
-        </p:spPr>
+        <p:spPr/>
         <p:txBody>
           <a:bodyPr/>
-          <a:lstStyle>
-            <a:lvl1pPr>
-              <a:defRPr>
-                <a:solidFill>
-                  <a:schemeClr val="tx2"/>
-                </a:solidFill>
-              </a:defRPr>
-            </a:lvl1pPr>
-          </a:lstStyle>
+          <a:lstStyle/>
           <a:p>
             <a:fld id="{C79C3F50-D8CC-4C93-8A4E-A58F17A43B37}" type="datetimeFigureOut">
               <a:rPr lang="fr-FR" smtClean="0"/>
-              <a:t>29/02/2024</a:t>
+              <a:t>07/07/2024</a:t>
             </a:fld>
             <a:endParaRPr lang="fr-FR"/>
           </a:p>
@@ -3111,23 +3053,10 @@
             <p:ph type="ftr" sz="quarter" idx="11"/>
           </p:nvPr>
         </p:nvSpPr>
-        <p:spPr>
-          <a:xfrm>
-            <a:off x="2205945" y="6453386"/>
-            <a:ext cx="2373675" cy="404614"/>
-          </a:xfrm>
-        </p:spPr>
+        <p:spPr/>
         <p:txBody>
           <a:bodyPr/>
-          <a:lstStyle>
-            <a:lvl1pPr>
-              <a:defRPr>
-                <a:solidFill>
-                  <a:schemeClr val="tx2"/>
-                </a:solidFill>
-              </a:defRPr>
-            </a:lvl1pPr>
-          </a:lstStyle>
+          <a:lstStyle/>
           <a:p>
             <a:endParaRPr lang="fr-FR"/>
           </a:p>
@@ -3143,23 +3072,10 @@
             <p:ph type="sldNum" sz="quarter" idx="12"/>
           </p:nvPr>
         </p:nvSpPr>
-        <p:spPr>
-          <a:xfrm>
-            <a:off x="9883140" y="6453386"/>
-            <a:ext cx="1596292" cy="404614"/>
-          </a:xfrm>
-        </p:spPr>
+        <p:spPr/>
         <p:txBody>
           <a:bodyPr/>
-          <a:lstStyle>
-            <a:lvl1pPr>
-              <a:defRPr>
-                <a:solidFill>
-                  <a:schemeClr val="tx2"/>
-                </a:solidFill>
-              </a:defRPr>
-            </a:lvl1pPr>
-          </a:lstStyle>
+          <a:lstStyle/>
           <a:p>
             <a:fld id="{B3B9815D-287A-47E2-8606-DA09B9AA337D}" type="slidenum">
               <a:rPr lang="fr-FR" smtClean="0"/>
@@ -3169,48 +3085,10 @@
           </a:p>
         </p:txBody>
       </p:sp>
-      <p:sp>
-        <p:nvSpPr>
-          <p:cNvPr id="9" name="Rectangle 8" title="Divider Bar"/>
-          <p:cNvSpPr/>
-          <p:nvPr/>
-        </p:nvSpPr>
-        <p:spPr>
-          <a:xfrm>
-            <a:off x="5303520" y="376"/>
-            <a:ext cx="228600" cy="6858000"/>
-          </a:xfrm>
-          <a:prstGeom prst="rect">
-            <a:avLst/>
-          </a:prstGeom>
-          <a:solidFill>
-            <a:schemeClr val="tx2"/>
-          </a:solidFill>
-          <a:ln>
-            <a:noFill/>
-          </a:ln>
-        </p:spPr>
-        <p:style>
-          <a:lnRef idx="2">
-            <a:schemeClr val="accent1">
-              <a:shade val="50000"/>
-            </a:schemeClr>
-          </a:lnRef>
-          <a:fillRef idx="1">
-            <a:schemeClr val="accent1"/>
-          </a:fillRef>
-          <a:effectRef idx="0">
-            <a:schemeClr val="accent1"/>
-          </a:effectRef>
-          <a:fontRef idx="minor">
-            <a:schemeClr val="lt1"/>
-          </a:fontRef>
-        </p:style>
-      </p:sp>
     </p:spTree>
     <p:extLst>
       <p:ext uri="{BB962C8B-B14F-4D97-AF65-F5344CB8AC3E}">
-        <p14:creationId xmlns:p14="http://schemas.microsoft.com/office/powerpoint/2010/main" val="1482126646"/>
+        <p14:creationId xmlns:p14="http://schemas.microsoft.com/office/powerpoint/2010/main" val="2246021248"/>
       </p:ext>
     </p:extLst>
   </p:cSld>
@@ -3224,12 +3102,9 @@
 <p:sldMaster xmlns:a="http://schemas.openxmlformats.org/drawingml/2006/main" xmlns:r="http://schemas.openxmlformats.org/officeDocument/2006/relationships" xmlns:p="http://schemas.openxmlformats.org/presentationml/2006/main">
   <p:cSld>
     <p:bg>
-      <p:bgPr>
-        <a:solidFill>
-          <a:schemeClr val="bg2"/>
-        </a:solidFill>
-        <a:effectLst/>
-      </p:bgPr>
+      <p:bgRef idx="1001">
+        <a:schemeClr val="bg1"/>
+      </p:bgRef>
     </p:bg>
     <p:spTree>
       <p:nvGrpSpPr>
@@ -3247,228 +3122,20 @@
       </p:grpSpPr>
       <p:sp>
         <p:nvSpPr>
-          <p:cNvPr id="2" name="Title Placeholder 1"/>
-          <p:cNvSpPr>
-            <a:spLocks noGrp="1"/>
-          </p:cNvSpPr>
-          <p:nvPr>
-            <p:ph type="title"/>
-          </p:nvPr>
+          <p:cNvPr id="7" name="Rectangle 6"/>
+          <p:cNvSpPr/>
+          <p:nvPr/>
         </p:nvSpPr>
         <p:spPr>
           <a:xfrm>
-            <a:off x="1371600" y="685800"/>
-            <a:ext cx="9601200" cy="1485900"/>
-          </a:xfrm>
-          <a:prstGeom prst="rect">
-            <a:avLst/>
-          </a:prstGeom>
-        </p:spPr>
-        <p:txBody>
-          <a:bodyPr vert="horz" lIns="91440" tIns="45720" rIns="91440" bIns="45720" rtlCol="0" anchor="t">
-            <a:normAutofit/>
-          </a:bodyPr>
-          <a:lstStyle/>
-          <a:p>
-            <a:r>
-              <a:rPr lang="fr-FR"/>
-              <a:t>Modifiez le style du titre</a:t>
-            </a:r>
-            <a:endParaRPr lang="en-US" dirty="0"/>
-          </a:p>
-        </p:txBody>
-      </p:sp>
-      <p:sp>
-        <p:nvSpPr>
-          <p:cNvPr id="3" name="Text Placeholder 2"/>
-          <p:cNvSpPr>
-            <a:spLocks noGrp="1"/>
-          </p:cNvSpPr>
-          <p:nvPr>
-            <p:ph type="body" idx="1"/>
-          </p:nvPr>
-        </p:nvSpPr>
-        <p:spPr>
-          <a:xfrm>
-            <a:off x="1371600" y="2286000"/>
-            <a:ext cx="9601200" cy="3581400"/>
-          </a:xfrm>
-          <a:prstGeom prst="rect">
-            <a:avLst/>
-          </a:prstGeom>
-        </p:spPr>
-        <p:txBody>
-          <a:bodyPr vert="horz" lIns="91440" tIns="45720" rIns="91440" bIns="45720" rtlCol="0">
-            <a:normAutofit/>
-          </a:bodyPr>
-          <a:lstStyle/>
-          <a:p>
-            <a:pPr lvl="0"/>
-            <a:r>
-              <a:rPr lang="fr-FR"/>
-              <a:t>Cliquez pour modifier les styles du texte du masque</a:t>
-            </a:r>
-          </a:p>
-          <a:p>
-            <a:pPr lvl="1"/>
-            <a:r>
-              <a:rPr lang="fr-FR"/>
-              <a:t>Deuxième niveau</a:t>
-            </a:r>
-          </a:p>
-          <a:p>
-            <a:pPr lvl="2"/>
-            <a:r>
-              <a:rPr lang="fr-FR"/>
-              <a:t>Troisième niveau</a:t>
-            </a:r>
-          </a:p>
-          <a:p>
-            <a:pPr lvl="3"/>
-            <a:r>
-              <a:rPr lang="fr-FR"/>
-              <a:t>Quatrième niveau</a:t>
-            </a:r>
-          </a:p>
-          <a:p>
-            <a:pPr lvl="4"/>
-            <a:r>
-              <a:rPr lang="fr-FR"/>
-              <a:t>Cinquième niveau</a:t>
-            </a:r>
-            <a:endParaRPr lang="en-US" dirty="0"/>
-          </a:p>
-        </p:txBody>
-      </p:sp>
-      <p:sp>
-        <p:nvSpPr>
-          <p:cNvPr id="4" name="Date Placeholder 3"/>
-          <p:cNvSpPr>
-            <a:spLocks noGrp="1"/>
-          </p:cNvSpPr>
-          <p:nvPr>
-            <p:ph type="dt" sz="half" idx="2"/>
-          </p:nvPr>
-        </p:nvSpPr>
-        <p:spPr>
-          <a:xfrm>
-            <a:off x="1390650" y="6453386"/>
-            <a:ext cx="1204572" cy="404614"/>
-          </a:xfrm>
-          <a:prstGeom prst="rect">
-            <a:avLst/>
-          </a:prstGeom>
-        </p:spPr>
-        <p:txBody>
-          <a:bodyPr vert="horz" lIns="91440" tIns="45720" rIns="91440" bIns="45720" rtlCol="0" anchor="ctr"/>
-          <a:lstStyle>
-            <a:lvl1pPr algn="l">
-              <a:defRPr sz="1200" baseline="0">
-                <a:solidFill>
-                  <a:schemeClr val="tx2"/>
-                </a:solidFill>
-              </a:defRPr>
-            </a:lvl1pPr>
-          </a:lstStyle>
-          <a:p>
-            <a:fld id="{C79C3F50-D8CC-4C93-8A4E-A58F17A43B37}" type="datetimeFigureOut">
-              <a:rPr lang="fr-FR" smtClean="0"/>
-              <a:t>29/02/2024</a:t>
-            </a:fld>
-            <a:endParaRPr lang="fr-FR"/>
-          </a:p>
-        </p:txBody>
-      </p:sp>
-      <p:sp>
-        <p:nvSpPr>
-          <p:cNvPr id="5" name="Footer Placeholder 4"/>
-          <p:cNvSpPr>
-            <a:spLocks noGrp="1"/>
-          </p:cNvSpPr>
-          <p:nvPr>
-            <p:ph type="ftr" sz="quarter" idx="3"/>
-          </p:nvPr>
-        </p:nvSpPr>
-        <p:spPr>
-          <a:xfrm>
-            <a:off x="2893564" y="6453386"/>
-            <a:ext cx="6280830" cy="404614"/>
-          </a:xfrm>
-          <a:prstGeom prst="rect">
-            <a:avLst/>
-          </a:prstGeom>
-        </p:spPr>
-        <p:txBody>
-          <a:bodyPr vert="horz" lIns="91440" tIns="45720" rIns="91440" bIns="45720" rtlCol="0" anchor="ctr"/>
-          <a:lstStyle>
-            <a:lvl1pPr algn="l">
-              <a:defRPr sz="1200" baseline="0">
-                <a:solidFill>
-                  <a:schemeClr val="tx2"/>
-                </a:solidFill>
-              </a:defRPr>
-            </a:lvl1pPr>
-          </a:lstStyle>
-          <a:p>
-            <a:endParaRPr lang="fr-FR"/>
-          </a:p>
-        </p:txBody>
-      </p:sp>
-      <p:sp>
-        <p:nvSpPr>
-          <p:cNvPr id="6" name="Slide Number Placeholder 5"/>
-          <p:cNvSpPr>
-            <a:spLocks noGrp="1"/>
-          </p:cNvSpPr>
-          <p:nvPr>
-            <p:ph type="sldNum" sz="quarter" idx="4"/>
-          </p:nvPr>
-        </p:nvSpPr>
-        <p:spPr>
-          <a:xfrm>
-            <a:off x="9472736" y="6453386"/>
-            <a:ext cx="1596292" cy="404614"/>
-          </a:xfrm>
-          <a:prstGeom prst="rect">
-            <a:avLst/>
-          </a:prstGeom>
-        </p:spPr>
-        <p:txBody>
-          <a:bodyPr vert="horz" lIns="91440" tIns="45720" rIns="91440" bIns="45720" rtlCol="0" anchor="ctr"/>
-          <a:lstStyle>
-            <a:lvl1pPr algn="r">
-              <a:defRPr sz="1200" baseline="0">
-                <a:solidFill>
-                  <a:schemeClr val="tx2"/>
-                </a:solidFill>
-              </a:defRPr>
-            </a:lvl1pPr>
-          </a:lstStyle>
-          <a:p>
-            <a:fld id="{B3B9815D-287A-47E2-8606-DA09B9AA337D}" type="slidenum">
-              <a:rPr lang="fr-FR" smtClean="0"/>
-              <a:t>‹N°›</a:t>
-            </a:fld>
-            <a:endParaRPr lang="fr-FR"/>
-          </a:p>
-        </p:txBody>
-      </p:sp>
-      <p:sp>
-        <p:nvSpPr>
-          <p:cNvPr id="9" name="Rectangle 8" title="Side bar"/>
-          <p:cNvSpPr/>
-          <p:nvPr/>
-        </p:nvSpPr>
-        <p:spPr>
-          <a:xfrm>
-            <a:off x="478095" y="376"/>
-            <a:ext cx="228600" cy="6858000"/>
+            <a:off x="1" y="6400800"/>
+            <a:ext cx="12192000" cy="457200"/>
           </a:xfrm>
           <a:prstGeom prst="rect">
             <a:avLst/>
           </a:prstGeom>
           <a:solidFill>
-            <a:schemeClr val="tx2"/>
+            <a:schemeClr val="accent2"/>
           </a:solidFill>
           <a:ln>
             <a:noFill/>
@@ -3491,40 +3158,327 @@
           </a:fontRef>
         </p:style>
       </p:sp>
+      <p:sp>
+        <p:nvSpPr>
+          <p:cNvPr id="9" name="Rectangle 8"/>
+          <p:cNvSpPr/>
+          <p:nvPr/>
+        </p:nvSpPr>
+        <p:spPr>
+          <a:xfrm>
+            <a:off x="0" y="6334316"/>
+            <a:ext cx="12192001" cy="65998"/>
+          </a:xfrm>
+          <a:prstGeom prst="rect">
+            <a:avLst/>
+          </a:prstGeom>
+          <a:solidFill>
+            <a:schemeClr val="accent1"/>
+          </a:solidFill>
+          <a:ln>
+            <a:noFill/>
+          </a:ln>
+        </p:spPr>
+        <p:style>
+          <a:lnRef idx="2">
+            <a:schemeClr val="accent1">
+              <a:shade val="50000"/>
+            </a:schemeClr>
+          </a:lnRef>
+          <a:fillRef idx="1">
+            <a:schemeClr val="accent1"/>
+          </a:fillRef>
+          <a:effectRef idx="0">
+            <a:schemeClr val="accent1"/>
+          </a:effectRef>
+          <a:fontRef idx="minor">
+            <a:schemeClr val="lt1"/>
+          </a:fontRef>
+        </p:style>
+      </p:sp>
+      <p:sp>
+        <p:nvSpPr>
+          <p:cNvPr id="2" name="Title Placeholder 1"/>
+          <p:cNvSpPr>
+            <a:spLocks noGrp="1"/>
+          </p:cNvSpPr>
+          <p:nvPr>
+            <p:ph type="title"/>
+          </p:nvPr>
+        </p:nvSpPr>
+        <p:spPr>
+          <a:xfrm>
+            <a:off x="1097280" y="286603"/>
+            <a:ext cx="10058400" cy="1450757"/>
+          </a:xfrm>
+          <a:prstGeom prst="rect">
+            <a:avLst/>
+          </a:prstGeom>
+        </p:spPr>
+        <p:txBody>
+          <a:bodyPr vert="horz" lIns="91440" tIns="45720" rIns="91440" bIns="45720" rtlCol="0" anchor="b">
+            <a:normAutofit/>
+          </a:bodyPr>
+          <a:lstStyle/>
+          <a:p>
+            <a:r>
+              <a:rPr lang="fr-FR"/>
+              <a:t>Modifiez le style du titre</a:t>
+            </a:r>
+            <a:endParaRPr lang="en-US" dirty="0"/>
+          </a:p>
+        </p:txBody>
+      </p:sp>
+      <p:sp>
+        <p:nvSpPr>
+          <p:cNvPr id="3" name="Text Placeholder 2"/>
+          <p:cNvSpPr>
+            <a:spLocks noGrp="1"/>
+          </p:cNvSpPr>
+          <p:nvPr>
+            <p:ph type="body" idx="1"/>
+          </p:nvPr>
+        </p:nvSpPr>
+        <p:spPr>
+          <a:xfrm>
+            <a:off x="1097280" y="1845734"/>
+            <a:ext cx="10058400" cy="4023360"/>
+          </a:xfrm>
+          <a:prstGeom prst="rect">
+            <a:avLst/>
+          </a:prstGeom>
+        </p:spPr>
+        <p:txBody>
+          <a:bodyPr vert="horz" lIns="0" tIns="45720" rIns="0" bIns="45720" rtlCol="0">
+            <a:normAutofit/>
+          </a:bodyPr>
+          <a:lstStyle/>
+          <a:p>
+            <a:pPr lvl="0"/>
+            <a:r>
+              <a:rPr lang="fr-FR"/>
+              <a:t>Cliquez pour modifier les styles du texte du masque</a:t>
+            </a:r>
+          </a:p>
+          <a:p>
+            <a:pPr lvl="1"/>
+            <a:r>
+              <a:rPr lang="fr-FR"/>
+              <a:t>Deuxième niveau</a:t>
+            </a:r>
+          </a:p>
+          <a:p>
+            <a:pPr lvl="2"/>
+            <a:r>
+              <a:rPr lang="fr-FR"/>
+              <a:t>Troisième niveau</a:t>
+            </a:r>
+          </a:p>
+          <a:p>
+            <a:pPr lvl="3"/>
+            <a:r>
+              <a:rPr lang="fr-FR"/>
+              <a:t>Quatrième niveau</a:t>
+            </a:r>
+          </a:p>
+          <a:p>
+            <a:pPr lvl="4"/>
+            <a:r>
+              <a:rPr lang="fr-FR"/>
+              <a:t>Cinquième niveau</a:t>
+            </a:r>
+            <a:endParaRPr lang="en-US" dirty="0"/>
+          </a:p>
+        </p:txBody>
+      </p:sp>
+      <p:sp>
+        <p:nvSpPr>
+          <p:cNvPr id="4" name="Date Placeholder 3"/>
+          <p:cNvSpPr>
+            <a:spLocks noGrp="1"/>
+          </p:cNvSpPr>
+          <p:nvPr>
+            <p:ph type="dt" sz="half" idx="2"/>
+          </p:nvPr>
+        </p:nvSpPr>
+        <p:spPr>
+          <a:xfrm>
+            <a:off x="1097280" y="6459785"/>
+            <a:ext cx="2472271" cy="365125"/>
+          </a:xfrm>
+          <a:prstGeom prst="rect">
+            <a:avLst/>
+          </a:prstGeom>
+        </p:spPr>
+        <p:txBody>
+          <a:bodyPr vert="horz" lIns="91440" tIns="45720" rIns="91440" bIns="45720" rtlCol="0" anchor="ctr"/>
+          <a:lstStyle>
+            <a:lvl1pPr algn="l">
+              <a:defRPr sz="900">
+                <a:solidFill>
+                  <a:srgbClr val="FFFFFF"/>
+                </a:solidFill>
+              </a:defRPr>
+            </a:lvl1pPr>
+          </a:lstStyle>
+          <a:p>
+            <a:fld id="{C79C3F50-D8CC-4C93-8A4E-A58F17A43B37}" type="datetimeFigureOut">
+              <a:rPr lang="fr-FR" smtClean="0"/>
+              <a:t>07/07/2024</a:t>
+            </a:fld>
+            <a:endParaRPr lang="fr-FR"/>
+          </a:p>
+        </p:txBody>
+      </p:sp>
+      <p:sp>
+        <p:nvSpPr>
+          <p:cNvPr id="5" name="Footer Placeholder 4"/>
+          <p:cNvSpPr>
+            <a:spLocks noGrp="1"/>
+          </p:cNvSpPr>
+          <p:nvPr>
+            <p:ph type="ftr" sz="quarter" idx="3"/>
+          </p:nvPr>
+        </p:nvSpPr>
+        <p:spPr>
+          <a:xfrm>
+            <a:off x="3686185" y="6459785"/>
+            <a:ext cx="4822804" cy="365125"/>
+          </a:xfrm>
+          <a:prstGeom prst="rect">
+            <a:avLst/>
+          </a:prstGeom>
+        </p:spPr>
+        <p:txBody>
+          <a:bodyPr vert="horz" lIns="91440" tIns="45720" rIns="91440" bIns="45720" rtlCol="0" anchor="ctr"/>
+          <a:lstStyle>
+            <a:lvl1pPr algn="ctr">
+              <a:defRPr sz="900" cap="all" baseline="0">
+                <a:solidFill>
+                  <a:srgbClr val="FFFFFF"/>
+                </a:solidFill>
+              </a:defRPr>
+            </a:lvl1pPr>
+          </a:lstStyle>
+          <a:p>
+            <a:endParaRPr lang="fr-FR"/>
+          </a:p>
+        </p:txBody>
+      </p:sp>
+      <p:sp>
+        <p:nvSpPr>
+          <p:cNvPr id="6" name="Slide Number Placeholder 5"/>
+          <p:cNvSpPr>
+            <a:spLocks noGrp="1"/>
+          </p:cNvSpPr>
+          <p:nvPr>
+            <p:ph type="sldNum" sz="quarter" idx="4"/>
+          </p:nvPr>
+        </p:nvSpPr>
+        <p:spPr>
+          <a:xfrm>
+            <a:off x="9900458" y="6459785"/>
+            <a:ext cx="1312025" cy="365125"/>
+          </a:xfrm>
+          <a:prstGeom prst="rect">
+            <a:avLst/>
+          </a:prstGeom>
+        </p:spPr>
+        <p:txBody>
+          <a:bodyPr vert="horz" lIns="91440" tIns="45720" rIns="91440" bIns="45720" rtlCol="0" anchor="ctr"/>
+          <a:lstStyle>
+            <a:lvl1pPr algn="r">
+              <a:defRPr sz="1050">
+                <a:solidFill>
+                  <a:srgbClr val="FFFFFF"/>
+                </a:solidFill>
+              </a:defRPr>
+            </a:lvl1pPr>
+          </a:lstStyle>
+          <a:p>
+            <a:fld id="{B3B9815D-287A-47E2-8606-DA09B9AA337D}" type="slidenum">
+              <a:rPr lang="fr-FR" smtClean="0"/>
+              <a:t>‹N°›</a:t>
+            </a:fld>
+            <a:endParaRPr lang="fr-FR"/>
+          </a:p>
+        </p:txBody>
+      </p:sp>
+      <p:cxnSp>
+        <p:nvCxnSpPr>
+          <p:cNvPr id="10" name="Straight Connector 9"/>
+          <p:cNvCxnSpPr/>
+          <p:nvPr/>
+        </p:nvCxnSpPr>
+        <p:spPr>
+          <a:xfrm>
+            <a:off x="1193532" y="1737845"/>
+            <a:ext cx="9966960" cy="0"/>
+          </a:xfrm>
+          <a:prstGeom prst="line">
+            <a:avLst/>
+          </a:prstGeom>
+          <a:ln w="6350">
+            <a:solidFill>
+              <a:schemeClr val="tx1">
+                <a:lumMod val="50000"/>
+                <a:lumOff val="50000"/>
+              </a:schemeClr>
+            </a:solidFill>
+          </a:ln>
+        </p:spPr>
+        <p:style>
+          <a:lnRef idx="1">
+            <a:schemeClr val="accent1"/>
+          </a:lnRef>
+          <a:fillRef idx="0">
+            <a:schemeClr val="accent1"/>
+          </a:fillRef>
+          <a:effectRef idx="0">
+            <a:schemeClr val="accent1"/>
+          </a:effectRef>
+          <a:fontRef idx="minor">
+            <a:schemeClr val="tx1"/>
+          </a:fontRef>
+        </p:style>
+      </p:cxnSp>
     </p:spTree>
     <p:extLst>
       <p:ext uri="{BB962C8B-B14F-4D97-AF65-F5344CB8AC3E}">
-        <p14:creationId xmlns:p14="http://schemas.microsoft.com/office/powerpoint/2010/main" val="949351876"/>
+        <p14:creationId xmlns:p14="http://schemas.microsoft.com/office/powerpoint/2010/main" val="2768893032"/>
       </p:ext>
     </p:extLst>
   </p:cSld>
   <p:clrMap bg1="lt1" tx1="dk1" bg2="lt2" tx2="dk2" accent1="accent1" accent2="accent2" accent3="accent3" accent4="accent4" accent5="accent5" accent6="accent6" hlink="hlink" folHlink="folHlink"/>
   <p:sldLayoutIdLst>
-    <p:sldLayoutId id="2147483738" r:id="rId1"/>
-    <p:sldLayoutId id="2147483739" r:id="rId2"/>
-    <p:sldLayoutId id="2147483740" r:id="rId3"/>
-    <p:sldLayoutId id="2147483741" r:id="rId4"/>
-    <p:sldLayoutId id="2147483742" r:id="rId5"/>
-    <p:sldLayoutId id="2147483743" r:id="rId6"/>
-    <p:sldLayoutId id="2147483744" r:id="rId7"/>
-    <p:sldLayoutId id="2147483745" r:id="rId8"/>
-    <p:sldLayoutId id="2147483746" r:id="rId9"/>
-    <p:sldLayoutId id="2147483747" r:id="rId10"/>
-    <p:sldLayoutId id="2147483748" r:id="rId11"/>
+    <p:sldLayoutId id="2147483779" r:id="rId1"/>
+    <p:sldLayoutId id="2147483780" r:id="rId2"/>
+    <p:sldLayoutId id="2147483781" r:id="rId3"/>
+    <p:sldLayoutId id="2147483782" r:id="rId4"/>
+    <p:sldLayoutId id="2147483783" r:id="rId5"/>
+    <p:sldLayoutId id="2147483784" r:id="rId6"/>
+    <p:sldLayoutId id="2147483785" r:id="rId7"/>
+    <p:sldLayoutId id="2147483786" r:id="rId8"/>
+    <p:sldLayoutId id="2147483787" r:id="rId9"/>
+    <p:sldLayoutId id="2147483788" r:id="rId10"/>
+    <p:sldLayoutId id="2147483789" r:id="rId11"/>
   </p:sldLayoutIdLst>
   <p:txStyles>
     <p:titleStyle>
       <a:lvl1pPr algn="l" defTabSz="914400" rtl="0" eaLnBrk="1" latinLnBrk="0" hangingPunct="1">
         <a:lnSpc>
-          <a:spcPct val="89000"/>
+          <a:spcPct val="85000"/>
         </a:lnSpc>
         <a:spcBef>
           <a:spcPct val="0"/>
         </a:spcBef>
         <a:buNone/>
-        <a:defRPr sz="4400" kern="1200" baseline="0">
+        <a:defRPr sz="4800" kern="1200" spc="-50" baseline="0">
           <a:solidFill>
-            <a:schemeClr val="tx2"/>
+            <a:schemeClr val="tx1">
+              <a:lumMod val="75000"/>
+              <a:lumOff val="25000"/>
+            </a:schemeClr>
           </a:solidFill>
           <a:latin typeface="+mj-lt"/>
           <a:ea typeface="+mj-ea"/>
@@ -3533,189 +3487,244 @@
       </a:lvl1pPr>
     </p:titleStyle>
     <p:bodyStyle>
-      <a:lvl1pPr marL="384048" indent="-384048" algn="l" defTabSz="914400" rtl="0" eaLnBrk="1" latinLnBrk="0" hangingPunct="1">
+      <a:lvl1pPr marL="91440" indent="-91440" algn="l" defTabSz="914400" rtl="0" eaLnBrk="1" latinLnBrk="0" hangingPunct="1">
         <a:lnSpc>
-          <a:spcPct val="94000"/>
+          <a:spcPct val="90000"/>
         </a:lnSpc>
         <a:spcBef>
-          <a:spcPts val="1000"/>
+          <a:spcPts val="1200"/>
         </a:spcBef>
         <a:spcAft>
           <a:spcPts val="200"/>
         </a:spcAft>
-        <a:buFont typeface="Franklin Gothic Book" panose="020B0503020102020204" pitchFamily="34" charset="0"/>
-        <a:buChar char="■"/>
-        <a:defRPr sz="2000" kern="1200" baseline="0">
+        <a:buClr>
+          <a:schemeClr val="accent1"/>
+        </a:buClr>
+        <a:buSzPct val="100000"/>
+        <a:buFont typeface="Calibri" panose="020F0502020204030204" pitchFamily="34" charset="0"/>
+        <a:buChar char=" "/>
+        <a:defRPr sz="2000" kern="1200">
           <a:solidFill>
-            <a:schemeClr val="tx2"/>
+            <a:schemeClr val="tx1">
+              <a:lumMod val="75000"/>
+              <a:lumOff val="25000"/>
+            </a:schemeClr>
           </a:solidFill>
           <a:latin typeface="+mn-lt"/>
           <a:ea typeface="+mn-ea"/>
           <a:cs typeface="+mn-cs"/>
         </a:defRPr>
       </a:lvl1pPr>
-      <a:lvl2pPr marL="914400" indent="-384048" algn="l" defTabSz="914400" rtl="0" eaLnBrk="1" latinLnBrk="0" hangingPunct="1">
+      <a:lvl2pPr marL="384048" indent="-182880" algn="l" defTabSz="914400" rtl="0" eaLnBrk="1" latinLnBrk="0" hangingPunct="1">
         <a:lnSpc>
-          <a:spcPct val="94000"/>
+          <a:spcPct val="90000"/>
         </a:lnSpc>
         <a:spcBef>
-          <a:spcPts val="500"/>
+          <a:spcPts val="200"/>
         </a:spcBef>
         <a:spcAft>
-          <a:spcPts val="200"/>
+          <a:spcPts val="400"/>
         </a:spcAft>
-        <a:buFont typeface="Franklin Gothic Book" panose="020B0503020102020204" pitchFamily="34" charset="0"/>
-        <a:buChar char="–"/>
-        <a:defRPr sz="2000" i="1" kern="1200" baseline="0">
+        <a:buClr>
+          <a:schemeClr val="accent1"/>
+        </a:buClr>
+        <a:buFont typeface="Calibri" pitchFamily="34" charset="0"/>
+        <a:buChar char="◦"/>
+        <a:defRPr sz="1800" kern="1200">
           <a:solidFill>
-            <a:schemeClr val="tx2"/>
+            <a:schemeClr val="tx1">
+              <a:lumMod val="75000"/>
+              <a:lumOff val="25000"/>
+            </a:schemeClr>
           </a:solidFill>
           <a:latin typeface="+mn-lt"/>
           <a:ea typeface="+mn-ea"/>
           <a:cs typeface="+mn-cs"/>
         </a:defRPr>
       </a:lvl2pPr>
-      <a:lvl3pPr marL="1371600" indent="-384048" algn="l" defTabSz="914400" rtl="0" eaLnBrk="1" latinLnBrk="0" hangingPunct="1">
+      <a:lvl3pPr marL="566928" indent="-182880" algn="l" defTabSz="914400" rtl="0" eaLnBrk="1" latinLnBrk="0" hangingPunct="1">
         <a:lnSpc>
-          <a:spcPct val="94000"/>
+          <a:spcPct val="90000"/>
         </a:lnSpc>
         <a:spcBef>
-          <a:spcPts val="500"/>
+          <a:spcPts val="200"/>
         </a:spcBef>
         <a:spcAft>
-          <a:spcPts val="200"/>
+          <a:spcPts val="400"/>
         </a:spcAft>
-        <a:buFont typeface="Franklin Gothic Book" panose="020B0503020102020204" pitchFamily="34" charset="0"/>
-        <a:buChar char="■"/>
-        <a:defRPr sz="1800" kern="1200" baseline="0">
+        <a:buClr>
+          <a:schemeClr val="accent1"/>
+        </a:buClr>
+        <a:buFont typeface="Calibri" pitchFamily="34" charset="0"/>
+        <a:buChar char="◦"/>
+        <a:defRPr sz="1400" kern="1200">
           <a:solidFill>
-            <a:schemeClr val="tx2"/>
+            <a:schemeClr val="tx1">
+              <a:lumMod val="75000"/>
+              <a:lumOff val="25000"/>
+            </a:schemeClr>
           </a:solidFill>
           <a:latin typeface="+mn-lt"/>
           <a:ea typeface="+mn-ea"/>
           <a:cs typeface="+mn-cs"/>
         </a:defRPr>
       </a:lvl3pPr>
-      <a:lvl4pPr marL="1828800" indent="-384048" algn="l" defTabSz="914400" rtl="0" eaLnBrk="1" latinLnBrk="0" hangingPunct="1">
+      <a:lvl4pPr marL="749808" indent="-182880" algn="l" defTabSz="914400" rtl="0" eaLnBrk="1" latinLnBrk="0" hangingPunct="1">
         <a:lnSpc>
-          <a:spcPct val="94000"/>
+          <a:spcPct val="90000"/>
         </a:lnSpc>
         <a:spcBef>
-          <a:spcPts val="500"/>
+          <a:spcPts val="200"/>
         </a:spcBef>
         <a:spcAft>
-          <a:spcPts val="200"/>
+          <a:spcPts val="400"/>
         </a:spcAft>
-        <a:buFont typeface="Franklin Gothic Book" panose="020B0503020102020204" pitchFamily="34" charset="0"/>
-        <a:buChar char="–"/>
-        <a:defRPr sz="1800" i="1" kern="1200" baseline="0">
+        <a:buClr>
+          <a:schemeClr val="accent1"/>
+        </a:buClr>
+        <a:buFont typeface="Calibri" pitchFamily="34" charset="0"/>
+        <a:buChar char="◦"/>
+        <a:defRPr sz="1400" kern="1200">
           <a:solidFill>
-            <a:schemeClr val="tx2"/>
+            <a:schemeClr val="tx1">
+              <a:lumMod val="75000"/>
+              <a:lumOff val="25000"/>
+            </a:schemeClr>
           </a:solidFill>
           <a:latin typeface="+mn-lt"/>
           <a:ea typeface="+mn-ea"/>
           <a:cs typeface="+mn-cs"/>
         </a:defRPr>
       </a:lvl4pPr>
-      <a:lvl5pPr marL="2286000" indent="-384048" algn="l" defTabSz="914400" rtl="0" eaLnBrk="1" latinLnBrk="0" hangingPunct="1">
+      <a:lvl5pPr marL="932688" indent="-182880" algn="l" defTabSz="914400" rtl="0" eaLnBrk="1" latinLnBrk="0" hangingPunct="1">
         <a:lnSpc>
-          <a:spcPct val="94000"/>
+          <a:spcPct val="90000"/>
         </a:lnSpc>
         <a:spcBef>
-          <a:spcPts val="500"/>
+          <a:spcPts val="200"/>
         </a:spcBef>
         <a:spcAft>
-          <a:spcPts val="200"/>
+          <a:spcPts val="400"/>
         </a:spcAft>
-        <a:buFont typeface="Franklin Gothic Book" panose="020B0503020102020204" pitchFamily="34" charset="0"/>
-        <a:buChar char="■"/>
-        <a:defRPr sz="1600" kern="1200" baseline="0">
+        <a:buClr>
+          <a:schemeClr val="accent1"/>
+        </a:buClr>
+        <a:buFont typeface="Calibri" pitchFamily="34" charset="0"/>
+        <a:buChar char="◦"/>
+        <a:defRPr sz="1400" kern="1200">
           <a:solidFill>
-            <a:schemeClr val="tx2"/>
+            <a:schemeClr val="tx1">
+              <a:lumMod val="75000"/>
+              <a:lumOff val="25000"/>
+            </a:schemeClr>
           </a:solidFill>
           <a:latin typeface="+mn-lt"/>
           <a:ea typeface="+mn-ea"/>
           <a:cs typeface="+mn-cs"/>
         </a:defRPr>
       </a:lvl5pPr>
-      <a:lvl6pPr marL="2743200" indent="-384048" algn="l" defTabSz="914400" rtl="0" eaLnBrk="1" latinLnBrk="0" hangingPunct="1">
+      <a:lvl6pPr marL="1100000" indent="-228600" algn="l" defTabSz="914400" rtl="0" eaLnBrk="1" latinLnBrk="0" hangingPunct="1">
         <a:lnSpc>
-          <a:spcPct val="94000"/>
+          <a:spcPct val="90000"/>
         </a:lnSpc>
         <a:spcBef>
-          <a:spcPts val="500"/>
+          <a:spcPts val="200"/>
         </a:spcBef>
         <a:spcAft>
-          <a:spcPts val="200"/>
+          <a:spcPts val="400"/>
         </a:spcAft>
-        <a:buFont typeface="Franklin Gothic Book" panose="020B0503020102020204" pitchFamily="34" charset="0"/>
-        <a:buChar char="–"/>
-        <a:defRPr sz="1600" i="1" kern="1200" baseline="0">
+        <a:buClr>
+          <a:schemeClr val="accent1"/>
+        </a:buClr>
+        <a:buFont typeface="Calibri" pitchFamily="34" charset="0"/>
+        <a:buChar char="◦"/>
+        <a:defRPr sz="1400" kern="1200">
           <a:solidFill>
-            <a:schemeClr val="tx2"/>
+            <a:schemeClr val="tx1">
+              <a:lumMod val="75000"/>
+              <a:lumOff val="25000"/>
+            </a:schemeClr>
           </a:solidFill>
           <a:latin typeface="+mn-lt"/>
           <a:ea typeface="+mn-ea"/>
           <a:cs typeface="+mn-cs"/>
         </a:defRPr>
       </a:lvl6pPr>
-      <a:lvl7pPr marL="3200400" indent="-384048" algn="l" defTabSz="914400" rtl="0" eaLnBrk="1" latinLnBrk="0" hangingPunct="1">
+      <a:lvl7pPr marL="1300000" indent="-228600" algn="l" defTabSz="914400" rtl="0" eaLnBrk="1" latinLnBrk="0" hangingPunct="1">
         <a:lnSpc>
-          <a:spcPct val="94000"/>
+          <a:spcPct val="90000"/>
         </a:lnSpc>
         <a:spcBef>
-          <a:spcPts val="500"/>
+          <a:spcPts val="200"/>
         </a:spcBef>
         <a:spcAft>
-          <a:spcPts val="200"/>
+          <a:spcPts val="400"/>
         </a:spcAft>
-        <a:buFont typeface="Franklin Gothic Book" panose="020B0503020102020204" pitchFamily="34" charset="0"/>
-        <a:buChar char="■"/>
-        <a:defRPr sz="1400" kern="1200" baseline="0">
+        <a:buClr>
+          <a:schemeClr val="accent1"/>
+        </a:buClr>
+        <a:buFont typeface="Calibri" pitchFamily="34" charset="0"/>
+        <a:buChar char="◦"/>
+        <a:defRPr sz="1400" kern="1200">
           <a:solidFill>
-            <a:schemeClr val="tx2"/>
+            <a:schemeClr val="tx1">
+              <a:lumMod val="75000"/>
+              <a:lumOff val="25000"/>
+            </a:schemeClr>
           </a:solidFill>
           <a:latin typeface="+mn-lt"/>
           <a:ea typeface="+mn-ea"/>
           <a:cs typeface="+mn-cs"/>
         </a:defRPr>
       </a:lvl7pPr>
-      <a:lvl8pPr marL="3657600" indent="-384048" algn="l" defTabSz="914400" rtl="0" eaLnBrk="1" latinLnBrk="0" hangingPunct="1">
+      <a:lvl8pPr marL="1500000" indent="-228600" algn="l" defTabSz="914400" rtl="0" eaLnBrk="1" latinLnBrk="0" hangingPunct="1">
         <a:lnSpc>
-          <a:spcPct val="94000"/>
+          <a:spcPct val="90000"/>
         </a:lnSpc>
         <a:spcBef>
-          <a:spcPts val="500"/>
+          <a:spcPts val="200"/>
         </a:spcBef>
         <a:spcAft>
-          <a:spcPts val="200"/>
+          <a:spcPts val="400"/>
         </a:spcAft>
-        <a:buFont typeface="Franklin Gothic Book" panose="020B0503020102020204" pitchFamily="34" charset="0"/>
-        <a:buChar char="–"/>
-        <a:defRPr sz="1400" i="1" kern="1200" baseline="0">
+        <a:buClr>
+          <a:schemeClr val="accent1"/>
+        </a:buClr>
+        <a:buFont typeface="Calibri" pitchFamily="34" charset="0"/>
+        <a:buChar char="◦"/>
+        <a:defRPr sz="1400" kern="1200">
           <a:solidFill>
-            <a:schemeClr val="tx2"/>
+            <a:schemeClr val="tx1">
+              <a:lumMod val="75000"/>
+              <a:lumOff val="25000"/>
+            </a:schemeClr>
           </a:solidFill>
           <a:latin typeface="+mn-lt"/>
           <a:ea typeface="+mn-ea"/>
           <a:cs typeface="+mn-cs"/>
         </a:defRPr>
       </a:lvl8pPr>
-      <a:lvl9pPr marL="4114800" indent="-384048" algn="l" defTabSz="914400" rtl="0" eaLnBrk="1" latinLnBrk="0" hangingPunct="1">
+      <a:lvl9pPr marL="1700000" indent="-228600" algn="l" defTabSz="914400" rtl="0" eaLnBrk="1" latinLnBrk="0" hangingPunct="1">
         <a:lnSpc>
-          <a:spcPct val="94000"/>
+          <a:spcPct val="90000"/>
         </a:lnSpc>
         <a:spcBef>
-          <a:spcPts val="500"/>
+          <a:spcPts val="200"/>
         </a:spcBef>
         <a:spcAft>
-          <a:spcPts val="200"/>
+          <a:spcPts val="400"/>
         </a:spcAft>
-        <a:buFont typeface="Franklin Gothic Book" panose="020B0503020102020204" pitchFamily="34" charset="0"/>
-        <a:buChar char="■"/>
-        <a:defRPr sz="1400" kern="1200" baseline="0">
+        <a:buClr>
+          <a:schemeClr val="accent1"/>
+        </a:buClr>
+        <a:buFont typeface="Calibri" pitchFamily="34" charset="0"/>
+        <a:buChar char="◦"/>
+        <a:defRPr sz="1400" kern="1200">
           <a:solidFill>
-            <a:schemeClr val="tx2"/>
+            <a:schemeClr val="tx1">
+              <a:lumMod val="75000"/>
+              <a:lumOff val="25000"/>
+            </a:schemeClr>
           </a:solidFill>
           <a:latin typeface="+mn-lt"/>
           <a:ea typeface="+mn-ea"/>
@@ -3821,48 +3830,7 @@
   </p:txStyles>
   <p:extLst>
     <p:ext uri="{27BBF7A9-308A-43DC-89C8-2F10F3537804}">
-      <p15:sldGuideLst xmlns:p15="http://schemas.microsoft.com/office/powerpoint/2012/main">
-        <p15:guide id="3" orient="horz" pos="1368">
-          <p15:clr>
-            <a:srgbClr val="F26B43"/>
-          </p15:clr>
-        </p15:guide>
-        <p15:guide id="4" orient="horz" pos="1440">
-          <p15:clr>
-            <a:srgbClr val="F26B43"/>
-          </p15:clr>
-        </p15:guide>
-        <p15:guide id="6" orient="horz" pos="3696">
-          <p15:clr>
-            <a:srgbClr val="F26B43"/>
-          </p15:clr>
-        </p15:guide>
-        <p15:guide id="7" orient="horz" pos="432">
-          <p15:clr>
-            <a:srgbClr val="F26B43"/>
-          </p15:clr>
-        </p15:guide>
-        <p15:guide id="8" orient="horz" pos="1512">
-          <p15:clr>
-            <a:srgbClr val="F26B43"/>
-          </p15:clr>
-        </p15:guide>
-        <p15:guide id="9" pos="6912">
-          <p15:clr>
-            <a:srgbClr val="F26B43"/>
-          </p15:clr>
-        </p15:guide>
-        <p15:guide id="10" pos="936">
-          <p15:clr>
-            <a:srgbClr val="F26B43"/>
-          </p15:clr>
-        </p15:guide>
-        <p15:guide id="11" pos="864">
-          <p15:clr>
-            <a:srgbClr val="F26B43"/>
-          </p15:clr>
-        </p15:guide>
-      </p15:sldGuideLst>
+      <p15:sldGuideLst xmlns:p15="http://schemas.microsoft.com/office/powerpoint/2012/main"/>
     </p:ext>
   </p:extLst>
 </p:sldMaster>
@@ -5270,7 +5238,7 @@
         <p:spPr/>
         <p:txBody>
           <a:bodyPr>
-            <a:normAutofit fontScale="92500" lnSpcReduction="10000"/>
+            <a:normAutofit/>
           </a:bodyPr>
           <a:lstStyle/>
           <a:p>
@@ -5994,7 +5962,7 @@
         </p:spPr>
         <p:txBody>
           <a:bodyPr>
-            <a:normAutofit fontScale="62500" lnSpcReduction="20000"/>
+            <a:normAutofit fontScale="85000" lnSpcReduction="20000"/>
           </a:bodyPr>
           <a:lstStyle/>
           <a:p>
@@ -6210,7 +6178,7 @@
         <p:spPr/>
         <p:txBody>
           <a:bodyPr>
-            <a:normAutofit fontScale="77500" lnSpcReduction="20000"/>
+            <a:normAutofit lnSpcReduction="10000"/>
           </a:bodyPr>
           <a:lstStyle/>
           <a:p>
@@ -6394,7 +6362,7 @@
         </p:spPr>
         <p:txBody>
           <a:bodyPr>
-            <a:normAutofit fontScale="62500" lnSpcReduction="20000"/>
+            <a:normAutofit fontScale="77500" lnSpcReduction="20000"/>
           </a:bodyPr>
           <a:lstStyle/>
           <a:p>
@@ -7948,58 +7916,93 @@
 </file>
 
 <file path=ppt/theme/theme1.xml><?xml version="1.0" encoding="utf-8"?>
-<a:theme xmlns:a="http://schemas.openxmlformats.org/drawingml/2006/main" name="Cadrage">
+<a:theme xmlns:a="http://schemas.openxmlformats.org/drawingml/2006/main" name="Rétrospective">
   <a:themeElements>
-    <a:clrScheme name="Cadrage">
+    <a:clrScheme name="Rétrospective">
       <a:dk1>
-        <a:sysClr val="windowText" lastClr="000000"/>
+        <a:srgbClr val="000000"/>
       </a:dk1>
       <a:lt1>
         <a:sysClr val="window" lastClr="FFFFFF"/>
       </a:lt1>
       <a:dk2>
-        <a:srgbClr val="191B0E"/>
+        <a:srgbClr val="637052"/>
       </a:dk2>
       <a:lt2>
-        <a:srgbClr val="EFEDE3"/>
+        <a:srgbClr val="CCDDEA"/>
       </a:lt2>
       <a:accent1>
-        <a:srgbClr val="8C8D86"/>
+        <a:srgbClr val="E48312"/>
       </a:accent1>
       <a:accent2>
-        <a:srgbClr val="E6C069"/>
+        <a:srgbClr val="BD582C"/>
       </a:accent2>
       <a:accent3>
-        <a:srgbClr val="897B61"/>
+        <a:srgbClr val="865640"/>
       </a:accent3>
       <a:accent4>
-        <a:srgbClr val="8DAB8E"/>
+        <a:srgbClr val="9B8357"/>
       </a:accent4>
       <a:accent5>
-        <a:srgbClr val="77A2BB"/>
+        <a:srgbClr val="C2BC80"/>
       </a:accent5>
       <a:accent6>
-        <a:srgbClr val="E28394"/>
+        <a:srgbClr val="94A088"/>
       </a:accent6>
       <a:hlink>
-        <a:srgbClr val="77A2BB"/>
+        <a:srgbClr val="2998E3"/>
       </a:hlink>
       <a:folHlink>
-        <a:srgbClr val="957A99"/>
+        <a:srgbClr val="8C8C8C"/>
       </a:folHlink>
     </a:clrScheme>
-    <a:fontScheme name="Cadrage">
+    <a:fontScheme name="Rétrospective">
       <a:majorFont>
-        <a:latin typeface="Franklin Gothic Book" panose="020B0503020102020204"/>
+        <a:latin typeface="Calibri Light" panose="020F0302020204030204"/>
         <a:ea typeface=""/>
         <a:cs typeface=""/>
-        <a:font script="Jpan" typeface="メイリオ"/>
-        <a:font script="Hang" typeface="돋움"/>
-        <a:font script="Hans" typeface="华文楷体"/>
-        <a:font script="Hant" typeface="微軟正黑體"/>
-        <a:font script="Arab" typeface="Tahoma"/>
-        <a:font script="Hebr" typeface="Aharoni"/>
-        <a:font script="Thai" typeface="LilyUPC"/>
+        <a:font script="Jpan" typeface="ＭＳ Ｐゴシック"/>
+        <a:font script="Hang" typeface="맑은 고딕"/>
+        <a:font script="Hans" typeface="宋体"/>
+        <a:font script="Hant" typeface="新細明體"/>
+        <a:font script="Arab" typeface="Times New Roman"/>
+        <a:font script="Hebr" typeface="Times New Roman"/>
+        <a:font script="Thai" typeface="Angsana New"/>
+        <a:font script="Ethi" typeface="Nyala"/>
+        <a:font script="Beng" typeface="Vrinda"/>
+        <a:font script="Gujr" typeface="Shruti"/>
+        <a:font script="Khmr" typeface="MoolBoran"/>
+        <a:font script="Knda" typeface="Tunga"/>
+        <a:font script="Guru" typeface="Raavi"/>
+        <a:font script="Cans" typeface="Euphemia"/>
+        <a:font script="Cher" typeface="Plantagenet Cherokee"/>
+        <a:font script="Yiii" typeface="Microsoft Yi Baiti"/>
+        <a:font script="Tibt" typeface="Microsoft Himalaya"/>
+        <a:font script="Thaa" typeface="MV Boli"/>
+        <a:font script="Deva" typeface="Mangal"/>
+        <a:font script="Telu" typeface="Gautami"/>
+        <a:font script="Taml" typeface="Latha"/>
+        <a:font script="Syrc" typeface="Estrangelo Edessa"/>
+        <a:font script="Orya" typeface="Kalinga"/>
+        <a:font script="Mlym" typeface="Kartika"/>
+        <a:font script="Laoo" typeface="DokChampa"/>
+        <a:font script="Sinh" typeface="Iskoola Pota"/>
+        <a:font script="Mong" typeface="Mongolian Baiti"/>
+        <a:font script="Viet" typeface="Times New Roman"/>
+        <a:font script="Uigh" typeface="Microsoft Uighur"/>
+        <a:font script="Geor" typeface="Sylfaen"/>
+      </a:majorFont>
+      <a:minorFont>
+        <a:latin typeface="Calibri" panose="020F0502020204030204"/>
+        <a:ea typeface=""/>
+        <a:cs typeface=""/>
+        <a:font script="Jpan" typeface="ＭＳ Ｐゴシック"/>
+        <a:font script="Hang" typeface="맑은 고딕"/>
+        <a:font script="Hans" typeface="宋体"/>
+        <a:font script="Hant" typeface="新細明體"/>
+        <a:font script="Arab" typeface="Arial"/>
+        <a:font script="Hebr" typeface="Arial"/>
+        <a:font script="Thai" typeface="Cordia New"/>
         <a:font script="Ethi" typeface="Nyala"/>
         <a:font script="Beng" typeface="Vrinda"/>
         <a:font script="Gujr" typeface="Shruti"/>
@@ -8020,47 +8023,12 @@
         <a:font script="Laoo" typeface="DokChampa"/>
         <a:font script="Sinh" typeface="Iskoola Pota"/>
         <a:font script="Mong" typeface="Mongolian Baiti"/>
-        <a:font script="Viet" typeface="Tahoma"/>
-        <a:font script="Uigh" typeface="Microsoft Uighur"/>
-        <a:font script="Geor" typeface="Sylfaen"/>
-      </a:majorFont>
-      <a:minorFont>
-        <a:latin typeface="Franklin Gothic Book" panose="020B0503020102020204"/>
-        <a:ea typeface=""/>
-        <a:cs typeface=""/>
-        <a:font script="Jpan" typeface="メイリオ"/>
-        <a:font script="Hang" typeface="돋움"/>
-        <a:font script="Hans" typeface="华文楷体"/>
-        <a:font script="Hant" typeface="微軟正黑體"/>
-        <a:font script="Arab" typeface="Tahoma"/>
-        <a:font script="Hebr" typeface="Aharoni"/>
-        <a:font script="Thai" typeface="LilyUPC"/>
-        <a:font script="Ethi" typeface="Nyala"/>
-        <a:font script="Beng" typeface="Vrinda"/>
-        <a:font script="Gujr" typeface="Shruti"/>
-        <a:font script="Khmr" typeface="DaunPenh"/>
-        <a:font script="Knda" typeface="Tunga"/>
-        <a:font script="Guru" typeface="Raavi"/>
-        <a:font script="Cans" typeface="Euphemia"/>
-        <a:font script="Cher" typeface="Plantagenet Cherokee"/>
-        <a:font script="Yiii" typeface="Microsoft Yi Baiti"/>
-        <a:font script="Tibt" typeface="Microsoft Himalaya"/>
-        <a:font script="Thaa" typeface="MV Boli"/>
-        <a:font script="Deva" typeface="Mangal"/>
-        <a:font script="Telu" typeface="Gautami"/>
-        <a:font script="Taml" typeface="Latha"/>
-        <a:font script="Syrc" typeface="Estrangelo Edessa"/>
-        <a:font script="Orya" typeface="Kalinga"/>
-        <a:font script="Mlym" typeface="Kartika"/>
-        <a:font script="Laoo" typeface="DokChampa"/>
-        <a:font script="Sinh" typeface="Iskoola Pota"/>
-        <a:font script="Mong" typeface="Mongolian Baiti"/>
-        <a:font script="Viet" typeface="Tahoma"/>
+        <a:font script="Viet" typeface="Arial"/>
         <a:font script="Uigh" typeface="Microsoft Uighur"/>
         <a:font script="Geor" typeface="Sylfaen"/>
       </a:minorFont>
     </a:fontScheme>
-    <a:fmtScheme name="Cadrage">
+    <a:fmtScheme name="Rétrospective">
       <a:fillStyleLst>
         <a:solidFill>
           <a:schemeClr val="phClr"/>
@@ -8069,69 +8037,77 @@
           <a:gsLst>
             <a:gs pos="0">
               <a:schemeClr val="phClr">
-                <a:tint val="67000"/>
-                <a:satMod val="105000"/>
-                <a:lumMod val="110000"/>
+                <a:tint val="65000"/>
+                <a:shade val="92000"/>
+                <a:satMod val="130000"/>
               </a:schemeClr>
             </a:gs>
-            <a:gs pos="50000">
+            <a:gs pos="45000">
               <a:schemeClr val="phClr">
-                <a:tint val="73000"/>
-                <a:satMod val="103000"/>
-                <a:lumMod val="105000"/>
+                <a:tint val="60000"/>
+                <a:shade val="99000"/>
+                <a:satMod val="120000"/>
               </a:schemeClr>
             </a:gs>
             <a:gs pos="100000">
               <a:schemeClr val="phClr">
-                <a:tint val="81000"/>
-                <a:satMod val="109000"/>
-                <a:lumMod val="105000"/>
+                <a:tint val="55000"/>
+                <a:satMod val="140000"/>
               </a:schemeClr>
             </a:gs>
           </a:gsLst>
-          <a:lin ang="5400000" scaled="0"/>
+          <a:path path="circle">
+            <a:fillToRect l="100000" t="100000" r="100000" b="100000"/>
+          </a:path>
         </a:gradFill>
         <a:gradFill rotWithShape="1">
           <a:gsLst>
             <a:gs pos="0">
               <a:schemeClr val="phClr">
-                <a:tint val="94000"/>
-                <a:satMod val="103000"/>
-                <a:lumMod val="102000"/>
+                <a:shade val="85000"/>
+                <a:satMod val="130000"/>
               </a:schemeClr>
             </a:gs>
-            <a:gs pos="50000">
+            <a:gs pos="34000">
               <a:schemeClr val="phClr">
-                <a:shade val="100000"/>
-                <a:satMod val="110000"/>
-                <a:lumMod val="100000"/>
+                <a:shade val="87000"/>
+                <a:satMod val="125000"/>
+              </a:schemeClr>
+            </a:gs>
+            <a:gs pos="70000">
+              <a:schemeClr val="phClr">
+                <a:tint val="100000"/>
+                <a:shade val="90000"/>
+                <a:satMod val="130000"/>
               </a:schemeClr>
             </a:gs>
             <a:gs pos="100000">
               <a:schemeClr val="phClr">
-                <a:shade val="78000"/>
-                <a:satMod val="120000"/>
-                <a:lumMod val="99000"/>
+                <a:tint val="100000"/>
+                <a:shade val="100000"/>
+                <a:satMod val="110000"/>
               </a:schemeClr>
             </a:gs>
           </a:gsLst>
-          <a:lin ang="5400000" scaled="0"/>
+          <a:path path="circle">
+            <a:fillToRect l="100000" t="100000" r="100000" b="100000"/>
+          </a:path>
         </a:gradFill>
       </a:fillStyleLst>
       <a:lnStyleLst>
-        <a:ln w="6350" cap="flat" cmpd="sng" algn="in">
+        <a:ln w="12700" cap="flat" cmpd="sng" algn="ctr">
           <a:solidFill>
             <a:schemeClr val="phClr"/>
           </a:solidFill>
           <a:prstDash val="solid"/>
         </a:ln>
-        <a:ln w="34925" cap="flat" cmpd="sng" algn="in">
+        <a:ln w="15875" cap="flat" cmpd="sng" algn="ctr">
           <a:solidFill>
             <a:schemeClr val="phClr"/>
           </a:solidFill>
           <a:prstDash val="solid"/>
         </a:ln>
-        <a:ln w="19050" cap="flat" cmpd="sng" algn="in">
+        <a:ln w="25400" cap="flat" cmpd="sng" algn="ctr">
           <a:solidFill>
             <a:schemeClr val="phClr"/>
           </a:solidFill>
@@ -8143,16 +8119,33 @@
           <a:effectLst/>
         </a:effectStyle>
         <a:effectStyle>
-          <a:effectLst/>
+          <a:effectLst>
+            <a:outerShdw blurRad="38100" dist="25400" dir="2700000" algn="br" rotWithShape="0">
+              <a:srgbClr val="000000">
+                <a:alpha val="60000"/>
+              </a:srgbClr>
+            </a:outerShdw>
+          </a:effectLst>
         </a:effectStyle>
         <a:effectStyle>
           <a:effectLst>
-            <a:outerShdw blurRad="57150" dist="19050" dir="5400000" algn="ctr" rotWithShape="0">
+            <a:outerShdw blurRad="44450" dist="25400" dir="2700000" algn="br" rotWithShape="0">
               <a:srgbClr val="000000">
-                <a:alpha val="35000"/>
+                <a:alpha val="60000"/>
               </a:srgbClr>
             </a:outerShdw>
           </a:effectLst>
+          <a:scene3d>
+            <a:camera prst="orthographicFront">
+              <a:rot lat="0" lon="0" rev="0"/>
+            </a:camera>
+            <a:lightRig rig="threePt" dir="t">
+              <a:rot lat="0" lon="0" rev="19800000"/>
+            </a:lightRig>
+          </a:scene3d>
+          <a:sp3d prstMaterial="flat">
+            <a:bevelT w="25400" h="31750"/>
+          </a:sp3d>
         </a:effectStyle>
       </a:effectStyleLst>
       <a:bgFillStyleLst>
@@ -8161,36 +8154,36 @@
         </a:solidFill>
         <a:solidFill>
           <a:schemeClr val="phClr">
-            <a:tint val="95000"/>
-            <a:satMod val="170000"/>
+            <a:tint val="90000"/>
+            <a:shade val="97000"/>
+            <a:satMod val="130000"/>
           </a:schemeClr>
         </a:solidFill>
         <a:gradFill rotWithShape="1">
           <a:gsLst>
             <a:gs pos="0">
               <a:schemeClr val="phClr">
-                <a:tint val="93000"/>
-                <a:shade val="98000"/>
-                <a:satMod val="150000"/>
-                <a:lumMod val="102000"/>
+                <a:tint val="96000"/>
+                <a:shade val="99000"/>
+                <a:satMod val="140000"/>
               </a:schemeClr>
             </a:gs>
-            <a:gs pos="50000">
+            <a:gs pos="65000">
               <a:schemeClr val="phClr">
-                <a:tint val="98000"/>
-                <a:shade val="90000"/>
+                <a:tint val="100000"/>
+                <a:shade val="80000"/>
                 <a:satMod val="130000"/>
-                <a:lumMod val="103000"/>
               </a:schemeClr>
             </a:gs>
             <a:gs pos="100000">
               <a:schemeClr val="phClr">
-                <a:shade val="63000"/>
+                <a:tint val="100000"/>
+                <a:shade val="48000"/>
                 <a:satMod val="120000"/>
               </a:schemeClr>
             </a:gs>
           </a:gsLst>
-          <a:lin ang="5400000" scaled="0"/>
+          <a:lin ang="16200000" scaled="0"/>
         </a:gradFill>
       </a:bgFillStyleLst>
     </a:fmtScheme>
@@ -8199,7 +8192,7 @@
   <a:extraClrSchemeLst/>
   <a:extLst>
     <a:ext uri="{05A4C25C-085E-4340-85A3-A5531E510DB2}">
-      <thm15:themeFamily xmlns:thm15="http://schemas.microsoft.com/office/thememl/2012/main" name="Crop" id="{EC9488ED-E761-4D60-9AC4-764D1FE2C171}" vid="{CE19780C-D67D-4C13-9DE9-A52BC3BA51B4}"/>
+      <thm15:themeFamily xmlns:thm15="http://schemas.microsoft.com/office/thememl/2012/main" name="Retrospect" id="{5F128B03-DCCA-4EEB-AB3B-CF2899314A46}" vid="{3F1AAB62-24C6-49D2-8E01-B56FAC9A3DCD}"/>
     </a:ext>
   </a:extLst>
 </a:theme>

--- a/EvaluationParCompetences.pptx
+++ b/EvaluationParCompetences.pptx
@@ -24,6 +24,7 @@
     <p:sldId id="265" r:id="rId18"/>
     <p:sldId id="267" r:id="rId19"/>
     <p:sldId id="268" r:id="rId20"/>
+    <p:sldId id="275" r:id="rId21"/>
   </p:sldIdLst>
   <p:sldSz cx="12192000" cy="6858000"/>
   <p:notesSz cx="6858000" cy="9144000"/>
@@ -367,7 +368,7 @@
           <a:p>
             <a:fld id="{C79C3F50-D8CC-4C93-8A4E-A58F17A43B37}" type="datetimeFigureOut">
               <a:rPr lang="fr-FR" smtClean="0"/>
-              <a:t>07/07/2024</a:t>
+              <a:t>11/07/2024</a:t>
             </a:fld>
             <a:endParaRPr lang="fr-FR"/>
           </a:p>
@@ -575,7 +576,7 @@
           <a:p>
             <a:fld id="{C79C3F50-D8CC-4C93-8A4E-A58F17A43B37}" type="datetimeFigureOut">
               <a:rPr lang="fr-FR" smtClean="0"/>
-              <a:t>07/07/2024</a:t>
+              <a:t>11/07/2024</a:t>
             </a:fld>
             <a:endParaRPr lang="fr-FR"/>
           </a:p>
@@ -831,7 +832,7 @@
           <a:p>
             <a:fld id="{C79C3F50-D8CC-4C93-8A4E-A58F17A43B37}" type="datetimeFigureOut">
               <a:rPr lang="fr-FR" smtClean="0"/>
-              <a:t>07/07/2024</a:t>
+              <a:t>11/07/2024</a:t>
             </a:fld>
             <a:endParaRPr lang="fr-FR"/>
           </a:p>
@@ -1005,7 +1006,7 @@
           <a:p>
             <a:fld id="{C79C3F50-D8CC-4C93-8A4E-A58F17A43B37}" type="datetimeFigureOut">
               <a:rPr lang="fr-FR" smtClean="0"/>
-              <a:t>07/07/2024</a:t>
+              <a:t>11/07/2024</a:t>
             </a:fld>
             <a:endParaRPr lang="fr-FR"/>
           </a:p>
@@ -1348,7 +1349,7 @@
           <a:p>
             <a:fld id="{C79C3F50-D8CC-4C93-8A4E-A58F17A43B37}" type="datetimeFigureOut">
               <a:rPr lang="fr-FR" smtClean="0"/>
-              <a:t>07/07/2024</a:t>
+              <a:t>11/07/2024</a:t>
             </a:fld>
             <a:endParaRPr lang="fr-FR"/>
           </a:p>
@@ -1623,7 +1624,7 @@
           <a:p>
             <a:fld id="{C79C3F50-D8CC-4C93-8A4E-A58F17A43B37}" type="datetimeFigureOut">
               <a:rPr lang="fr-FR" smtClean="0"/>
-              <a:t>07/07/2024</a:t>
+              <a:t>11/07/2024</a:t>
             </a:fld>
             <a:endParaRPr lang="fr-FR"/>
           </a:p>
@@ -2007,7 +2008,7 @@
           <a:p>
             <a:fld id="{C79C3F50-D8CC-4C93-8A4E-A58F17A43B37}" type="datetimeFigureOut">
               <a:rPr lang="fr-FR" smtClean="0"/>
-              <a:t>07/07/2024</a:t>
+              <a:t>11/07/2024</a:t>
             </a:fld>
             <a:endParaRPr lang="fr-FR"/>
           </a:p>
@@ -2125,7 +2126,7 @@
           <a:p>
             <a:fld id="{C79C3F50-D8CC-4C93-8A4E-A58F17A43B37}" type="datetimeFigureOut">
               <a:rPr lang="fr-FR" smtClean="0"/>
-              <a:t>07/07/2024</a:t>
+              <a:t>11/07/2024</a:t>
             </a:fld>
             <a:endParaRPr lang="fr-FR"/>
           </a:p>
@@ -2296,7 +2297,7 @@
           <a:p>
             <a:fld id="{C79C3F50-D8CC-4C93-8A4E-A58F17A43B37}" type="datetimeFigureOut">
               <a:rPr lang="fr-FR" smtClean="0"/>
-              <a:t>07/07/2024</a:t>
+              <a:t>11/07/2024</a:t>
             </a:fld>
             <a:endParaRPr lang="fr-FR"/>
           </a:p>
@@ -2650,7 +2651,7 @@
           <a:p>
             <a:fld id="{C79C3F50-D8CC-4C93-8A4E-A58F17A43B37}" type="datetimeFigureOut">
               <a:rPr lang="fr-FR" smtClean="0"/>
-              <a:t>07/07/2024</a:t>
+              <a:t>11/07/2024</a:t>
             </a:fld>
             <a:endParaRPr lang="fr-FR"/>
           </a:p>
@@ -3037,7 +3038,7 @@
           <a:p>
             <a:fld id="{C79C3F50-D8CC-4C93-8A4E-A58F17A43B37}" type="datetimeFigureOut">
               <a:rPr lang="fr-FR" smtClean="0"/>
-              <a:t>07/07/2024</a:t>
+              <a:t>11/07/2024</a:t>
             </a:fld>
             <a:endParaRPr lang="fr-FR"/>
           </a:p>
@@ -3324,7 +3325,7 @@
           <a:p>
             <a:fld id="{C79C3F50-D8CC-4C93-8A4E-A58F17A43B37}" type="datetimeFigureOut">
               <a:rPr lang="fr-FR" smtClean="0"/>
-              <a:t>07/07/2024</a:t>
+              <a:t>11/07/2024</a:t>
             </a:fld>
             <a:endParaRPr lang="fr-FR"/>
           </a:p>
@@ -5759,6 +5760,120 @@
 </p:sld>
 </file>
 
+<file path=ppt/slides/slide20.xml><?xml version="1.0" encoding="utf-8"?>
+<p:sld xmlns:a="http://schemas.openxmlformats.org/drawingml/2006/main" xmlns:r="http://schemas.openxmlformats.org/officeDocument/2006/relationships" xmlns:p="http://schemas.openxmlformats.org/presentationml/2006/main">
+  <p:cSld>
+    <p:spTree>
+      <p:nvGrpSpPr>
+        <p:cNvPr id="1" name=""/>
+        <p:cNvGrpSpPr/>
+        <p:nvPr/>
+      </p:nvGrpSpPr>
+      <p:grpSpPr>
+        <a:xfrm>
+          <a:off x="0" y="0"/>
+          <a:ext cx="0" cy="0"/>
+          <a:chOff x="0" y="0"/>
+          <a:chExt cx="0" cy="0"/>
+        </a:xfrm>
+      </p:grpSpPr>
+      <p:sp>
+        <p:nvSpPr>
+          <p:cNvPr id="2" name="Titre 1">
+            <a:extLst>
+              <a:ext uri="{FF2B5EF4-FFF2-40B4-BE49-F238E27FC236}">
+                <a16:creationId xmlns:a16="http://schemas.microsoft.com/office/drawing/2014/main" id="{5202A727-5935-EFE7-D22A-71E2AA554B5B}"/>
+              </a:ext>
+            </a:extLst>
+          </p:cNvPr>
+          <p:cNvSpPr>
+            <a:spLocks noGrp="1"/>
+          </p:cNvSpPr>
+          <p:nvPr>
+            <p:ph type="title"/>
+          </p:nvPr>
+        </p:nvSpPr>
+        <p:spPr/>
+        <p:txBody>
+          <a:bodyPr/>
+          <a:lstStyle/>
+          <a:p>
+            <a:endParaRPr lang="fr-FR"/>
+          </a:p>
+        </p:txBody>
+      </p:sp>
+      <p:pic>
+        <p:nvPicPr>
+          <p:cNvPr id="5" name="Espace réservé du contenu 4">
+            <a:extLst>
+              <a:ext uri="{FF2B5EF4-FFF2-40B4-BE49-F238E27FC236}">
+                <a16:creationId xmlns:a16="http://schemas.microsoft.com/office/drawing/2014/main" id="{8B313E5C-F396-34AB-46B6-3FA2539AC766}"/>
+              </a:ext>
+            </a:extLst>
+          </p:cNvPr>
+          <p:cNvPicPr>
+            <a:picLocks noGrp="1" noChangeAspect="1"/>
+          </p:cNvPicPr>
+          <p:nvPr>
+            <p:ph idx="1"/>
+          </p:nvPr>
+        </p:nvPicPr>
+        <p:blipFill>
+          <a:blip r:embed="rId2"/>
+          <a:stretch>
+            <a:fillRect/>
+          </a:stretch>
+        </p:blipFill>
+        <p:spPr>
+          <a:xfrm>
+            <a:off x="1097280" y="-188251"/>
+            <a:ext cx="8688012" cy="2534004"/>
+          </a:xfrm>
+        </p:spPr>
+      </p:pic>
+      <p:pic>
+        <p:nvPicPr>
+          <p:cNvPr id="7" name="Image 6">
+            <a:extLst>
+              <a:ext uri="{FF2B5EF4-FFF2-40B4-BE49-F238E27FC236}">
+                <a16:creationId xmlns:a16="http://schemas.microsoft.com/office/drawing/2014/main" id="{A876EE90-7C2D-5D95-A030-7BF79FF59D8B}"/>
+              </a:ext>
+            </a:extLst>
+          </p:cNvPr>
+          <p:cNvPicPr>
+            <a:picLocks noChangeAspect="1"/>
+          </p:cNvPicPr>
+          <p:nvPr/>
+        </p:nvPicPr>
+        <p:blipFill>
+          <a:blip r:embed="rId3"/>
+          <a:stretch>
+            <a:fillRect/>
+          </a:stretch>
+        </p:blipFill>
+        <p:spPr>
+          <a:xfrm>
+            <a:off x="632650" y="2345753"/>
+            <a:ext cx="10926700" cy="3124636"/>
+          </a:xfrm>
+          <a:prstGeom prst="rect">
+            <a:avLst/>
+          </a:prstGeom>
+        </p:spPr>
+      </p:pic>
+    </p:spTree>
+    <p:extLst>
+      <p:ext uri="{BB962C8B-B14F-4D97-AF65-F5344CB8AC3E}">
+        <p14:creationId xmlns:p14="http://schemas.microsoft.com/office/powerpoint/2010/main" val="4242013174"/>
+      </p:ext>
+    </p:extLst>
+  </p:cSld>
+  <p:clrMapOvr>
+    <a:masterClrMapping/>
+  </p:clrMapOvr>
+</p:sld>
+</file>
+
 <file path=ppt/slides/slide3.xml><?xml version="1.0" encoding="utf-8"?>
 <p:sld xmlns:a="http://schemas.openxmlformats.org/drawingml/2006/main" xmlns:r="http://schemas.openxmlformats.org/officeDocument/2006/relationships" xmlns:p="http://schemas.openxmlformats.org/presentationml/2006/main">
   <p:cSld>
